--- a/units/11/lessons/4/resources/petascale-lesson-11.4-slides.pptx
+++ b/units/11/lessons/4/resources/petascale-lesson-11.4-slides.pptx
@@ -1,28 +1,29 @@
 
 <file path=ppt/presentation.xml><?xml version="1.0" encoding="utf-8"?>
-<p:presentation xmlns:a="http://schemas.openxmlformats.org/drawingml/2006/main" xmlns:r="http://schemas.openxmlformats.org/officeDocument/2006/relationships" xmlns:mc="http://schemas.openxmlformats.org/markup-compatibility/2006" xmlns:mv="urn:schemas-microsoft-com:mac:vml" xmlns:p="http://schemas.openxmlformats.org/presentationml/2006/main" xmlns:c="http://schemas.openxmlformats.org/drawingml/2006/chart" xmlns:dgm="http://schemas.openxmlformats.org/drawingml/2006/diagram" xmlns:o="urn:schemas-microsoft-com:office:office" xmlns:v="urn:schemas-microsoft-com:vml" xmlns:pvml="urn:schemas-microsoft-com:office:powerpoint" xmlns:com="http://schemas.openxmlformats.org/drawingml/2006/compatibility" xmlns:p14="http://schemas.microsoft.com/office/powerpoint/2010/main" xmlns:p15="http://schemas.microsoft.com/office/powerpoint/2012/main" xmlns:ahyp="http://schemas.microsoft.com/office/drawing/2018/hyperlinkcolor" autoCompressPictures="0" strictFirstAndLastChars="0" saveSubsetFonts="1">
+<p:presentation xmlns:a="http://schemas.openxmlformats.org/drawingml/2006/main" xmlns:r="http://schemas.openxmlformats.org/officeDocument/2006/relationships" xmlns:p="http://schemas.openxmlformats.org/presentationml/2006/main" strictFirstAndLastChars="0" saveSubsetFonts="1" autoCompressPictures="0">
   <p:sldMasterIdLst>
-    <p:sldMasterId id="2147483659" r:id="rId4"/>
+    <p:sldMasterId id="2147483659" r:id="rId1"/>
   </p:sldMasterIdLst>
   <p:notesMasterIdLst>
-    <p:notesMasterId r:id="rId5"/>
+    <p:notesMasterId r:id="rId13"/>
   </p:notesMasterIdLst>
   <p:sldIdLst>
-    <p:sldId id="256" r:id="rId6"/>
-    <p:sldId id="257" r:id="rId7"/>
-    <p:sldId id="258" r:id="rId8"/>
-    <p:sldId id="259" r:id="rId9"/>
-    <p:sldId id="260" r:id="rId10"/>
-    <p:sldId id="261" r:id="rId11"/>
-    <p:sldId id="262" r:id="rId12"/>
-    <p:sldId id="263" r:id="rId13"/>
-    <p:sldId id="264" r:id="rId14"/>
-    <p:sldId id="265" r:id="rId15"/>
+    <p:sldId id="266" r:id="rId2"/>
+    <p:sldId id="267" r:id="rId3"/>
+    <p:sldId id="257" r:id="rId4"/>
+    <p:sldId id="258" r:id="rId5"/>
+    <p:sldId id="259" r:id="rId6"/>
+    <p:sldId id="260" r:id="rId7"/>
+    <p:sldId id="261" r:id="rId8"/>
+    <p:sldId id="262" r:id="rId9"/>
+    <p:sldId id="263" r:id="rId10"/>
+    <p:sldId id="264" r:id="rId11"/>
+    <p:sldId id="265" r:id="rId12"/>
   </p:sldIdLst>
-  <p:sldSz cy="5143500" cx="9144000"/>
+  <p:sldSz cx="9144000" cy="5143500" type="screen16x9"/>
   <p:notesSz cx="6858000" cy="9144000"/>
   <p:defaultTextStyle>
-    <a:defPPr lvl="0" marR="0" rtl="0" algn="l">
+    <a:defPPr marR="0" lvl="0" algn="l" rtl="0">
       <a:lnSpc>
         <a:spcPct val="100000"/>
       </a:lnSpc>
@@ -33,7 +34,7 @@
         <a:spcPts val="0"/>
       </a:spcAft>
     </a:defPPr>
-    <a:lvl1pPr lvl="0" marR="0" rtl="0" algn="l">
+    <a:lvl1pPr marR="0" lvl="0" algn="l" rtl="0">
       <a:lnSpc>
         <a:spcPct val="100000"/>
       </a:lnSpc>
@@ -47,7 +48,7 @@
         <a:srgbClr val="000000"/>
       </a:buClr>
       <a:buFont typeface="Arial"/>
-      <a:defRPr b="0" i="0" sz="1400" u="none" cap="none" strike="noStrike">
+      <a:defRPr sz="1400" b="0" i="0" u="none" strike="noStrike" cap="none">
         <a:solidFill>
           <a:srgbClr val="000000"/>
         </a:solidFill>
@@ -57,7 +58,7 @@
         <a:sym typeface="Arial"/>
       </a:defRPr>
     </a:lvl1pPr>
-    <a:lvl2pPr lvl="1" marR="0" rtl="0" algn="l">
+    <a:lvl2pPr marR="0" lvl="1" algn="l" rtl="0">
       <a:lnSpc>
         <a:spcPct val="100000"/>
       </a:lnSpc>
@@ -71,7 +72,7 @@
         <a:srgbClr val="000000"/>
       </a:buClr>
       <a:buFont typeface="Arial"/>
-      <a:defRPr b="0" i="0" sz="1400" u="none" cap="none" strike="noStrike">
+      <a:defRPr sz="1400" b="0" i="0" u="none" strike="noStrike" cap="none">
         <a:solidFill>
           <a:srgbClr val="000000"/>
         </a:solidFill>
@@ -81,7 +82,7 @@
         <a:sym typeface="Arial"/>
       </a:defRPr>
     </a:lvl2pPr>
-    <a:lvl3pPr lvl="2" marR="0" rtl="0" algn="l">
+    <a:lvl3pPr marR="0" lvl="2" algn="l" rtl="0">
       <a:lnSpc>
         <a:spcPct val="100000"/>
       </a:lnSpc>
@@ -95,7 +96,7 @@
         <a:srgbClr val="000000"/>
       </a:buClr>
       <a:buFont typeface="Arial"/>
-      <a:defRPr b="0" i="0" sz="1400" u="none" cap="none" strike="noStrike">
+      <a:defRPr sz="1400" b="0" i="0" u="none" strike="noStrike" cap="none">
         <a:solidFill>
           <a:srgbClr val="000000"/>
         </a:solidFill>
@@ -105,7 +106,7 @@
         <a:sym typeface="Arial"/>
       </a:defRPr>
     </a:lvl3pPr>
-    <a:lvl4pPr lvl="3" marR="0" rtl="0" algn="l">
+    <a:lvl4pPr marR="0" lvl="3" algn="l" rtl="0">
       <a:lnSpc>
         <a:spcPct val="100000"/>
       </a:lnSpc>
@@ -119,7 +120,7 @@
         <a:srgbClr val="000000"/>
       </a:buClr>
       <a:buFont typeface="Arial"/>
-      <a:defRPr b="0" i="0" sz="1400" u="none" cap="none" strike="noStrike">
+      <a:defRPr sz="1400" b="0" i="0" u="none" strike="noStrike" cap="none">
         <a:solidFill>
           <a:srgbClr val="000000"/>
         </a:solidFill>
@@ -129,7 +130,7 @@
         <a:sym typeface="Arial"/>
       </a:defRPr>
     </a:lvl4pPr>
-    <a:lvl5pPr lvl="4" marR="0" rtl="0" algn="l">
+    <a:lvl5pPr marR="0" lvl="4" algn="l" rtl="0">
       <a:lnSpc>
         <a:spcPct val="100000"/>
       </a:lnSpc>
@@ -143,7 +144,7 @@
         <a:srgbClr val="000000"/>
       </a:buClr>
       <a:buFont typeface="Arial"/>
-      <a:defRPr b="0" i="0" sz="1400" u="none" cap="none" strike="noStrike">
+      <a:defRPr sz="1400" b="0" i="0" u="none" strike="noStrike" cap="none">
         <a:solidFill>
           <a:srgbClr val="000000"/>
         </a:solidFill>
@@ -153,7 +154,7 @@
         <a:sym typeface="Arial"/>
       </a:defRPr>
     </a:lvl5pPr>
-    <a:lvl6pPr lvl="5" marR="0" rtl="0" algn="l">
+    <a:lvl6pPr marR="0" lvl="5" algn="l" rtl="0">
       <a:lnSpc>
         <a:spcPct val="100000"/>
       </a:lnSpc>
@@ -167,7 +168,7 @@
         <a:srgbClr val="000000"/>
       </a:buClr>
       <a:buFont typeface="Arial"/>
-      <a:defRPr b="0" i="0" sz="1400" u="none" cap="none" strike="noStrike">
+      <a:defRPr sz="1400" b="0" i="0" u="none" strike="noStrike" cap="none">
         <a:solidFill>
           <a:srgbClr val="000000"/>
         </a:solidFill>
@@ -177,7 +178,7 @@
         <a:sym typeface="Arial"/>
       </a:defRPr>
     </a:lvl6pPr>
-    <a:lvl7pPr lvl="6" marR="0" rtl="0" algn="l">
+    <a:lvl7pPr marR="0" lvl="6" algn="l" rtl="0">
       <a:lnSpc>
         <a:spcPct val="100000"/>
       </a:lnSpc>
@@ -191,7 +192,7 @@
         <a:srgbClr val="000000"/>
       </a:buClr>
       <a:buFont typeface="Arial"/>
-      <a:defRPr b="0" i="0" sz="1400" u="none" cap="none" strike="noStrike">
+      <a:defRPr sz="1400" b="0" i="0" u="none" strike="noStrike" cap="none">
         <a:solidFill>
           <a:srgbClr val="000000"/>
         </a:solidFill>
@@ -201,7 +202,7 @@
         <a:sym typeface="Arial"/>
       </a:defRPr>
     </a:lvl7pPr>
-    <a:lvl8pPr lvl="7" marR="0" rtl="0" algn="l">
+    <a:lvl8pPr marR="0" lvl="7" algn="l" rtl="0">
       <a:lnSpc>
         <a:spcPct val="100000"/>
       </a:lnSpc>
@@ -215,7 +216,7 @@
         <a:srgbClr val="000000"/>
       </a:buClr>
       <a:buFont typeface="Arial"/>
-      <a:defRPr b="0" i="0" sz="1400" u="none" cap="none" strike="noStrike">
+      <a:defRPr sz="1400" b="0" i="0" u="none" strike="noStrike" cap="none">
         <a:solidFill>
           <a:srgbClr val="000000"/>
         </a:solidFill>
@@ -225,7 +226,7 @@
         <a:sym typeface="Arial"/>
       </a:defRPr>
     </a:lvl8pPr>
-    <a:lvl9pPr lvl="8" marR="0" rtl="0" algn="l">
+    <a:lvl9pPr marR="0" lvl="8" algn="l" rtl="0">
       <a:lnSpc>
         <a:spcPct val="100000"/>
       </a:lnSpc>
@@ -239,7 +240,7 @@
         <a:srgbClr val="000000"/>
       </a:buClr>
       <a:buFont typeface="Arial"/>
-      <a:defRPr b="0" i="0" sz="1400" u="none" cap="none" strike="noStrike">
+      <a:defRPr sz="1400" b="0" i="0" u="none" strike="noStrike" cap="none">
         <a:solidFill>
           <a:srgbClr val="000000"/>
         </a:solidFill>
@@ -252,7 +253,7 @@
   </p:defaultTextStyle>
   <p:extLst>
     <p:ext uri="{EFAFB233-063F-42B5-8137-9DF3F51BA10A}">
-      <p15:sldGuideLst>
+      <p15:sldGuideLst xmlns:p15="http://schemas.microsoft.com/office/powerpoint/2012/main">
         <p15:guide id="1" orient="horz" pos="1620">
           <p15:clr>
             <a:srgbClr val="A4A3A4"/>
@@ -270,11 +271,16 @@
 </file>
 
 <file path=ppt/notesMasters/notesMaster1.xml><?xml version="1.0" encoding="utf-8"?>
-<p:notesMaster xmlns:a="http://schemas.openxmlformats.org/drawingml/2006/main" xmlns:r="http://schemas.openxmlformats.org/officeDocument/2006/relationships" xmlns:mc="http://schemas.openxmlformats.org/markup-compatibility/2006" xmlns:mv="urn:schemas-microsoft-com:mac:vml" xmlns:p="http://schemas.openxmlformats.org/presentationml/2006/main" xmlns:c="http://schemas.openxmlformats.org/drawingml/2006/chart" xmlns:dgm="http://schemas.openxmlformats.org/drawingml/2006/diagram" xmlns:o="urn:schemas-microsoft-com:office:office" xmlns:v="urn:schemas-microsoft-com:vml" xmlns:pvml="urn:schemas-microsoft-com:office:powerpoint" xmlns:com="http://schemas.openxmlformats.org/drawingml/2006/compatibility" xmlns:p14="http://schemas.microsoft.com/office/powerpoint/2010/main" xmlns:p15="http://schemas.microsoft.com/office/powerpoint/2012/main" xmlns:ahyp="http://schemas.microsoft.com/office/drawing/2018/hyperlinkcolor">
+<p:notesMaster xmlns:a="http://schemas.openxmlformats.org/drawingml/2006/main" xmlns:r="http://schemas.openxmlformats.org/officeDocument/2006/relationships" xmlns:p="http://schemas.openxmlformats.org/presentationml/2006/main">
   <p:cSld>
+    <p:bg>
+      <p:bgRef idx="1001">
+        <a:schemeClr val="bg1"/>
+      </p:bgRef>
+    </p:bg>
     <p:spTree>
       <p:nvGrpSpPr>
-        <p:cNvPr id="2" name="Shape 2"/>
+        <p:cNvPr id="1" name="Shape 2"/>
         <p:cNvGrpSpPr/>
         <p:nvPr/>
       </p:nvGrpSpPr>
@@ -289,9 +295,11 @@
       <p:sp>
         <p:nvSpPr>
           <p:cNvPr id="3" name="Google Shape;3;n"/>
-          <p:cNvSpPr/>
+          <p:cNvSpPr>
+            <a:spLocks noGrp="1" noRot="1" noChangeAspect="1"/>
+          </p:cNvSpPr>
           <p:nvPr>
-            <p:ph idx="2" type="sldImg"/>
+            <p:ph type="sldImg" idx="2"/>
           </p:nvPr>
         </p:nvSpPr>
         <p:spPr>
@@ -300,9 +308,13 @@
             <a:ext cx="6096075" cy="3429000"/>
           </a:xfrm>
           <a:custGeom>
-            <a:rect b="b" l="l" r="r" t="t"/>
+            <a:avLst/>
+            <a:gdLst/>
+            <a:ahLst/>
+            <a:cxnLst/>
+            <a:rect l="l" t="t" r="r" b="b"/>
             <a:pathLst>
-              <a:path extrusionOk="0" h="120000" w="120000">
+              <a:path w="120000" h="120000" extrusionOk="0">
                 <a:moveTo>
                   <a:pt x="0" y="0"/>
                 </a:moveTo>
@@ -320,23 +332,25 @@
             </a:pathLst>
           </a:custGeom>
           <a:noFill/>
-          <a:ln cap="flat" cmpd="sng" w="9525">
+          <a:ln w="9525" cap="flat" cmpd="sng">
             <a:solidFill>
               <a:srgbClr val="000000"/>
             </a:solidFill>
             <a:prstDash val="solid"/>
             <a:round/>
-            <a:headEnd len="sm" w="sm" type="none"/>
-            <a:tailEnd len="sm" w="sm" type="none"/>
+            <a:headEnd type="none" w="sm" len="sm"/>
+            <a:tailEnd type="none" w="sm" len="sm"/>
           </a:ln>
         </p:spPr>
       </p:sp>
       <p:sp>
         <p:nvSpPr>
           <p:cNvPr id="4" name="Google Shape;4;n"/>
-          <p:cNvSpPr txBox="1"/>
+          <p:cNvSpPr txBox="1">
+            <a:spLocks noGrp="1"/>
+          </p:cNvSpPr>
           <p:nvPr>
-            <p:ph idx="1" type="body"/>
+            <p:ph type="body" idx="1"/>
           </p:nvPr>
         </p:nvSpPr>
         <p:spPr>
@@ -353,11 +367,11 @@
           </a:ln>
         </p:spPr>
         <p:txBody>
-          <a:bodyPr anchorCtr="0" anchor="t" bIns="91425" lIns="91425" spcFirstLastPara="1" rIns="91425" wrap="square" tIns="91425">
+          <a:bodyPr spcFirstLastPara="1" wrap="square" lIns="91425" tIns="91425" rIns="91425" bIns="91425" anchor="t" anchorCtr="0">
             <a:noAutofit/>
           </a:bodyPr>
           <a:lstStyle>
-            <a:lvl1pPr indent="-298450" lvl="0" marL="457200">
+            <a:lvl1pPr marL="457200" lvl="0" indent="-298450">
               <a:spcBef>
                 <a:spcPts val="0"/>
               </a:spcBef>
@@ -368,7 +382,7 @@
               <a:buChar char="●"/>
               <a:defRPr sz="1100"/>
             </a:lvl1pPr>
-            <a:lvl2pPr indent="-298450" lvl="1" marL="914400">
+            <a:lvl2pPr marL="914400" lvl="1" indent="-298450">
               <a:spcBef>
                 <a:spcPts val="0"/>
               </a:spcBef>
@@ -379,7 +393,7 @@
               <a:buChar char="○"/>
               <a:defRPr sz="1100"/>
             </a:lvl2pPr>
-            <a:lvl3pPr indent="-298450" lvl="2" marL="1371600">
+            <a:lvl3pPr marL="1371600" lvl="2" indent="-298450">
               <a:spcBef>
                 <a:spcPts val="0"/>
               </a:spcBef>
@@ -390,7 +404,7 @@
               <a:buChar char="■"/>
               <a:defRPr sz="1100"/>
             </a:lvl3pPr>
-            <a:lvl4pPr indent="-298450" lvl="3" marL="1828800">
+            <a:lvl4pPr marL="1828800" lvl="3" indent="-298450">
               <a:spcBef>
                 <a:spcPts val="0"/>
               </a:spcBef>
@@ -401,7 +415,7 @@
               <a:buChar char="●"/>
               <a:defRPr sz="1100"/>
             </a:lvl4pPr>
-            <a:lvl5pPr indent="-298450" lvl="4" marL="2286000">
+            <a:lvl5pPr marL="2286000" lvl="4" indent="-298450">
               <a:spcBef>
                 <a:spcPts val="0"/>
               </a:spcBef>
@@ -412,7 +426,7 @@
               <a:buChar char="○"/>
               <a:defRPr sz="1100"/>
             </a:lvl5pPr>
-            <a:lvl6pPr indent="-298450" lvl="5" marL="2743200">
+            <a:lvl6pPr marL="2743200" lvl="5" indent="-298450">
               <a:spcBef>
                 <a:spcPts val="0"/>
               </a:spcBef>
@@ -423,7 +437,7 @@
               <a:buChar char="■"/>
               <a:defRPr sz="1100"/>
             </a:lvl6pPr>
-            <a:lvl7pPr indent="-298450" lvl="6" marL="3200400">
+            <a:lvl7pPr marL="3200400" lvl="6" indent="-298450">
               <a:spcBef>
                 <a:spcPts val="0"/>
               </a:spcBef>
@@ -434,7 +448,7 @@
               <a:buChar char="●"/>
               <a:defRPr sz="1100"/>
             </a:lvl7pPr>
-            <a:lvl8pPr indent="-298450" lvl="7" marL="3657600">
+            <a:lvl8pPr marL="3657600" lvl="7" indent="-298450">
               <a:spcBef>
                 <a:spcPts val="0"/>
               </a:spcBef>
@@ -445,7 +459,7 @@
               <a:buChar char="○"/>
               <a:defRPr sz="1100"/>
             </a:lvl8pPr>
-            <a:lvl9pPr indent="-298450" lvl="8" marL="4114800">
+            <a:lvl9pPr marL="4114800" lvl="8" indent="-298450">
               <a:spcBef>
                 <a:spcPts val="0"/>
               </a:spcBef>
@@ -457,14 +471,16 @@
               <a:defRPr sz="1100"/>
             </a:lvl9pPr>
           </a:lstStyle>
-          <a:p/>
+          <a:p>
+            <a:endParaRPr/>
+          </a:p>
         </p:txBody>
       </p:sp>
     </p:spTree>
   </p:cSld>
-  <p:clrMap accent1="accent1" accent2="accent2" accent3="accent3" accent4="accent4" accent5="accent5" accent6="accent6" bg1="lt1" bg2="dk2" tx1="dk1" tx2="lt2" folHlink="folHlink" hlink="hlink"/>
+  <p:clrMap bg1="lt1" tx1="dk1" bg2="dk2" tx2="lt2" accent1="accent1" accent2="accent2" accent3="accent3" accent4="accent4" accent5="accent5" accent6="accent6" hlink="hlink" folHlink="folHlink"/>
   <p:notesStyle>
-    <a:defPPr lvl="0" marR="0" rtl="0" algn="l">
+    <a:defPPr marR="0" lvl="0" algn="l" rtl="0">
       <a:lnSpc>
         <a:spcPct val="100000"/>
       </a:lnSpc>
@@ -475,7 +491,7 @@
         <a:spcPts val="0"/>
       </a:spcAft>
     </a:defPPr>
-    <a:lvl1pPr lvl="0" marR="0" rtl="0" algn="l">
+    <a:lvl1pPr marR="0" lvl="0" algn="l" rtl="0">
       <a:lnSpc>
         <a:spcPct val="100000"/>
       </a:lnSpc>
@@ -489,7 +505,7 @@
         <a:srgbClr val="000000"/>
       </a:buClr>
       <a:buFont typeface="Arial"/>
-      <a:defRPr b="0" i="0" sz="1400" u="none" cap="none" strike="noStrike">
+      <a:defRPr sz="1400" b="0" i="0" u="none" strike="noStrike" cap="none">
         <a:solidFill>
           <a:srgbClr val="000000"/>
         </a:solidFill>
@@ -499,7 +515,7 @@
         <a:sym typeface="Arial"/>
       </a:defRPr>
     </a:lvl1pPr>
-    <a:lvl2pPr lvl="1" marR="0" rtl="0" algn="l">
+    <a:lvl2pPr marR="0" lvl="1" algn="l" rtl="0">
       <a:lnSpc>
         <a:spcPct val="100000"/>
       </a:lnSpc>
@@ -513,7 +529,7 @@
         <a:srgbClr val="000000"/>
       </a:buClr>
       <a:buFont typeface="Arial"/>
-      <a:defRPr b="0" i="0" sz="1400" u="none" cap="none" strike="noStrike">
+      <a:defRPr sz="1400" b="0" i="0" u="none" strike="noStrike" cap="none">
         <a:solidFill>
           <a:srgbClr val="000000"/>
         </a:solidFill>
@@ -523,7 +539,7 @@
         <a:sym typeface="Arial"/>
       </a:defRPr>
     </a:lvl2pPr>
-    <a:lvl3pPr lvl="2" marR="0" rtl="0" algn="l">
+    <a:lvl3pPr marR="0" lvl="2" algn="l" rtl="0">
       <a:lnSpc>
         <a:spcPct val="100000"/>
       </a:lnSpc>
@@ -537,7 +553,7 @@
         <a:srgbClr val="000000"/>
       </a:buClr>
       <a:buFont typeface="Arial"/>
-      <a:defRPr b="0" i="0" sz="1400" u="none" cap="none" strike="noStrike">
+      <a:defRPr sz="1400" b="0" i="0" u="none" strike="noStrike" cap="none">
         <a:solidFill>
           <a:srgbClr val="000000"/>
         </a:solidFill>
@@ -547,7 +563,7 @@
         <a:sym typeface="Arial"/>
       </a:defRPr>
     </a:lvl3pPr>
-    <a:lvl4pPr lvl="3" marR="0" rtl="0" algn="l">
+    <a:lvl4pPr marR="0" lvl="3" algn="l" rtl="0">
       <a:lnSpc>
         <a:spcPct val="100000"/>
       </a:lnSpc>
@@ -561,7 +577,7 @@
         <a:srgbClr val="000000"/>
       </a:buClr>
       <a:buFont typeface="Arial"/>
-      <a:defRPr b="0" i="0" sz="1400" u="none" cap="none" strike="noStrike">
+      <a:defRPr sz="1400" b="0" i="0" u="none" strike="noStrike" cap="none">
         <a:solidFill>
           <a:srgbClr val="000000"/>
         </a:solidFill>
@@ -571,7 +587,7 @@
         <a:sym typeface="Arial"/>
       </a:defRPr>
     </a:lvl4pPr>
-    <a:lvl5pPr lvl="4" marR="0" rtl="0" algn="l">
+    <a:lvl5pPr marR="0" lvl="4" algn="l" rtl="0">
       <a:lnSpc>
         <a:spcPct val="100000"/>
       </a:lnSpc>
@@ -585,7 +601,7 @@
         <a:srgbClr val="000000"/>
       </a:buClr>
       <a:buFont typeface="Arial"/>
-      <a:defRPr b="0" i="0" sz="1400" u="none" cap="none" strike="noStrike">
+      <a:defRPr sz="1400" b="0" i="0" u="none" strike="noStrike" cap="none">
         <a:solidFill>
           <a:srgbClr val="000000"/>
         </a:solidFill>
@@ -595,7 +611,7 @@
         <a:sym typeface="Arial"/>
       </a:defRPr>
     </a:lvl5pPr>
-    <a:lvl6pPr lvl="5" marR="0" rtl="0" algn="l">
+    <a:lvl6pPr marR="0" lvl="5" algn="l" rtl="0">
       <a:lnSpc>
         <a:spcPct val="100000"/>
       </a:lnSpc>
@@ -609,7 +625,7 @@
         <a:srgbClr val="000000"/>
       </a:buClr>
       <a:buFont typeface="Arial"/>
-      <a:defRPr b="0" i="0" sz="1400" u="none" cap="none" strike="noStrike">
+      <a:defRPr sz="1400" b="0" i="0" u="none" strike="noStrike" cap="none">
         <a:solidFill>
           <a:srgbClr val="000000"/>
         </a:solidFill>
@@ -619,7 +635,7 @@
         <a:sym typeface="Arial"/>
       </a:defRPr>
     </a:lvl6pPr>
-    <a:lvl7pPr lvl="6" marR="0" rtl="0" algn="l">
+    <a:lvl7pPr marR="0" lvl="6" algn="l" rtl="0">
       <a:lnSpc>
         <a:spcPct val="100000"/>
       </a:lnSpc>
@@ -633,7 +649,7 @@
         <a:srgbClr val="000000"/>
       </a:buClr>
       <a:buFont typeface="Arial"/>
-      <a:defRPr b="0" i="0" sz="1400" u="none" cap="none" strike="noStrike">
+      <a:defRPr sz="1400" b="0" i="0" u="none" strike="noStrike" cap="none">
         <a:solidFill>
           <a:srgbClr val="000000"/>
         </a:solidFill>
@@ -643,7 +659,7 @@
         <a:sym typeface="Arial"/>
       </a:defRPr>
     </a:lvl7pPr>
-    <a:lvl8pPr lvl="7" marR="0" rtl="0" algn="l">
+    <a:lvl8pPr marR="0" lvl="7" algn="l" rtl="0">
       <a:lnSpc>
         <a:spcPct val="100000"/>
       </a:lnSpc>
@@ -657,7 +673,7 @@
         <a:srgbClr val="000000"/>
       </a:buClr>
       <a:buFont typeface="Arial"/>
-      <a:defRPr b="0" i="0" sz="1400" u="none" cap="none" strike="noStrike">
+      <a:defRPr sz="1400" b="0" i="0" u="none" strike="noStrike" cap="none">
         <a:solidFill>
           <a:srgbClr val="000000"/>
         </a:solidFill>
@@ -667,7 +683,7 @@
         <a:sym typeface="Arial"/>
       </a:defRPr>
     </a:lvl8pPr>
-    <a:lvl9pPr lvl="8" marR="0" rtl="0" algn="l">
+    <a:lvl9pPr marR="0" lvl="8" algn="l" rtl="0">
       <a:lnSpc>
         <a:spcPct val="100000"/>
       </a:lnSpc>
@@ -681,7 +697,7 @@
         <a:srgbClr val="000000"/>
       </a:buClr>
       <a:buFont typeface="Arial"/>
-      <a:defRPr b="0" i="0" sz="1400" u="none" cap="none" strike="noStrike">
+      <a:defRPr sz="1400" b="0" i="0" u="none" strike="noStrike" cap="none">
         <a:solidFill>
           <a:srgbClr val="000000"/>
         </a:solidFill>
@@ -696,11 +712,11 @@
 </file>
 
 <file path=ppt/notesSlides/notesSlide1.xml><?xml version="1.0" encoding="utf-8"?>
-<p:notes xmlns:a="http://schemas.openxmlformats.org/drawingml/2006/main" xmlns:r="http://schemas.openxmlformats.org/officeDocument/2006/relationships" xmlns:mc="http://schemas.openxmlformats.org/markup-compatibility/2006" xmlns:mv="urn:schemas-microsoft-com:mac:vml" xmlns:p="http://schemas.openxmlformats.org/presentationml/2006/main" xmlns:c="http://schemas.openxmlformats.org/drawingml/2006/chart" xmlns:dgm="http://schemas.openxmlformats.org/drawingml/2006/diagram" xmlns:o="urn:schemas-microsoft-com:office:office" xmlns:v="urn:schemas-microsoft-com:vml" xmlns:pvml="urn:schemas-microsoft-com:office:powerpoint" xmlns:com="http://schemas.openxmlformats.org/drawingml/2006/compatibility" xmlns:p14="http://schemas.microsoft.com/office/powerpoint/2010/main" xmlns:p15="http://schemas.microsoft.com/office/powerpoint/2012/main" xmlns:ahyp="http://schemas.microsoft.com/office/drawing/2018/hyperlinkcolor" showMasterPhAnim="0" showMasterSp="0">
+<p:notes xmlns:a="http://schemas.openxmlformats.org/drawingml/2006/main" xmlns:r="http://schemas.openxmlformats.org/officeDocument/2006/relationships" xmlns:p="http://schemas.openxmlformats.org/presentationml/2006/main">
   <p:cSld>
     <p:spTree>
       <p:nvGrpSpPr>
-        <p:cNvPr id="50" name="Shape 50"/>
+        <p:cNvPr id="1" name=""/>
         <p:cNvGrpSpPr/>
         <p:nvPr/>
       </p:nvGrpSpPr>
@@ -714,79 +730,65 @@
       </p:grpSpPr>
       <p:sp>
         <p:nvSpPr>
-          <p:cNvPr id="51" name="Google Shape;51;p:notes"/>
-          <p:cNvSpPr/>
+          <p:cNvPr id="2" name="Slide Image Placeholder 1"/>
+          <p:cNvSpPr>
+            <a:spLocks noGrp="1" noRot="1" noChangeAspect="1"/>
+          </p:cNvSpPr>
           <p:nvPr>
-            <p:ph idx="2" type="sldImg"/>
+            <p:ph type="sldImg"/>
           </p:nvPr>
         </p:nvSpPr>
         <p:spPr>
           <a:xfrm>
-            <a:off x="381300" y="685800"/>
-            <a:ext cx="6096075" cy="3429000"/>
+            <a:off x="381000" y="685800"/>
+            <a:ext cx="6096000" cy="3429000"/>
           </a:xfrm>
-          <a:custGeom>
-            <a:rect b="b" l="l" r="r" t="t"/>
-            <a:pathLst>
-              <a:path extrusionOk="0" h="120000" w="120000">
-                <a:moveTo>
-                  <a:pt x="0" y="0"/>
-                </a:moveTo>
-                <a:lnTo>
-                  <a:pt x="120000" y="0"/>
-                </a:lnTo>
-                <a:lnTo>
-                  <a:pt x="120000" y="120000"/>
-                </a:lnTo>
-                <a:lnTo>
-                  <a:pt x="0" y="120000"/>
-                </a:lnTo>
-                <a:close/>
-              </a:path>
-            </a:pathLst>
-          </a:custGeom>
         </p:spPr>
       </p:sp>
       <p:sp>
         <p:nvSpPr>
-          <p:cNvPr id="52" name="Google Shape;52;p:notes"/>
-          <p:cNvSpPr txBox="1"/>
+          <p:cNvPr id="3" name="Notes Placeholder 2"/>
+          <p:cNvSpPr>
+            <a:spLocks noGrp="1"/>
+          </p:cNvSpPr>
           <p:nvPr>
-            <p:ph idx="1" type="body"/>
+            <p:ph type="body" idx="1"/>
           </p:nvPr>
         </p:nvSpPr>
-        <p:spPr>
-          <a:xfrm>
-            <a:off x="685800" y="4343400"/>
-            <a:ext cx="5486400" cy="4114800"/>
-          </a:xfrm>
-          <a:prstGeom prst="rect">
-            <a:avLst/>
-          </a:prstGeom>
-        </p:spPr>
+        <p:spPr/>
         <p:txBody>
-          <a:bodyPr anchorCtr="0" anchor="t" bIns="91425" lIns="91425" spcFirstLastPara="1" rIns="91425" wrap="square" tIns="91425">
-            <a:noAutofit/>
-          </a:bodyPr>
+          <a:bodyPr/>
           <a:lstStyle/>
           <a:p>
-            <a:pPr indent="0" lvl="0" marL="0" rtl="0" algn="l">
-              <a:spcBef>
-                <a:spcPts val="0"/>
-              </a:spcBef>
-              <a:spcAft>
-                <a:spcPts val="0"/>
-              </a:spcAft>
-              <a:buNone/>
+            <a:pPr marL="457200" marR="0" lvl="0" indent="-298450" algn="l" defTabSz="914400" rtl="0" eaLnBrk="1" fontAlgn="auto" latinLnBrk="0" hangingPunct="1">
+              <a:lnSpc>
+                <a:spcPct val="100000"/>
+              </a:lnSpc>
+              <a:spcBef>
+                <a:spcPts val="0"/>
+              </a:spcBef>
+              <a:spcAft>
+                <a:spcPts val="0"/>
+              </a:spcAft>
+              <a:buClr>
+                <a:srgbClr val="000000"/>
+              </a:buClr>
+              <a:buSzPts val="1100"/>
+              <a:buFont typeface="Arial"/>
+              <a:buNone/>
+              <a:tabLst/>
+              <a:defRPr/>
             </a:pPr>
-            <a:r>
-              <a:t/>
-            </a:r>
-            <a:endParaRPr/>
+            <a:endParaRPr lang="en-US" dirty="0"/>
           </a:p>
         </p:txBody>
       </p:sp>
     </p:spTree>
+    <p:extLst>
+      <p:ext uri="{BB962C8B-B14F-4D97-AF65-F5344CB8AC3E}">
+        <p14:creationId xmlns:p14="http://schemas.microsoft.com/office/powerpoint/2010/main" val="1055598927"/>
+      </p:ext>
+    </p:extLst>
   </p:cSld>
   <p:clrMapOvr>
     <a:masterClrMapping/>
@@ -795,11 +797,11 @@
 </file>
 
 <file path=ppt/notesSlides/notesSlide10.xml><?xml version="1.0" encoding="utf-8"?>
-<p:notes xmlns:a="http://schemas.openxmlformats.org/drawingml/2006/main" xmlns:r="http://schemas.openxmlformats.org/officeDocument/2006/relationships" xmlns:mc="http://schemas.openxmlformats.org/markup-compatibility/2006" xmlns:mv="urn:schemas-microsoft-com:mac:vml" xmlns:p="http://schemas.openxmlformats.org/presentationml/2006/main" xmlns:c="http://schemas.openxmlformats.org/drawingml/2006/chart" xmlns:dgm="http://schemas.openxmlformats.org/drawingml/2006/diagram" xmlns:o="urn:schemas-microsoft-com:office:office" xmlns:v="urn:schemas-microsoft-com:vml" xmlns:pvml="urn:schemas-microsoft-com:office:powerpoint" xmlns:com="http://schemas.openxmlformats.org/drawingml/2006/compatibility" xmlns:p14="http://schemas.microsoft.com/office/powerpoint/2010/main" xmlns:p15="http://schemas.microsoft.com/office/powerpoint/2012/main" xmlns:ahyp="http://schemas.microsoft.com/office/drawing/2018/hyperlinkcolor" showMasterPhAnim="0" showMasterSp="0">
+<p:notes xmlns:a="http://schemas.openxmlformats.org/drawingml/2006/main" xmlns:r="http://schemas.openxmlformats.org/officeDocument/2006/relationships" xmlns:p="http://schemas.openxmlformats.org/presentationml/2006/main" showMasterSp="0" showMasterPhAnim="0">
   <p:cSld>
     <p:spTree>
       <p:nvGrpSpPr>
-        <p:cNvPr id="111" name="Shape 111"/>
+        <p:cNvPr id="1" name="Shape 111"/>
         <p:cNvGrpSpPr/>
         <p:nvPr/>
       </p:nvGrpSpPr>
@@ -814,9 +816,11 @@
       <p:sp>
         <p:nvSpPr>
           <p:cNvPr id="112" name="Google Shape;112;g8eb22304c7_1_0:notes"/>
-          <p:cNvSpPr/>
+          <p:cNvSpPr>
+            <a:spLocks noGrp="1" noRot="1" noChangeAspect="1"/>
+          </p:cNvSpPr>
           <p:nvPr>
-            <p:ph idx="2" type="sldImg"/>
+            <p:ph type="sldImg" idx="2"/>
           </p:nvPr>
         </p:nvSpPr>
         <p:spPr>
@@ -825,9 +829,13 @@
             <a:ext cx="6096000" cy="3429000"/>
           </a:xfrm>
           <a:custGeom>
-            <a:rect b="b" l="l" r="r" t="t"/>
+            <a:avLst/>
+            <a:gdLst/>
+            <a:ahLst/>
+            <a:cxnLst/>
+            <a:rect l="l" t="t" r="r" b="b"/>
             <a:pathLst>
-              <a:path extrusionOk="0" h="120000" w="120000">
+              <a:path w="120000" h="120000" extrusionOk="0">
                 <a:moveTo>
                   <a:pt x="0" y="0"/>
                 </a:moveTo>
@@ -849,9 +857,11 @@
       <p:sp>
         <p:nvSpPr>
           <p:cNvPr id="113" name="Google Shape;113;g8eb22304c7_1_0:notes"/>
-          <p:cNvSpPr txBox="1"/>
+          <p:cNvSpPr txBox="1">
+            <a:spLocks noGrp="1"/>
+          </p:cNvSpPr>
           <p:nvPr>
-            <p:ph idx="1" type="body"/>
+            <p:ph type="body" idx="1"/>
           </p:nvPr>
         </p:nvSpPr>
         <p:spPr>
@@ -864,12 +874,12 @@
           </a:prstGeom>
         </p:spPr>
         <p:txBody>
-          <a:bodyPr anchorCtr="0" anchor="t" bIns="91425" lIns="91425" spcFirstLastPara="1" rIns="91425" wrap="square" tIns="91425">
+          <a:bodyPr spcFirstLastPara="1" wrap="square" lIns="91425" tIns="91425" rIns="91425" bIns="91425" anchor="t" anchorCtr="0">
             <a:noAutofit/>
           </a:bodyPr>
           <a:lstStyle/>
           <a:p>
-            <a:pPr indent="0" lvl="0" marL="0" rtl="0" algn="l">
+            <a:pPr marL="0" lvl="0" indent="0" algn="l" rtl="0">
               <a:spcBef>
                 <a:spcPts val="0"/>
               </a:spcBef>
@@ -878,9 +888,6 @@
               </a:spcAft>
               <a:buNone/>
             </a:pPr>
-            <a:r>
-              <a:t/>
-            </a:r>
             <a:endParaRPr/>
           </a:p>
         </p:txBody>
@@ -894,11 +901,11 @@
 </file>
 
 <file path=ppt/notesSlides/notesSlide2.xml><?xml version="1.0" encoding="utf-8"?>
-<p:notes xmlns:a="http://schemas.openxmlformats.org/drawingml/2006/main" xmlns:r="http://schemas.openxmlformats.org/officeDocument/2006/relationships" xmlns:mc="http://schemas.openxmlformats.org/markup-compatibility/2006" xmlns:mv="urn:schemas-microsoft-com:mac:vml" xmlns:p="http://schemas.openxmlformats.org/presentationml/2006/main" xmlns:c="http://schemas.openxmlformats.org/drawingml/2006/chart" xmlns:dgm="http://schemas.openxmlformats.org/drawingml/2006/diagram" xmlns:o="urn:schemas-microsoft-com:office:office" xmlns:v="urn:schemas-microsoft-com:vml" xmlns:pvml="urn:schemas-microsoft-com:office:powerpoint" xmlns:com="http://schemas.openxmlformats.org/drawingml/2006/compatibility" xmlns:p14="http://schemas.microsoft.com/office/powerpoint/2010/main" xmlns:p15="http://schemas.microsoft.com/office/powerpoint/2012/main" xmlns:ahyp="http://schemas.microsoft.com/office/drawing/2018/hyperlinkcolor" showMasterPhAnim="0" showMasterSp="0">
+<p:notes xmlns:a="http://schemas.openxmlformats.org/drawingml/2006/main" xmlns:r="http://schemas.openxmlformats.org/officeDocument/2006/relationships" xmlns:p="http://schemas.openxmlformats.org/presentationml/2006/main" showMasterSp="0" showMasterPhAnim="0">
   <p:cSld>
     <p:spTree>
       <p:nvGrpSpPr>
-        <p:cNvPr id="57" name="Shape 57"/>
+        <p:cNvPr id="1" name="Shape 57"/>
         <p:cNvGrpSpPr/>
         <p:nvPr/>
       </p:nvGrpSpPr>
@@ -913,9 +920,11 @@
       <p:sp>
         <p:nvSpPr>
           <p:cNvPr id="58" name="Google Shape;58;g8eb222ef68_0_2:notes"/>
-          <p:cNvSpPr/>
+          <p:cNvSpPr>
+            <a:spLocks noGrp="1" noRot="1" noChangeAspect="1"/>
+          </p:cNvSpPr>
           <p:nvPr>
-            <p:ph idx="2" type="sldImg"/>
+            <p:ph type="sldImg" idx="2"/>
           </p:nvPr>
         </p:nvSpPr>
         <p:spPr>
@@ -924,9 +933,13 @@
             <a:ext cx="6096000" cy="3429000"/>
           </a:xfrm>
           <a:custGeom>
-            <a:rect b="b" l="l" r="r" t="t"/>
+            <a:avLst/>
+            <a:gdLst/>
+            <a:ahLst/>
+            <a:cxnLst/>
+            <a:rect l="l" t="t" r="r" b="b"/>
             <a:pathLst>
-              <a:path extrusionOk="0" h="120000" w="120000">
+              <a:path w="120000" h="120000" extrusionOk="0">
                 <a:moveTo>
                   <a:pt x="0" y="0"/>
                 </a:moveTo>
@@ -948,9 +961,11 @@
       <p:sp>
         <p:nvSpPr>
           <p:cNvPr id="59" name="Google Shape;59;g8eb222ef68_0_2:notes"/>
-          <p:cNvSpPr txBox="1"/>
+          <p:cNvSpPr txBox="1">
+            <a:spLocks noGrp="1"/>
+          </p:cNvSpPr>
           <p:nvPr>
-            <p:ph idx="1" type="body"/>
+            <p:ph type="body" idx="1"/>
           </p:nvPr>
         </p:nvSpPr>
         <p:spPr>
@@ -963,12 +978,12 @@
           </a:prstGeom>
         </p:spPr>
         <p:txBody>
-          <a:bodyPr anchorCtr="0" anchor="t" bIns="91425" lIns="91425" spcFirstLastPara="1" rIns="91425" wrap="square" tIns="91425">
+          <a:bodyPr spcFirstLastPara="1" wrap="square" lIns="91425" tIns="91425" rIns="91425" bIns="91425" anchor="t" anchorCtr="0">
             <a:noAutofit/>
           </a:bodyPr>
           <a:lstStyle/>
           <a:p>
-            <a:pPr indent="0" lvl="0" marL="0" rtl="0" algn="l">
+            <a:pPr marL="0" lvl="0" indent="0" algn="l" rtl="0">
               <a:spcBef>
                 <a:spcPts val="0"/>
               </a:spcBef>
@@ -977,9 +992,6 @@
               </a:spcAft>
               <a:buNone/>
             </a:pPr>
-            <a:r>
-              <a:t/>
-            </a:r>
             <a:endParaRPr/>
           </a:p>
         </p:txBody>
@@ -993,11 +1005,11 @@
 </file>
 
 <file path=ppt/notesSlides/notesSlide3.xml><?xml version="1.0" encoding="utf-8"?>
-<p:notes xmlns:a="http://schemas.openxmlformats.org/drawingml/2006/main" xmlns:r="http://schemas.openxmlformats.org/officeDocument/2006/relationships" xmlns:mc="http://schemas.openxmlformats.org/markup-compatibility/2006" xmlns:mv="urn:schemas-microsoft-com:mac:vml" xmlns:p="http://schemas.openxmlformats.org/presentationml/2006/main" xmlns:c="http://schemas.openxmlformats.org/drawingml/2006/chart" xmlns:dgm="http://schemas.openxmlformats.org/drawingml/2006/diagram" xmlns:o="urn:schemas-microsoft-com:office:office" xmlns:v="urn:schemas-microsoft-com:vml" xmlns:pvml="urn:schemas-microsoft-com:office:powerpoint" xmlns:com="http://schemas.openxmlformats.org/drawingml/2006/compatibility" xmlns:p14="http://schemas.microsoft.com/office/powerpoint/2010/main" xmlns:p15="http://schemas.microsoft.com/office/powerpoint/2012/main" xmlns:ahyp="http://schemas.microsoft.com/office/drawing/2018/hyperlinkcolor" showMasterPhAnim="0" showMasterSp="0">
+<p:notes xmlns:a="http://schemas.openxmlformats.org/drawingml/2006/main" xmlns:r="http://schemas.openxmlformats.org/officeDocument/2006/relationships" xmlns:p="http://schemas.openxmlformats.org/presentationml/2006/main" showMasterSp="0" showMasterPhAnim="0">
   <p:cSld>
     <p:spTree>
       <p:nvGrpSpPr>
-        <p:cNvPr id="63" name="Shape 63"/>
+        <p:cNvPr id="1" name="Shape 63"/>
         <p:cNvGrpSpPr/>
         <p:nvPr/>
       </p:nvGrpSpPr>
@@ -1012,9 +1024,11 @@
       <p:sp>
         <p:nvSpPr>
           <p:cNvPr id="64" name="Google Shape;64;g8eb222ef68_0_7:notes"/>
-          <p:cNvSpPr/>
+          <p:cNvSpPr>
+            <a:spLocks noGrp="1" noRot="1" noChangeAspect="1"/>
+          </p:cNvSpPr>
           <p:nvPr>
-            <p:ph idx="2" type="sldImg"/>
+            <p:ph type="sldImg" idx="2"/>
           </p:nvPr>
         </p:nvSpPr>
         <p:spPr>
@@ -1023,9 +1037,13 @@
             <a:ext cx="6096000" cy="3429000"/>
           </a:xfrm>
           <a:custGeom>
-            <a:rect b="b" l="l" r="r" t="t"/>
+            <a:avLst/>
+            <a:gdLst/>
+            <a:ahLst/>
+            <a:cxnLst/>
+            <a:rect l="l" t="t" r="r" b="b"/>
             <a:pathLst>
-              <a:path extrusionOk="0" h="120000" w="120000">
+              <a:path w="120000" h="120000" extrusionOk="0">
                 <a:moveTo>
                   <a:pt x="0" y="0"/>
                 </a:moveTo>
@@ -1047,9 +1065,11 @@
       <p:sp>
         <p:nvSpPr>
           <p:cNvPr id="65" name="Google Shape;65;g8eb222ef68_0_7:notes"/>
-          <p:cNvSpPr txBox="1"/>
+          <p:cNvSpPr txBox="1">
+            <a:spLocks noGrp="1"/>
+          </p:cNvSpPr>
           <p:nvPr>
-            <p:ph idx="1" type="body"/>
+            <p:ph type="body" idx="1"/>
           </p:nvPr>
         </p:nvSpPr>
         <p:spPr>
@@ -1062,12 +1082,12 @@
           </a:prstGeom>
         </p:spPr>
         <p:txBody>
-          <a:bodyPr anchorCtr="0" anchor="t" bIns="91425" lIns="91425" spcFirstLastPara="1" rIns="91425" wrap="square" tIns="91425">
+          <a:bodyPr spcFirstLastPara="1" wrap="square" lIns="91425" tIns="91425" rIns="91425" bIns="91425" anchor="t" anchorCtr="0">
             <a:noAutofit/>
           </a:bodyPr>
           <a:lstStyle/>
           <a:p>
-            <a:pPr indent="0" lvl="0" marL="0" rtl="0" algn="l">
+            <a:pPr marL="0" lvl="0" indent="0" algn="l" rtl="0">
               <a:spcBef>
                 <a:spcPts val="0"/>
               </a:spcBef>
@@ -1076,9 +1096,6 @@
               </a:spcAft>
               <a:buNone/>
             </a:pPr>
-            <a:r>
-              <a:t/>
-            </a:r>
             <a:endParaRPr/>
           </a:p>
         </p:txBody>
@@ -1092,11 +1109,11 @@
 </file>
 
 <file path=ppt/notesSlides/notesSlide4.xml><?xml version="1.0" encoding="utf-8"?>
-<p:notes xmlns:a="http://schemas.openxmlformats.org/drawingml/2006/main" xmlns:r="http://schemas.openxmlformats.org/officeDocument/2006/relationships" xmlns:mc="http://schemas.openxmlformats.org/markup-compatibility/2006" xmlns:mv="urn:schemas-microsoft-com:mac:vml" xmlns:p="http://schemas.openxmlformats.org/presentationml/2006/main" xmlns:c="http://schemas.openxmlformats.org/drawingml/2006/chart" xmlns:dgm="http://schemas.openxmlformats.org/drawingml/2006/diagram" xmlns:o="urn:schemas-microsoft-com:office:office" xmlns:v="urn:schemas-microsoft-com:vml" xmlns:pvml="urn:schemas-microsoft-com:office:powerpoint" xmlns:com="http://schemas.openxmlformats.org/drawingml/2006/compatibility" xmlns:p14="http://schemas.microsoft.com/office/powerpoint/2010/main" xmlns:p15="http://schemas.microsoft.com/office/powerpoint/2012/main" xmlns:ahyp="http://schemas.microsoft.com/office/drawing/2018/hyperlinkcolor" showMasterPhAnim="0" showMasterSp="0">
+<p:notes xmlns:a="http://schemas.openxmlformats.org/drawingml/2006/main" xmlns:r="http://schemas.openxmlformats.org/officeDocument/2006/relationships" xmlns:p="http://schemas.openxmlformats.org/presentationml/2006/main" showMasterSp="0" showMasterPhAnim="0">
   <p:cSld>
     <p:spTree>
       <p:nvGrpSpPr>
-        <p:cNvPr id="69" name="Shape 69"/>
+        <p:cNvPr id="1" name="Shape 69"/>
         <p:cNvGrpSpPr/>
         <p:nvPr/>
       </p:nvGrpSpPr>
@@ -1111,9 +1128,11 @@
       <p:sp>
         <p:nvSpPr>
           <p:cNvPr id="70" name="Google Shape;70;g8eb222ef68_0_14:notes"/>
-          <p:cNvSpPr/>
+          <p:cNvSpPr>
+            <a:spLocks noGrp="1" noRot="1" noChangeAspect="1"/>
+          </p:cNvSpPr>
           <p:nvPr>
-            <p:ph idx="2" type="sldImg"/>
+            <p:ph type="sldImg" idx="2"/>
           </p:nvPr>
         </p:nvSpPr>
         <p:spPr>
@@ -1122,9 +1141,13 @@
             <a:ext cx="6096000" cy="3429000"/>
           </a:xfrm>
           <a:custGeom>
-            <a:rect b="b" l="l" r="r" t="t"/>
+            <a:avLst/>
+            <a:gdLst/>
+            <a:ahLst/>
+            <a:cxnLst/>
+            <a:rect l="l" t="t" r="r" b="b"/>
             <a:pathLst>
-              <a:path extrusionOk="0" h="120000" w="120000">
+              <a:path w="120000" h="120000" extrusionOk="0">
                 <a:moveTo>
                   <a:pt x="0" y="0"/>
                 </a:moveTo>
@@ -1146,9 +1169,11 @@
       <p:sp>
         <p:nvSpPr>
           <p:cNvPr id="71" name="Google Shape;71;g8eb222ef68_0_14:notes"/>
-          <p:cNvSpPr txBox="1"/>
+          <p:cNvSpPr txBox="1">
+            <a:spLocks noGrp="1"/>
+          </p:cNvSpPr>
           <p:nvPr>
-            <p:ph idx="1" type="body"/>
+            <p:ph type="body" idx="1"/>
           </p:nvPr>
         </p:nvSpPr>
         <p:spPr>
@@ -1161,12 +1186,12 @@
           </a:prstGeom>
         </p:spPr>
         <p:txBody>
-          <a:bodyPr anchorCtr="0" anchor="t" bIns="91425" lIns="91425" spcFirstLastPara="1" rIns="91425" wrap="square" tIns="91425">
+          <a:bodyPr spcFirstLastPara="1" wrap="square" lIns="91425" tIns="91425" rIns="91425" bIns="91425" anchor="t" anchorCtr="0">
             <a:noAutofit/>
           </a:bodyPr>
           <a:lstStyle/>
           <a:p>
-            <a:pPr indent="0" lvl="0" marL="0" rtl="0" algn="l">
+            <a:pPr marL="0" lvl="0" indent="0" algn="l" rtl="0">
               <a:spcBef>
                 <a:spcPts val="0"/>
               </a:spcBef>
@@ -1175,9 +1200,6 @@
               </a:spcAft>
               <a:buNone/>
             </a:pPr>
-            <a:r>
-              <a:t/>
-            </a:r>
             <a:endParaRPr/>
           </a:p>
         </p:txBody>
@@ -1191,11 +1213,11 @@
 </file>
 
 <file path=ppt/notesSlides/notesSlide5.xml><?xml version="1.0" encoding="utf-8"?>
-<p:notes xmlns:a="http://schemas.openxmlformats.org/drawingml/2006/main" xmlns:r="http://schemas.openxmlformats.org/officeDocument/2006/relationships" xmlns:mc="http://schemas.openxmlformats.org/markup-compatibility/2006" xmlns:mv="urn:schemas-microsoft-com:mac:vml" xmlns:p="http://schemas.openxmlformats.org/presentationml/2006/main" xmlns:c="http://schemas.openxmlformats.org/drawingml/2006/chart" xmlns:dgm="http://schemas.openxmlformats.org/drawingml/2006/diagram" xmlns:o="urn:schemas-microsoft-com:office:office" xmlns:v="urn:schemas-microsoft-com:vml" xmlns:pvml="urn:schemas-microsoft-com:office:powerpoint" xmlns:com="http://schemas.openxmlformats.org/drawingml/2006/compatibility" xmlns:p14="http://schemas.microsoft.com/office/powerpoint/2010/main" xmlns:p15="http://schemas.microsoft.com/office/powerpoint/2012/main" xmlns:ahyp="http://schemas.microsoft.com/office/drawing/2018/hyperlinkcolor" showMasterPhAnim="0" showMasterSp="0">
+<p:notes xmlns:a="http://schemas.openxmlformats.org/drawingml/2006/main" xmlns:r="http://schemas.openxmlformats.org/officeDocument/2006/relationships" xmlns:p="http://schemas.openxmlformats.org/presentationml/2006/main" showMasterSp="0" showMasterPhAnim="0">
   <p:cSld>
     <p:spTree>
       <p:nvGrpSpPr>
-        <p:cNvPr id="75" name="Shape 75"/>
+        <p:cNvPr id="1" name="Shape 75"/>
         <p:cNvGrpSpPr/>
         <p:nvPr/>
       </p:nvGrpSpPr>
@@ -1210,9 +1232,11 @@
       <p:sp>
         <p:nvSpPr>
           <p:cNvPr id="76" name="Google Shape;76;g8eb222ef68_0_19:notes"/>
-          <p:cNvSpPr/>
+          <p:cNvSpPr>
+            <a:spLocks noGrp="1" noRot="1" noChangeAspect="1"/>
+          </p:cNvSpPr>
           <p:nvPr>
-            <p:ph idx="2" type="sldImg"/>
+            <p:ph type="sldImg" idx="2"/>
           </p:nvPr>
         </p:nvSpPr>
         <p:spPr>
@@ -1221,9 +1245,13 @@
             <a:ext cx="6096000" cy="3429000"/>
           </a:xfrm>
           <a:custGeom>
-            <a:rect b="b" l="l" r="r" t="t"/>
+            <a:avLst/>
+            <a:gdLst/>
+            <a:ahLst/>
+            <a:cxnLst/>
+            <a:rect l="l" t="t" r="r" b="b"/>
             <a:pathLst>
-              <a:path extrusionOk="0" h="120000" w="120000">
+              <a:path w="120000" h="120000" extrusionOk="0">
                 <a:moveTo>
                   <a:pt x="0" y="0"/>
                 </a:moveTo>
@@ -1245,9 +1273,11 @@
       <p:sp>
         <p:nvSpPr>
           <p:cNvPr id="77" name="Google Shape;77;g8eb222ef68_0_19:notes"/>
-          <p:cNvSpPr txBox="1"/>
+          <p:cNvSpPr txBox="1">
+            <a:spLocks noGrp="1"/>
+          </p:cNvSpPr>
           <p:nvPr>
-            <p:ph idx="1" type="body"/>
+            <p:ph type="body" idx="1"/>
           </p:nvPr>
         </p:nvSpPr>
         <p:spPr>
@@ -1260,12 +1290,12 @@
           </a:prstGeom>
         </p:spPr>
         <p:txBody>
-          <a:bodyPr anchorCtr="0" anchor="t" bIns="91425" lIns="91425" spcFirstLastPara="1" rIns="91425" wrap="square" tIns="91425">
+          <a:bodyPr spcFirstLastPara="1" wrap="square" lIns="91425" tIns="91425" rIns="91425" bIns="91425" anchor="t" anchorCtr="0">
             <a:noAutofit/>
           </a:bodyPr>
           <a:lstStyle/>
           <a:p>
-            <a:pPr indent="0" lvl="0" marL="0" rtl="0" algn="l">
+            <a:pPr marL="0" lvl="0" indent="0" algn="l" rtl="0">
               <a:spcBef>
                 <a:spcPts val="0"/>
               </a:spcBef>
@@ -1274,9 +1304,6 @@
               </a:spcAft>
               <a:buNone/>
             </a:pPr>
-            <a:r>
-              <a:t/>
-            </a:r>
             <a:endParaRPr/>
           </a:p>
         </p:txBody>
@@ -1290,11 +1317,11 @@
 </file>
 
 <file path=ppt/notesSlides/notesSlide6.xml><?xml version="1.0" encoding="utf-8"?>
-<p:notes xmlns:a="http://schemas.openxmlformats.org/drawingml/2006/main" xmlns:r="http://schemas.openxmlformats.org/officeDocument/2006/relationships" xmlns:mc="http://schemas.openxmlformats.org/markup-compatibility/2006" xmlns:mv="urn:schemas-microsoft-com:mac:vml" xmlns:p="http://schemas.openxmlformats.org/presentationml/2006/main" xmlns:c="http://schemas.openxmlformats.org/drawingml/2006/chart" xmlns:dgm="http://schemas.openxmlformats.org/drawingml/2006/diagram" xmlns:o="urn:schemas-microsoft-com:office:office" xmlns:v="urn:schemas-microsoft-com:vml" xmlns:pvml="urn:schemas-microsoft-com:office:powerpoint" xmlns:com="http://schemas.openxmlformats.org/drawingml/2006/compatibility" xmlns:p14="http://schemas.microsoft.com/office/powerpoint/2010/main" xmlns:p15="http://schemas.microsoft.com/office/powerpoint/2012/main" xmlns:ahyp="http://schemas.microsoft.com/office/drawing/2018/hyperlinkcolor" showMasterPhAnim="0" showMasterSp="0">
+<p:notes xmlns:a="http://schemas.openxmlformats.org/drawingml/2006/main" xmlns:r="http://schemas.openxmlformats.org/officeDocument/2006/relationships" xmlns:p="http://schemas.openxmlformats.org/presentationml/2006/main" showMasterSp="0" showMasterPhAnim="0">
   <p:cSld>
     <p:spTree>
       <p:nvGrpSpPr>
-        <p:cNvPr id="81" name="Shape 81"/>
+        <p:cNvPr id="1" name="Shape 81"/>
         <p:cNvGrpSpPr/>
         <p:nvPr/>
       </p:nvGrpSpPr>
@@ -1309,9 +1336,11 @@
       <p:sp>
         <p:nvSpPr>
           <p:cNvPr id="82" name="Google Shape;82;g8eb222ef68_0_29:notes"/>
-          <p:cNvSpPr/>
+          <p:cNvSpPr>
+            <a:spLocks noGrp="1" noRot="1" noChangeAspect="1"/>
+          </p:cNvSpPr>
           <p:nvPr>
-            <p:ph idx="2" type="sldImg"/>
+            <p:ph type="sldImg" idx="2"/>
           </p:nvPr>
         </p:nvSpPr>
         <p:spPr>
@@ -1320,9 +1349,13 @@
             <a:ext cx="6096000" cy="3429000"/>
           </a:xfrm>
           <a:custGeom>
-            <a:rect b="b" l="l" r="r" t="t"/>
+            <a:avLst/>
+            <a:gdLst/>
+            <a:ahLst/>
+            <a:cxnLst/>
+            <a:rect l="l" t="t" r="r" b="b"/>
             <a:pathLst>
-              <a:path extrusionOk="0" h="120000" w="120000">
+              <a:path w="120000" h="120000" extrusionOk="0">
                 <a:moveTo>
                   <a:pt x="0" y="0"/>
                 </a:moveTo>
@@ -1344,9 +1377,11 @@
       <p:sp>
         <p:nvSpPr>
           <p:cNvPr id="83" name="Google Shape;83;g8eb222ef68_0_29:notes"/>
-          <p:cNvSpPr txBox="1"/>
+          <p:cNvSpPr txBox="1">
+            <a:spLocks noGrp="1"/>
+          </p:cNvSpPr>
           <p:nvPr>
-            <p:ph idx="1" type="body"/>
+            <p:ph type="body" idx="1"/>
           </p:nvPr>
         </p:nvSpPr>
         <p:spPr>
@@ -1359,12 +1394,12 @@
           </a:prstGeom>
         </p:spPr>
         <p:txBody>
-          <a:bodyPr anchorCtr="0" anchor="t" bIns="91425" lIns="91425" spcFirstLastPara="1" rIns="91425" wrap="square" tIns="91425">
+          <a:bodyPr spcFirstLastPara="1" wrap="square" lIns="91425" tIns="91425" rIns="91425" bIns="91425" anchor="t" anchorCtr="0">
             <a:noAutofit/>
           </a:bodyPr>
           <a:lstStyle/>
           <a:p>
-            <a:pPr indent="0" lvl="0" marL="0" rtl="0" algn="l">
+            <a:pPr marL="0" lvl="0" indent="0" algn="l" rtl="0">
               <a:spcBef>
                 <a:spcPts val="0"/>
               </a:spcBef>
@@ -1373,9 +1408,6 @@
               </a:spcAft>
               <a:buNone/>
             </a:pPr>
-            <a:r>
-              <a:t/>
-            </a:r>
             <a:endParaRPr/>
           </a:p>
         </p:txBody>
@@ -1389,11 +1421,11 @@
 </file>
 
 <file path=ppt/notesSlides/notesSlide7.xml><?xml version="1.0" encoding="utf-8"?>
-<p:notes xmlns:a="http://schemas.openxmlformats.org/drawingml/2006/main" xmlns:r="http://schemas.openxmlformats.org/officeDocument/2006/relationships" xmlns:mc="http://schemas.openxmlformats.org/markup-compatibility/2006" xmlns:mv="urn:schemas-microsoft-com:mac:vml" xmlns:p="http://schemas.openxmlformats.org/presentationml/2006/main" xmlns:c="http://schemas.openxmlformats.org/drawingml/2006/chart" xmlns:dgm="http://schemas.openxmlformats.org/drawingml/2006/diagram" xmlns:o="urn:schemas-microsoft-com:office:office" xmlns:v="urn:schemas-microsoft-com:vml" xmlns:pvml="urn:schemas-microsoft-com:office:powerpoint" xmlns:com="http://schemas.openxmlformats.org/drawingml/2006/compatibility" xmlns:p14="http://schemas.microsoft.com/office/powerpoint/2010/main" xmlns:p15="http://schemas.microsoft.com/office/powerpoint/2012/main" xmlns:ahyp="http://schemas.microsoft.com/office/drawing/2018/hyperlinkcolor" showMasterPhAnim="0" showMasterSp="0">
+<p:notes xmlns:a="http://schemas.openxmlformats.org/drawingml/2006/main" xmlns:r="http://schemas.openxmlformats.org/officeDocument/2006/relationships" xmlns:p="http://schemas.openxmlformats.org/presentationml/2006/main" showMasterSp="0" showMasterPhAnim="0">
   <p:cSld>
     <p:spTree>
       <p:nvGrpSpPr>
-        <p:cNvPr id="87" name="Shape 87"/>
+        <p:cNvPr id="1" name="Shape 87"/>
         <p:cNvGrpSpPr/>
         <p:nvPr/>
       </p:nvGrpSpPr>
@@ -1408,9 +1440,11 @@
       <p:sp>
         <p:nvSpPr>
           <p:cNvPr id="88" name="Google Shape;88;g8eb222ef68_0_36:notes"/>
-          <p:cNvSpPr/>
+          <p:cNvSpPr>
+            <a:spLocks noGrp="1" noRot="1" noChangeAspect="1"/>
+          </p:cNvSpPr>
           <p:nvPr>
-            <p:ph idx="2" type="sldImg"/>
+            <p:ph type="sldImg" idx="2"/>
           </p:nvPr>
         </p:nvSpPr>
         <p:spPr>
@@ -1419,9 +1453,13 @@
             <a:ext cx="6096000" cy="3429000"/>
           </a:xfrm>
           <a:custGeom>
-            <a:rect b="b" l="l" r="r" t="t"/>
+            <a:avLst/>
+            <a:gdLst/>
+            <a:ahLst/>
+            <a:cxnLst/>
+            <a:rect l="l" t="t" r="r" b="b"/>
             <a:pathLst>
-              <a:path extrusionOk="0" h="120000" w="120000">
+              <a:path w="120000" h="120000" extrusionOk="0">
                 <a:moveTo>
                   <a:pt x="0" y="0"/>
                 </a:moveTo>
@@ -1443,9 +1481,11 @@
       <p:sp>
         <p:nvSpPr>
           <p:cNvPr id="89" name="Google Shape;89;g8eb222ef68_0_36:notes"/>
-          <p:cNvSpPr txBox="1"/>
+          <p:cNvSpPr txBox="1">
+            <a:spLocks noGrp="1"/>
+          </p:cNvSpPr>
           <p:nvPr>
-            <p:ph idx="1" type="body"/>
+            <p:ph type="body" idx="1"/>
           </p:nvPr>
         </p:nvSpPr>
         <p:spPr>
@@ -1458,12 +1498,12 @@
           </a:prstGeom>
         </p:spPr>
         <p:txBody>
-          <a:bodyPr anchorCtr="0" anchor="t" bIns="91425" lIns="91425" spcFirstLastPara="1" rIns="91425" wrap="square" tIns="91425">
+          <a:bodyPr spcFirstLastPara="1" wrap="square" lIns="91425" tIns="91425" rIns="91425" bIns="91425" anchor="t" anchorCtr="0">
             <a:noAutofit/>
           </a:bodyPr>
           <a:lstStyle/>
           <a:p>
-            <a:pPr indent="0" lvl="0" marL="0" rtl="0" algn="l">
+            <a:pPr marL="0" lvl="0" indent="0" algn="l" rtl="0">
               <a:spcBef>
                 <a:spcPts val="0"/>
               </a:spcBef>
@@ -1472,9 +1512,6 @@
               </a:spcAft>
               <a:buNone/>
             </a:pPr>
-            <a:r>
-              <a:t/>
-            </a:r>
             <a:endParaRPr/>
           </a:p>
         </p:txBody>
@@ -1488,11 +1525,11 @@
 </file>
 
 <file path=ppt/notesSlides/notesSlide8.xml><?xml version="1.0" encoding="utf-8"?>
-<p:notes xmlns:a="http://schemas.openxmlformats.org/drawingml/2006/main" xmlns:r="http://schemas.openxmlformats.org/officeDocument/2006/relationships" xmlns:mc="http://schemas.openxmlformats.org/markup-compatibility/2006" xmlns:mv="urn:schemas-microsoft-com:mac:vml" xmlns:p="http://schemas.openxmlformats.org/presentationml/2006/main" xmlns:c="http://schemas.openxmlformats.org/drawingml/2006/chart" xmlns:dgm="http://schemas.openxmlformats.org/drawingml/2006/diagram" xmlns:o="urn:schemas-microsoft-com:office:office" xmlns:v="urn:schemas-microsoft-com:vml" xmlns:pvml="urn:schemas-microsoft-com:office:powerpoint" xmlns:com="http://schemas.openxmlformats.org/drawingml/2006/compatibility" xmlns:p14="http://schemas.microsoft.com/office/powerpoint/2010/main" xmlns:p15="http://schemas.microsoft.com/office/powerpoint/2012/main" xmlns:ahyp="http://schemas.microsoft.com/office/drawing/2018/hyperlinkcolor" showMasterPhAnim="0" showMasterSp="0">
+<p:notes xmlns:a="http://schemas.openxmlformats.org/drawingml/2006/main" xmlns:r="http://schemas.openxmlformats.org/officeDocument/2006/relationships" xmlns:p="http://schemas.openxmlformats.org/presentationml/2006/main" showMasterSp="0" showMasterPhAnim="0">
   <p:cSld>
     <p:spTree>
       <p:nvGrpSpPr>
-        <p:cNvPr id="95" name="Shape 95"/>
+        <p:cNvPr id="1" name="Shape 95"/>
         <p:cNvGrpSpPr/>
         <p:nvPr/>
       </p:nvGrpSpPr>
@@ -1507,9 +1544,11 @@
       <p:sp>
         <p:nvSpPr>
           <p:cNvPr id="96" name="Google Shape;96;g8eb222ef68_0_44:notes"/>
-          <p:cNvSpPr/>
+          <p:cNvSpPr>
+            <a:spLocks noGrp="1" noRot="1" noChangeAspect="1"/>
+          </p:cNvSpPr>
           <p:nvPr>
-            <p:ph idx="2" type="sldImg"/>
+            <p:ph type="sldImg" idx="2"/>
           </p:nvPr>
         </p:nvSpPr>
         <p:spPr>
@@ -1518,9 +1557,13 @@
             <a:ext cx="6096000" cy="3429000"/>
           </a:xfrm>
           <a:custGeom>
-            <a:rect b="b" l="l" r="r" t="t"/>
+            <a:avLst/>
+            <a:gdLst/>
+            <a:ahLst/>
+            <a:cxnLst/>
+            <a:rect l="l" t="t" r="r" b="b"/>
             <a:pathLst>
-              <a:path extrusionOk="0" h="120000" w="120000">
+              <a:path w="120000" h="120000" extrusionOk="0">
                 <a:moveTo>
                   <a:pt x="0" y="0"/>
                 </a:moveTo>
@@ -1542,9 +1585,11 @@
       <p:sp>
         <p:nvSpPr>
           <p:cNvPr id="97" name="Google Shape;97;g8eb222ef68_0_44:notes"/>
-          <p:cNvSpPr txBox="1"/>
+          <p:cNvSpPr txBox="1">
+            <a:spLocks noGrp="1"/>
+          </p:cNvSpPr>
           <p:nvPr>
-            <p:ph idx="1" type="body"/>
+            <p:ph type="body" idx="1"/>
           </p:nvPr>
         </p:nvSpPr>
         <p:spPr>
@@ -1557,12 +1602,12 @@
           </a:prstGeom>
         </p:spPr>
         <p:txBody>
-          <a:bodyPr anchorCtr="0" anchor="t" bIns="91425" lIns="91425" spcFirstLastPara="1" rIns="91425" wrap="square" tIns="91425">
+          <a:bodyPr spcFirstLastPara="1" wrap="square" lIns="91425" tIns="91425" rIns="91425" bIns="91425" anchor="t" anchorCtr="0">
             <a:noAutofit/>
           </a:bodyPr>
           <a:lstStyle/>
           <a:p>
-            <a:pPr indent="0" lvl="0" marL="0" rtl="0" algn="l">
+            <a:pPr marL="0" lvl="0" indent="0" algn="l" rtl="0">
               <a:spcBef>
                 <a:spcPts val="0"/>
               </a:spcBef>
@@ -1571,9 +1616,6 @@
               </a:spcAft>
               <a:buNone/>
             </a:pPr>
-            <a:r>
-              <a:t/>
-            </a:r>
             <a:endParaRPr/>
           </a:p>
         </p:txBody>
@@ -1587,11 +1629,11 @@
 </file>
 
 <file path=ppt/notesSlides/notesSlide9.xml><?xml version="1.0" encoding="utf-8"?>
-<p:notes xmlns:a="http://schemas.openxmlformats.org/drawingml/2006/main" xmlns:r="http://schemas.openxmlformats.org/officeDocument/2006/relationships" xmlns:mc="http://schemas.openxmlformats.org/markup-compatibility/2006" xmlns:mv="urn:schemas-microsoft-com:mac:vml" xmlns:p="http://schemas.openxmlformats.org/presentationml/2006/main" xmlns:c="http://schemas.openxmlformats.org/drawingml/2006/chart" xmlns:dgm="http://schemas.openxmlformats.org/drawingml/2006/diagram" xmlns:o="urn:schemas-microsoft-com:office:office" xmlns:v="urn:schemas-microsoft-com:vml" xmlns:pvml="urn:schemas-microsoft-com:office:powerpoint" xmlns:com="http://schemas.openxmlformats.org/drawingml/2006/compatibility" xmlns:p14="http://schemas.microsoft.com/office/powerpoint/2010/main" xmlns:p15="http://schemas.microsoft.com/office/powerpoint/2012/main" xmlns:ahyp="http://schemas.microsoft.com/office/drawing/2018/hyperlinkcolor" showMasterPhAnim="0" showMasterSp="0">
+<p:notes xmlns:a="http://schemas.openxmlformats.org/drawingml/2006/main" xmlns:r="http://schemas.openxmlformats.org/officeDocument/2006/relationships" xmlns:p="http://schemas.openxmlformats.org/presentationml/2006/main" showMasterSp="0" showMasterPhAnim="0">
   <p:cSld>
     <p:spTree>
       <p:nvGrpSpPr>
-        <p:cNvPr id="105" name="Shape 105"/>
+        <p:cNvPr id="1" name="Shape 105"/>
         <p:cNvGrpSpPr/>
         <p:nvPr/>
       </p:nvGrpSpPr>
@@ -1606,9 +1648,11 @@
       <p:sp>
         <p:nvSpPr>
           <p:cNvPr id="106" name="Google Shape;106;g8eb222ef68_0_57:notes"/>
-          <p:cNvSpPr/>
+          <p:cNvSpPr>
+            <a:spLocks noGrp="1" noRot="1" noChangeAspect="1"/>
+          </p:cNvSpPr>
           <p:nvPr>
-            <p:ph idx="2" type="sldImg"/>
+            <p:ph type="sldImg" idx="2"/>
           </p:nvPr>
         </p:nvSpPr>
         <p:spPr>
@@ -1617,9 +1661,13 @@
             <a:ext cx="6096000" cy="3429000"/>
           </a:xfrm>
           <a:custGeom>
-            <a:rect b="b" l="l" r="r" t="t"/>
+            <a:avLst/>
+            <a:gdLst/>
+            <a:ahLst/>
+            <a:cxnLst/>
+            <a:rect l="l" t="t" r="r" b="b"/>
             <a:pathLst>
-              <a:path extrusionOk="0" h="120000" w="120000">
+              <a:path w="120000" h="120000" extrusionOk="0">
                 <a:moveTo>
                   <a:pt x="0" y="0"/>
                 </a:moveTo>
@@ -1641,9 +1689,11 @@
       <p:sp>
         <p:nvSpPr>
           <p:cNvPr id="107" name="Google Shape;107;g8eb222ef68_0_57:notes"/>
-          <p:cNvSpPr txBox="1"/>
+          <p:cNvSpPr txBox="1">
+            <a:spLocks noGrp="1"/>
+          </p:cNvSpPr>
           <p:nvPr>
-            <p:ph idx="1" type="body"/>
+            <p:ph type="body" idx="1"/>
           </p:nvPr>
         </p:nvSpPr>
         <p:spPr>
@@ -1656,12 +1706,12 @@
           </a:prstGeom>
         </p:spPr>
         <p:txBody>
-          <a:bodyPr anchorCtr="0" anchor="t" bIns="91425" lIns="91425" spcFirstLastPara="1" rIns="91425" wrap="square" tIns="91425">
+          <a:bodyPr spcFirstLastPara="1" wrap="square" lIns="91425" tIns="91425" rIns="91425" bIns="91425" anchor="t" anchorCtr="0">
             <a:noAutofit/>
           </a:bodyPr>
           <a:lstStyle/>
           <a:p>
-            <a:pPr indent="0" lvl="0" marL="0" rtl="0" algn="l">
+            <a:pPr marL="0" lvl="0" indent="0" algn="l" rtl="0">
               <a:spcBef>
                 <a:spcPts val="0"/>
               </a:spcBef>
@@ -1670,9 +1720,6 @@
               </a:spcAft>
               <a:buNone/>
             </a:pPr>
-            <a:r>
-              <a:t/>
-            </a:r>
             <a:endParaRPr/>
           </a:p>
         </p:txBody>
@@ -1686,11 +1733,11 @@
 </file>
 
 <file path=ppt/slideLayouts/slideLayout1.xml><?xml version="1.0" encoding="utf-8"?>
-<p:sldLayout xmlns:a="http://schemas.openxmlformats.org/drawingml/2006/main" xmlns:r="http://schemas.openxmlformats.org/officeDocument/2006/relationships" xmlns:mc="http://schemas.openxmlformats.org/markup-compatibility/2006" xmlns:mv="urn:schemas-microsoft-com:mac:vml" xmlns:p="http://schemas.openxmlformats.org/presentationml/2006/main" xmlns:c="http://schemas.openxmlformats.org/drawingml/2006/chart" xmlns:dgm="http://schemas.openxmlformats.org/drawingml/2006/diagram" xmlns:o="urn:schemas-microsoft-com:office:office" xmlns:v="urn:schemas-microsoft-com:vml" xmlns:pvml="urn:schemas-microsoft-com:office:powerpoint" xmlns:com="http://schemas.openxmlformats.org/drawingml/2006/compatibility" xmlns:p14="http://schemas.microsoft.com/office/powerpoint/2010/main" xmlns:p15="http://schemas.microsoft.com/office/powerpoint/2012/main" xmlns:ahyp="http://schemas.microsoft.com/office/drawing/2018/hyperlinkcolor" matchingName="Title slide" type="title">
+<p:sldLayout xmlns:a="http://schemas.openxmlformats.org/drawingml/2006/main" xmlns:r="http://schemas.openxmlformats.org/officeDocument/2006/relationships" xmlns:p="http://schemas.openxmlformats.org/presentationml/2006/main" matchingName="Title slide" type="title">
   <p:cSld name="TITLE">
     <p:spTree>
       <p:nvGrpSpPr>
-        <p:cNvPr id="9" name="Shape 9"/>
+        <p:cNvPr id="1" name="Shape 9"/>
         <p:cNvGrpSpPr/>
         <p:nvPr/>
       </p:nvGrpSpPr>
@@ -1705,7 +1752,9 @@
       <p:sp>
         <p:nvSpPr>
           <p:cNvPr id="10" name="Google Shape;10;p2"/>
-          <p:cNvSpPr txBox="1"/>
+          <p:cNvSpPr txBox="1">
+            <a:spLocks noGrp="1"/>
+          </p:cNvSpPr>
           <p:nvPr>
             <p:ph type="ctrTitle"/>
           </p:nvPr>
@@ -1720,7 +1769,7 @@
           </a:prstGeom>
         </p:spPr>
         <p:txBody>
-          <a:bodyPr anchorCtr="0" anchor="b" bIns="91425" lIns="91425" spcFirstLastPara="1" rIns="91425" wrap="square" tIns="91425">
+          <a:bodyPr spcFirstLastPara="1" wrap="square" lIns="91425" tIns="91425" rIns="91425" bIns="91425" anchor="b" anchorCtr="0">
             <a:noAutofit/>
           </a:bodyPr>
           <a:lstStyle>
@@ -1824,15 +1873,19 @@
               <a:defRPr sz="5200"/>
             </a:lvl9pPr>
           </a:lstStyle>
-          <a:p/>
+          <a:p>
+            <a:endParaRPr/>
+          </a:p>
         </p:txBody>
       </p:sp>
       <p:sp>
         <p:nvSpPr>
           <p:cNvPr id="11" name="Google Shape;11;p2"/>
-          <p:cNvSpPr txBox="1"/>
+          <p:cNvSpPr txBox="1">
+            <a:spLocks noGrp="1"/>
+          </p:cNvSpPr>
           <p:nvPr>
-            <p:ph idx="1" type="subTitle"/>
+            <p:ph type="subTitle" idx="1"/>
           </p:nvPr>
         </p:nvSpPr>
         <p:spPr>
@@ -1845,7 +1898,7 @@
           </a:prstGeom>
         </p:spPr>
         <p:txBody>
-          <a:bodyPr anchorCtr="0" anchor="t" bIns="91425" lIns="91425" spcFirstLastPara="1" rIns="91425" wrap="square" tIns="91425">
+          <a:bodyPr spcFirstLastPara="1" wrap="square" lIns="91425" tIns="91425" rIns="91425" bIns="91425" anchor="t" anchorCtr="0">
             <a:noAutofit/>
           </a:bodyPr>
           <a:lstStyle>
@@ -1976,15 +2029,19 @@
               <a:defRPr sz="2800"/>
             </a:lvl9pPr>
           </a:lstStyle>
-          <a:p/>
+          <a:p>
+            <a:endParaRPr/>
+          </a:p>
         </p:txBody>
       </p:sp>
       <p:sp>
         <p:nvSpPr>
           <p:cNvPr id="12" name="Google Shape;12;p2"/>
-          <p:cNvSpPr txBox="1"/>
+          <p:cNvSpPr txBox="1">
+            <a:spLocks noGrp="1"/>
+          </p:cNvSpPr>
           <p:nvPr>
-            <p:ph idx="12" type="sldNum"/>
+            <p:ph type="sldNum" idx="12"/>
           </p:nvPr>
         </p:nvSpPr>
         <p:spPr>
@@ -1997,7 +2054,7 @@
           </a:prstGeom>
         </p:spPr>
         <p:txBody>
-          <a:bodyPr anchorCtr="0" anchor="ctr" bIns="91425" lIns="91425" spcFirstLastPara="1" rIns="91425" wrap="square" tIns="91425">
+          <a:bodyPr spcFirstLastPara="1" wrap="square" lIns="91425" tIns="91425" rIns="91425" bIns="91425" anchor="ctr" anchorCtr="0">
             <a:noAutofit/>
           </a:bodyPr>
           <a:lstStyle>
@@ -2039,7 +2096,7 @@
             </a:lvl9pPr>
           </a:lstStyle>
           <a:p>
-            <a:pPr indent="0" lvl="0" marL="0" rtl="0" algn="r">
+            <a:pPr marL="0" lvl="0" indent="0" algn="r" rtl="0">
               <a:spcBef>
                 <a:spcPts val="0"/>
               </a:spcBef>
@@ -2065,11 +2122,11 @@
 </file>
 
 <file path=ppt/slideLayouts/slideLayout10.xml><?xml version="1.0" encoding="utf-8"?>
-<p:sldLayout xmlns:a="http://schemas.openxmlformats.org/drawingml/2006/main" xmlns:r="http://schemas.openxmlformats.org/officeDocument/2006/relationships" xmlns:mc="http://schemas.openxmlformats.org/markup-compatibility/2006" xmlns:mv="urn:schemas-microsoft-com:mac:vml" xmlns:p="http://schemas.openxmlformats.org/presentationml/2006/main" xmlns:c="http://schemas.openxmlformats.org/drawingml/2006/chart" xmlns:dgm="http://schemas.openxmlformats.org/drawingml/2006/diagram" xmlns:o="urn:schemas-microsoft-com:office:office" xmlns:v="urn:schemas-microsoft-com:vml" xmlns:pvml="urn:schemas-microsoft-com:office:powerpoint" xmlns:com="http://schemas.openxmlformats.org/drawingml/2006/compatibility" xmlns:p14="http://schemas.microsoft.com/office/powerpoint/2010/main" xmlns:p15="http://schemas.microsoft.com/office/powerpoint/2012/main" xmlns:ahyp="http://schemas.microsoft.com/office/drawing/2018/hyperlinkcolor" matchingName="Big number">
+<p:sldLayout xmlns:a="http://schemas.openxmlformats.org/drawingml/2006/main" xmlns:r="http://schemas.openxmlformats.org/officeDocument/2006/relationships" xmlns:p="http://schemas.openxmlformats.org/presentationml/2006/main" matchingName="Big number">
   <p:cSld name="BIG_NUMBER">
     <p:spTree>
       <p:nvGrpSpPr>
-        <p:cNvPr id="44" name="Shape 44"/>
+        <p:cNvPr id="1" name="Shape 44"/>
         <p:cNvGrpSpPr/>
         <p:nvPr/>
       </p:nvGrpSpPr>
@@ -2084,9 +2141,11 @@
       <p:sp>
         <p:nvSpPr>
           <p:cNvPr id="45" name="Google Shape;45;p11"/>
-          <p:cNvSpPr txBox="1"/>
+          <p:cNvSpPr txBox="1">
+            <a:spLocks noGrp="1"/>
+          </p:cNvSpPr>
           <p:nvPr>
-            <p:ph hasCustomPrompt="1" type="title"/>
+            <p:ph type="title" hasCustomPrompt="1"/>
           </p:nvPr>
         </p:nvSpPr>
         <p:spPr>
@@ -2099,7 +2158,7 @@
           </a:prstGeom>
         </p:spPr>
         <p:txBody>
-          <a:bodyPr anchorCtr="0" anchor="b" bIns="91425" lIns="91425" spcFirstLastPara="1" rIns="91425" wrap="square" tIns="91425">
+          <a:bodyPr spcFirstLastPara="1" wrap="square" lIns="91425" tIns="91425" rIns="91425" bIns="91425" anchor="b" anchorCtr="0">
             <a:noAutofit/>
           </a:bodyPr>
           <a:lstStyle>
@@ -2213,9 +2272,11 @@
       <p:sp>
         <p:nvSpPr>
           <p:cNvPr id="46" name="Google Shape;46;p11"/>
-          <p:cNvSpPr txBox="1"/>
+          <p:cNvSpPr txBox="1">
+            <a:spLocks noGrp="1"/>
+          </p:cNvSpPr>
           <p:nvPr>
-            <p:ph idx="1" type="body"/>
+            <p:ph type="body" idx="1"/>
           </p:nvPr>
         </p:nvSpPr>
         <p:spPr>
@@ -2228,11 +2289,11 @@
           </a:prstGeom>
         </p:spPr>
         <p:txBody>
-          <a:bodyPr anchorCtr="0" anchor="t" bIns="91425" lIns="91425" spcFirstLastPara="1" rIns="91425" wrap="square" tIns="91425">
+          <a:bodyPr spcFirstLastPara="1" wrap="square" lIns="91425" tIns="91425" rIns="91425" bIns="91425" anchor="t" anchorCtr="0">
             <a:noAutofit/>
           </a:bodyPr>
           <a:lstStyle>
-            <a:lvl1pPr indent="-342900" lvl="0" marL="457200" algn="ctr">
+            <a:lvl1pPr marL="457200" lvl="0" indent="-342900" algn="ctr">
               <a:spcBef>
                 <a:spcPts val="0"/>
               </a:spcBef>
@@ -2243,7 +2304,7 @@
               <a:buChar char="●"/>
               <a:defRPr/>
             </a:lvl1pPr>
-            <a:lvl2pPr indent="-317500" lvl="1" marL="914400" algn="ctr">
+            <a:lvl2pPr marL="914400" lvl="1" indent="-317500" algn="ctr">
               <a:spcBef>
                 <a:spcPts val="1600"/>
               </a:spcBef>
@@ -2254,7 +2315,7 @@
               <a:buChar char="○"/>
               <a:defRPr/>
             </a:lvl2pPr>
-            <a:lvl3pPr indent="-317500" lvl="2" marL="1371600" algn="ctr">
+            <a:lvl3pPr marL="1371600" lvl="2" indent="-317500" algn="ctr">
               <a:spcBef>
                 <a:spcPts val="1600"/>
               </a:spcBef>
@@ -2265,7 +2326,7 @@
               <a:buChar char="■"/>
               <a:defRPr/>
             </a:lvl3pPr>
-            <a:lvl4pPr indent="-317500" lvl="3" marL="1828800" algn="ctr">
+            <a:lvl4pPr marL="1828800" lvl="3" indent="-317500" algn="ctr">
               <a:spcBef>
                 <a:spcPts val="1600"/>
               </a:spcBef>
@@ -2276,7 +2337,7 @@
               <a:buChar char="●"/>
               <a:defRPr/>
             </a:lvl4pPr>
-            <a:lvl5pPr indent="-317500" lvl="4" marL="2286000" algn="ctr">
+            <a:lvl5pPr marL="2286000" lvl="4" indent="-317500" algn="ctr">
               <a:spcBef>
                 <a:spcPts val="1600"/>
               </a:spcBef>
@@ -2287,7 +2348,7 @@
               <a:buChar char="○"/>
               <a:defRPr/>
             </a:lvl5pPr>
-            <a:lvl6pPr indent="-317500" lvl="5" marL="2743200" algn="ctr">
+            <a:lvl6pPr marL="2743200" lvl="5" indent="-317500" algn="ctr">
               <a:spcBef>
                 <a:spcPts val="1600"/>
               </a:spcBef>
@@ -2298,7 +2359,7 @@
               <a:buChar char="■"/>
               <a:defRPr/>
             </a:lvl6pPr>
-            <a:lvl7pPr indent="-317500" lvl="6" marL="3200400" algn="ctr">
+            <a:lvl7pPr marL="3200400" lvl="6" indent="-317500" algn="ctr">
               <a:spcBef>
                 <a:spcPts val="1600"/>
               </a:spcBef>
@@ -2309,7 +2370,7 @@
               <a:buChar char="●"/>
               <a:defRPr/>
             </a:lvl7pPr>
-            <a:lvl8pPr indent="-317500" lvl="7" marL="3657600" algn="ctr">
+            <a:lvl8pPr marL="3657600" lvl="7" indent="-317500" algn="ctr">
               <a:spcBef>
                 <a:spcPts val="1600"/>
               </a:spcBef>
@@ -2320,7 +2381,7 @@
               <a:buChar char="○"/>
               <a:defRPr/>
             </a:lvl8pPr>
-            <a:lvl9pPr indent="-317500" lvl="8" marL="4114800" algn="ctr">
+            <a:lvl9pPr marL="4114800" lvl="8" indent="-317500" algn="ctr">
               <a:spcBef>
                 <a:spcPts val="1600"/>
               </a:spcBef>
@@ -2332,15 +2393,19 @@
               <a:defRPr/>
             </a:lvl9pPr>
           </a:lstStyle>
-          <a:p/>
+          <a:p>
+            <a:endParaRPr/>
+          </a:p>
         </p:txBody>
       </p:sp>
       <p:sp>
         <p:nvSpPr>
           <p:cNvPr id="47" name="Google Shape;47;p11"/>
-          <p:cNvSpPr txBox="1"/>
+          <p:cNvSpPr txBox="1">
+            <a:spLocks noGrp="1"/>
+          </p:cNvSpPr>
           <p:nvPr>
-            <p:ph idx="12" type="sldNum"/>
+            <p:ph type="sldNum" idx="12"/>
           </p:nvPr>
         </p:nvSpPr>
         <p:spPr>
@@ -2353,7 +2418,7 @@
           </a:prstGeom>
         </p:spPr>
         <p:txBody>
-          <a:bodyPr anchorCtr="0" anchor="ctr" bIns="91425" lIns="91425" spcFirstLastPara="1" rIns="91425" wrap="square" tIns="91425">
+          <a:bodyPr spcFirstLastPara="1" wrap="square" lIns="91425" tIns="91425" rIns="91425" bIns="91425" anchor="ctr" anchorCtr="0">
             <a:noAutofit/>
           </a:bodyPr>
           <a:lstStyle>
@@ -2395,7 +2460,7 @@
             </a:lvl9pPr>
           </a:lstStyle>
           <a:p>
-            <a:pPr indent="0" lvl="0" marL="0" rtl="0" algn="r">
+            <a:pPr marL="0" lvl="0" indent="0" algn="r" rtl="0">
               <a:spcBef>
                 <a:spcPts val="0"/>
               </a:spcBef>
@@ -2421,11 +2486,11 @@
 </file>
 
 <file path=ppt/slideLayouts/slideLayout11.xml><?xml version="1.0" encoding="utf-8"?>
-<p:sldLayout xmlns:a="http://schemas.openxmlformats.org/drawingml/2006/main" xmlns:r="http://schemas.openxmlformats.org/officeDocument/2006/relationships" xmlns:mc="http://schemas.openxmlformats.org/markup-compatibility/2006" xmlns:mv="urn:schemas-microsoft-com:mac:vml" xmlns:p="http://schemas.openxmlformats.org/presentationml/2006/main" xmlns:c="http://schemas.openxmlformats.org/drawingml/2006/chart" xmlns:dgm="http://schemas.openxmlformats.org/drawingml/2006/diagram" xmlns:o="urn:schemas-microsoft-com:office:office" xmlns:v="urn:schemas-microsoft-com:vml" xmlns:pvml="urn:schemas-microsoft-com:office:powerpoint" xmlns:com="http://schemas.openxmlformats.org/drawingml/2006/compatibility" xmlns:p14="http://schemas.microsoft.com/office/powerpoint/2010/main" xmlns:p15="http://schemas.microsoft.com/office/powerpoint/2012/main" xmlns:ahyp="http://schemas.microsoft.com/office/drawing/2018/hyperlinkcolor" matchingName="Blank" type="blank">
+<p:sldLayout xmlns:a="http://schemas.openxmlformats.org/drawingml/2006/main" xmlns:r="http://schemas.openxmlformats.org/officeDocument/2006/relationships" xmlns:p="http://schemas.openxmlformats.org/presentationml/2006/main" matchingName="Blank" type="blank">
   <p:cSld name="BLANK">
     <p:spTree>
       <p:nvGrpSpPr>
-        <p:cNvPr id="48" name="Shape 48"/>
+        <p:cNvPr id="1" name="Shape 48"/>
         <p:cNvGrpSpPr/>
         <p:nvPr/>
       </p:nvGrpSpPr>
@@ -2440,9 +2505,11 @@
       <p:sp>
         <p:nvSpPr>
           <p:cNvPr id="49" name="Google Shape;49;p12"/>
-          <p:cNvSpPr txBox="1"/>
+          <p:cNvSpPr txBox="1">
+            <a:spLocks noGrp="1"/>
+          </p:cNvSpPr>
           <p:nvPr>
-            <p:ph idx="12" type="sldNum"/>
+            <p:ph type="sldNum" idx="12"/>
           </p:nvPr>
         </p:nvSpPr>
         <p:spPr>
@@ -2455,7 +2522,7 @@
           </a:prstGeom>
         </p:spPr>
         <p:txBody>
-          <a:bodyPr anchorCtr="0" anchor="ctr" bIns="91425" lIns="91425" spcFirstLastPara="1" rIns="91425" wrap="square" tIns="91425">
+          <a:bodyPr spcFirstLastPara="1" wrap="square" lIns="91425" tIns="91425" rIns="91425" bIns="91425" anchor="ctr" anchorCtr="0">
             <a:noAutofit/>
           </a:bodyPr>
           <a:lstStyle>
@@ -2497,7 +2564,7 @@
             </a:lvl9pPr>
           </a:lstStyle>
           <a:p>
-            <a:pPr indent="0" lvl="0" marL="0" rtl="0" algn="r">
+            <a:pPr marL="0" lvl="0" indent="0" algn="r" rtl="0">
               <a:spcBef>
                 <a:spcPts val="0"/>
               </a:spcBef>
@@ -2523,11 +2590,11 @@
 </file>
 
 <file path=ppt/slideLayouts/slideLayout2.xml><?xml version="1.0" encoding="utf-8"?>
-<p:sldLayout xmlns:a="http://schemas.openxmlformats.org/drawingml/2006/main" xmlns:r="http://schemas.openxmlformats.org/officeDocument/2006/relationships" xmlns:mc="http://schemas.openxmlformats.org/markup-compatibility/2006" xmlns:mv="urn:schemas-microsoft-com:mac:vml" xmlns:p="http://schemas.openxmlformats.org/presentationml/2006/main" xmlns:c="http://schemas.openxmlformats.org/drawingml/2006/chart" xmlns:dgm="http://schemas.openxmlformats.org/drawingml/2006/diagram" xmlns:o="urn:schemas-microsoft-com:office:office" xmlns:v="urn:schemas-microsoft-com:vml" xmlns:pvml="urn:schemas-microsoft-com:office:powerpoint" xmlns:com="http://schemas.openxmlformats.org/drawingml/2006/compatibility" xmlns:p14="http://schemas.microsoft.com/office/powerpoint/2010/main" xmlns:p15="http://schemas.microsoft.com/office/powerpoint/2012/main" xmlns:ahyp="http://schemas.microsoft.com/office/drawing/2018/hyperlinkcolor" matchingName="Section header" type="secHead">
+<p:sldLayout xmlns:a="http://schemas.openxmlformats.org/drawingml/2006/main" xmlns:r="http://schemas.openxmlformats.org/officeDocument/2006/relationships" xmlns:p="http://schemas.openxmlformats.org/presentationml/2006/main" matchingName="Section header" type="secHead">
   <p:cSld name="SECTION_HEADER">
     <p:spTree>
       <p:nvGrpSpPr>
-        <p:cNvPr id="13" name="Shape 13"/>
+        <p:cNvPr id="1" name="Shape 13"/>
         <p:cNvGrpSpPr/>
         <p:nvPr/>
       </p:nvGrpSpPr>
@@ -2542,7 +2609,9 @@
       <p:sp>
         <p:nvSpPr>
           <p:cNvPr id="14" name="Google Shape;14;p3"/>
-          <p:cNvSpPr txBox="1"/>
+          <p:cNvSpPr txBox="1">
+            <a:spLocks noGrp="1"/>
+          </p:cNvSpPr>
           <p:nvPr>
             <p:ph type="title"/>
           </p:nvPr>
@@ -2557,7 +2626,7 @@
           </a:prstGeom>
         </p:spPr>
         <p:txBody>
-          <a:bodyPr anchorCtr="0" anchor="ctr" bIns="91425" lIns="91425" spcFirstLastPara="1" rIns="91425" wrap="square" tIns="91425">
+          <a:bodyPr spcFirstLastPara="1" wrap="square" lIns="91425" tIns="91425" rIns="91425" bIns="91425" anchor="ctr" anchorCtr="0">
             <a:noAutofit/>
           </a:bodyPr>
           <a:lstStyle>
@@ -2661,15 +2730,19 @@
               <a:defRPr sz="3600"/>
             </a:lvl9pPr>
           </a:lstStyle>
-          <a:p/>
+          <a:p>
+            <a:endParaRPr/>
+          </a:p>
         </p:txBody>
       </p:sp>
       <p:sp>
         <p:nvSpPr>
           <p:cNvPr id="15" name="Google Shape;15;p3"/>
-          <p:cNvSpPr txBox="1"/>
+          <p:cNvSpPr txBox="1">
+            <a:spLocks noGrp="1"/>
+          </p:cNvSpPr>
           <p:nvPr>
-            <p:ph idx="12" type="sldNum"/>
+            <p:ph type="sldNum" idx="12"/>
           </p:nvPr>
         </p:nvSpPr>
         <p:spPr>
@@ -2682,7 +2755,7 @@
           </a:prstGeom>
         </p:spPr>
         <p:txBody>
-          <a:bodyPr anchorCtr="0" anchor="ctr" bIns="91425" lIns="91425" spcFirstLastPara="1" rIns="91425" wrap="square" tIns="91425">
+          <a:bodyPr spcFirstLastPara="1" wrap="square" lIns="91425" tIns="91425" rIns="91425" bIns="91425" anchor="ctr" anchorCtr="0">
             <a:noAutofit/>
           </a:bodyPr>
           <a:lstStyle>
@@ -2724,7 +2797,7 @@
             </a:lvl9pPr>
           </a:lstStyle>
           <a:p>
-            <a:pPr indent="0" lvl="0" marL="0" rtl="0" algn="r">
+            <a:pPr marL="0" lvl="0" indent="0" algn="r" rtl="0">
               <a:spcBef>
                 <a:spcPts val="0"/>
               </a:spcBef>
@@ -2750,11 +2823,11 @@
 </file>
 
 <file path=ppt/slideLayouts/slideLayout3.xml><?xml version="1.0" encoding="utf-8"?>
-<p:sldLayout xmlns:a="http://schemas.openxmlformats.org/drawingml/2006/main" xmlns:r="http://schemas.openxmlformats.org/officeDocument/2006/relationships" xmlns:mc="http://schemas.openxmlformats.org/markup-compatibility/2006" xmlns:mv="urn:schemas-microsoft-com:mac:vml" xmlns:p="http://schemas.openxmlformats.org/presentationml/2006/main" xmlns:c="http://schemas.openxmlformats.org/drawingml/2006/chart" xmlns:dgm="http://schemas.openxmlformats.org/drawingml/2006/diagram" xmlns:o="urn:schemas-microsoft-com:office:office" xmlns:v="urn:schemas-microsoft-com:vml" xmlns:pvml="urn:schemas-microsoft-com:office:powerpoint" xmlns:com="http://schemas.openxmlformats.org/drawingml/2006/compatibility" xmlns:p14="http://schemas.microsoft.com/office/powerpoint/2010/main" xmlns:p15="http://schemas.microsoft.com/office/powerpoint/2012/main" xmlns:ahyp="http://schemas.microsoft.com/office/drawing/2018/hyperlinkcolor" matchingName="Title and body" type="tx">
+<p:sldLayout xmlns:a="http://schemas.openxmlformats.org/drawingml/2006/main" xmlns:r="http://schemas.openxmlformats.org/officeDocument/2006/relationships" xmlns:p="http://schemas.openxmlformats.org/presentationml/2006/main" matchingName="Title and body" type="tx">
   <p:cSld name="TITLE_AND_BODY">
     <p:spTree>
       <p:nvGrpSpPr>
-        <p:cNvPr id="16" name="Shape 16"/>
+        <p:cNvPr id="1" name="Shape 16"/>
         <p:cNvGrpSpPr/>
         <p:nvPr/>
       </p:nvGrpSpPr>
@@ -2769,7 +2842,9 @@
       <p:sp>
         <p:nvSpPr>
           <p:cNvPr id="17" name="Google Shape;17;p4"/>
-          <p:cNvSpPr txBox="1"/>
+          <p:cNvSpPr txBox="1">
+            <a:spLocks noGrp="1"/>
+          </p:cNvSpPr>
           <p:nvPr>
             <p:ph type="title"/>
           </p:nvPr>
@@ -2784,7 +2859,7 @@
           </a:prstGeom>
         </p:spPr>
         <p:txBody>
-          <a:bodyPr anchorCtr="0" anchor="t" bIns="91425" lIns="91425" spcFirstLastPara="1" rIns="91425" wrap="square" tIns="91425">
+          <a:bodyPr spcFirstLastPara="1" wrap="square" lIns="91425" tIns="91425" rIns="91425" bIns="91425" anchor="t" anchorCtr="0">
             <a:noAutofit/>
           </a:bodyPr>
           <a:lstStyle>
@@ -2888,15 +2963,19 @@
               <a:defRPr/>
             </a:lvl9pPr>
           </a:lstStyle>
-          <a:p/>
+          <a:p>
+            <a:endParaRPr/>
+          </a:p>
         </p:txBody>
       </p:sp>
       <p:sp>
         <p:nvSpPr>
           <p:cNvPr id="18" name="Google Shape;18;p4"/>
-          <p:cNvSpPr txBox="1"/>
+          <p:cNvSpPr txBox="1">
+            <a:spLocks noGrp="1"/>
+          </p:cNvSpPr>
           <p:nvPr>
-            <p:ph idx="1" type="body"/>
+            <p:ph type="body" idx="1"/>
           </p:nvPr>
         </p:nvSpPr>
         <p:spPr>
@@ -2909,11 +2988,11 @@
           </a:prstGeom>
         </p:spPr>
         <p:txBody>
-          <a:bodyPr anchorCtr="0" anchor="t" bIns="91425" lIns="91425" spcFirstLastPara="1" rIns="91425" wrap="square" tIns="91425">
+          <a:bodyPr spcFirstLastPara="1" wrap="square" lIns="91425" tIns="91425" rIns="91425" bIns="91425" anchor="t" anchorCtr="0">
             <a:noAutofit/>
           </a:bodyPr>
           <a:lstStyle>
-            <a:lvl1pPr indent="-342900" lvl="0" marL="457200">
+            <a:lvl1pPr marL="457200" lvl="0" indent="-342900">
               <a:spcBef>
                 <a:spcPts val="0"/>
               </a:spcBef>
@@ -2924,7 +3003,7 @@
               <a:buChar char="●"/>
               <a:defRPr/>
             </a:lvl1pPr>
-            <a:lvl2pPr indent="-317500" lvl="1" marL="914400">
+            <a:lvl2pPr marL="914400" lvl="1" indent="-317500">
               <a:spcBef>
                 <a:spcPts val="1600"/>
               </a:spcBef>
@@ -2935,7 +3014,7 @@
               <a:buChar char="○"/>
               <a:defRPr/>
             </a:lvl2pPr>
-            <a:lvl3pPr indent="-317500" lvl="2" marL="1371600">
+            <a:lvl3pPr marL="1371600" lvl="2" indent="-317500">
               <a:spcBef>
                 <a:spcPts val="1600"/>
               </a:spcBef>
@@ -2946,7 +3025,7 @@
               <a:buChar char="■"/>
               <a:defRPr/>
             </a:lvl3pPr>
-            <a:lvl4pPr indent="-317500" lvl="3" marL="1828800">
+            <a:lvl4pPr marL="1828800" lvl="3" indent="-317500">
               <a:spcBef>
                 <a:spcPts val="1600"/>
               </a:spcBef>
@@ -2957,7 +3036,7 @@
               <a:buChar char="●"/>
               <a:defRPr/>
             </a:lvl4pPr>
-            <a:lvl5pPr indent="-317500" lvl="4" marL="2286000">
+            <a:lvl5pPr marL="2286000" lvl="4" indent="-317500">
               <a:spcBef>
                 <a:spcPts val="1600"/>
               </a:spcBef>
@@ -2968,7 +3047,7 @@
               <a:buChar char="○"/>
               <a:defRPr/>
             </a:lvl5pPr>
-            <a:lvl6pPr indent="-317500" lvl="5" marL="2743200">
+            <a:lvl6pPr marL="2743200" lvl="5" indent="-317500">
               <a:spcBef>
                 <a:spcPts val="1600"/>
               </a:spcBef>
@@ -2979,7 +3058,7 @@
               <a:buChar char="■"/>
               <a:defRPr/>
             </a:lvl6pPr>
-            <a:lvl7pPr indent="-317500" lvl="6" marL="3200400">
+            <a:lvl7pPr marL="3200400" lvl="6" indent="-317500">
               <a:spcBef>
                 <a:spcPts val="1600"/>
               </a:spcBef>
@@ -2990,7 +3069,7 @@
               <a:buChar char="●"/>
               <a:defRPr/>
             </a:lvl7pPr>
-            <a:lvl8pPr indent="-317500" lvl="7" marL="3657600">
+            <a:lvl8pPr marL="3657600" lvl="7" indent="-317500">
               <a:spcBef>
                 <a:spcPts val="1600"/>
               </a:spcBef>
@@ -3001,7 +3080,7 @@
               <a:buChar char="○"/>
               <a:defRPr/>
             </a:lvl8pPr>
-            <a:lvl9pPr indent="-317500" lvl="8" marL="4114800">
+            <a:lvl9pPr marL="4114800" lvl="8" indent="-317500">
               <a:spcBef>
                 <a:spcPts val="1600"/>
               </a:spcBef>
@@ -3013,15 +3092,19 @@
               <a:defRPr/>
             </a:lvl9pPr>
           </a:lstStyle>
-          <a:p/>
+          <a:p>
+            <a:endParaRPr/>
+          </a:p>
         </p:txBody>
       </p:sp>
       <p:sp>
         <p:nvSpPr>
           <p:cNvPr id="19" name="Google Shape;19;p4"/>
-          <p:cNvSpPr txBox="1"/>
+          <p:cNvSpPr txBox="1">
+            <a:spLocks noGrp="1"/>
+          </p:cNvSpPr>
           <p:nvPr>
-            <p:ph idx="12" type="sldNum"/>
+            <p:ph type="sldNum" idx="12"/>
           </p:nvPr>
         </p:nvSpPr>
         <p:spPr>
@@ -3034,7 +3117,7 @@
           </a:prstGeom>
         </p:spPr>
         <p:txBody>
-          <a:bodyPr anchorCtr="0" anchor="ctr" bIns="91425" lIns="91425" spcFirstLastPara="1" rIns="91425" wrap="square" tIns="91425">
+          <a:bodyPr spcFirstLastPara="1" wrap="square" lIns="91425" tIns="91425" rIns="91425" bIns="91425" anchor="ctr" anchorCtr="0">
             <a:noAutofit/>
           </a:bodyPr>
           <a:lstStyle>
@@ -3076,7 +3159,7 @@
             </a:lvl9pPr>
           </a:lstStyle>
           <a:p>
-            <a:pPr indent="0" lvl="0" marL="0" rtl="0" algn="r">
+            <a:pPr marL="0" lvl="0" indent="0" algn="r" rtl="0">
               <a:spcBef>
                 <a:spcPts val="0"/>
               </a:spcBef>
@@ -3102,11 +3185,11 @@
 </file>
 
 <file path=ppt/slideLayouts/slideLayout4.xml><?xml version="1.0" encoding="utf-8"?>
-<p:sldLayout xmlns:a="http://schemas.openxmlformats.org/drawingml/2006/main" xmlns:r="http://schemas.openxmlformats.org/officeDocument/2006/relationships" xmlns:mc="http://schemas.openxmlformats.org/markup-compatibility/2006" xmlns:mv="urn:schemas-microsoft-com:mac:vml" xmlns:p="http://schemas.openxmlformats.org/presentationml/2006/main" xmlns:c="http://schemas.openxmlformats.org/drawingml/2006/chart" xmlns:dgm="http://schemas.openxmlformats.org/drawingml/2006/diagram" xmlns:o="urn:schemas-microsoft-com:office:office" xmlns:v="urn:schemas-microsoft-com:vml" xmlns:pvml="urn:schemas-microsoft-com:office:powerpoint" xmlns:com="http://schemas.openxmlformats.org/drawingml/2006/compatibility" xmlns:p14="http://schemas.microsoft.com/office/powerpoint/2010/main" xmlns:p15="http://schemas.microsoft.com/office/powerpoint/2012/main" xmlns:ahyp="http://schemas.microsoft.com/office/drawing/2018/hyperlinkcolor" matchingName="Title and two columns" type="twoColTx">
+<p:sldLayout xmlns:a="http://schemas.openxmlformats.org/drawingml/2006/main" xmlns:r="http://schemas.openxmlformats.org/officeDocument/2006/relationships" xmlns:p="http://schemas.openxmlformats.org/presentationml/2006/main" matchingName="Title and two columns" type="twoColTx">
   <p:cSld name="TITLE_AND_TWO_COLUMNS">
     <p:spTree>
       <p:nvGrpSpPr>
-        <p:cNvPr id="20" name="Shape 20"/>
+        <p:cNvPr id="1" name="Shape 20"/>
         <p:cNvGrpSpPr/>
         <p:nvPr/>
       </p:nvGrpSpPr>
@@ -3121,7 +3204,9 @@
       <p:sp>
         <p:nvSpPr>
           <p:cNvPr id="21" name="Google Shape;21;p5"/>
-          <p:cNvSpPr txBox="1"/>
+          <p:cNvSpPr txBox="1">
+            <a:spLocks noGrp="1"/>
+          </p:cNvSpPr>
           <p:nvPr>
             <p:ph type="title"/>
           </p:nvPr>
@@ -3136,7 +3221,7 @@
           </a:prstGeom>
         </p:spPr>
         <p:txBody>
-          <a:bodyPr anchorCtr="0" anchor="t" bIns="91425" lIns="91425" spcFirstLastPara="1" rIns="91425" wrap="square" tIns="91425">
+          <a:bodyPr spcFirstLastPara="1" wrap="square" lIns="91425" tIns="91425" rIns="91425" bIns="91425" anchor="t" anchorCtr="0">
             <a:noAutofit/>
           </a:bodyPr>
           <a:lstStyle>
@@ -3240,15 +3325,19 @@
               <a:defRPr/>
             </a:lvl9pPr>
           </a:lstStyle>
-          <a:p/>
+          <a:p>
+            <a:endParaRPr/>
+          </a:p>
         </p:txBody>
       </p:sp>
       <p:sp>
         <p:nvSpPr>
           <p:cNvPr id="22" name="Google Shape;22;p5"/>
-          <p:cNvSpPr txBox="1"/>
+          <p:cNvSpPr txBox="1">
+            <a:spLocks noGrp="1"/>
+          </p:cNvSpPr>
           <p:nvPr>
-            <p:ph idx="1" type="body"/>
+            <p:ph type="body" idx="1"/>
           </p:nvPr>
         </p:nvSpPr>
         <p:spPr>
@@ -3261,11 +3350,11 @@
           </a:prstGeom>
         </p:spPr>
         <p:txBody>
-          <a:bodyPr anchorCtr="0" anchor="t" bIns="91425" lIns="91425" spcFirstLastPara="1" rIns="91425" wrap="square" tIns="91425">
+          <a:bodyPr spcFirstLastPara="1" wrap="square" lIns="91425" tIns="91425" rIns="91425" bIns="91425" anchor="t" anchorCtr="0">
             <a:noAutofit/>
           </a:bodyPr>
           <a:lstStyle>
-            <a:lvl1pPr indent="-317500" lvl="0" marL="457200">
+            <a:lvl1pPr marL="457200" lvl="0" indent="-317500">
               <a:spcBef>
                 <a:spcPts val="0"/>
               </a:spcBef>
@@ -3276,7 +3365,7 @@
               <a:buChar char="●"/>
               <a:defRPr sz="1400"/>
             </a:lvl1pPr>
-            <a:lvl2pPr indent="-304800" lvl="1" marL="914400">
+            <a:lvl2pPr marL="914400" lvl="1" indent="-304800">
               <a:spcBef>
                 <a:spcPts val="1600"/>
               </a:spcBef>
@@ -3287,7 +3376,7 @@
               <a:buChar char="○"/>
               <a:defRPr sz="1200"/>
             </a:lvl2pPr>
-            <a:lvl3pPr indent="-304800" lvl="2" marL="1371600">
+            <a:lvl3pPr marL="1371600" lvl="2" indent="-304800">
               <a:spcBef>
                 <a:spcPts val="1600"/>
               </a:spcBef>
@@ -3298,7 +3387,7 @@
               <a:buChar char="■"/>
               <a:defRPr sz="1200"/>
             </a:lvl3pPr>
-            <a:lvl4pPr indent="-304800" lvl="3" marL="1828800">
+            <a:lvl4pPr marL="1828800" lvl="3" indent="-304800">
               <a:spcBef>
                 <a:spcPts val="1600"/>
               </a:spcBef>
@@ -3309,7 +3398,7 @@
               <a:buChar char="●"/>
               <a:defRPr sz="1200"/>
             </a:lvl4pPr>
-            <a:lvl5pPr indent="-304800" lvl="4" marL="2286000">
+            <a:lvl5pPr marL="2286000" lvl="4" indent="-304800">
               <a:spcBef>
                 <a:spcPts val="1600"/>
               </a:spcBef>
@@ -3320,7 +3409,7 @@
               <a:buChar char="○"/>
               <a:defRPr sz="1200"/>
             </a:lvl5pPr>
-            <a:lvl6pPr indent="-304800" lvl="5" marL="2743200">
+            <a:lvl6pPr marL="2743200" lvl="5" indent="-304800">
               <a:spcBef>
                 <a:spcPts val="1600"/>
               </a:spcBef>
@@ -3331,7 +3420,7 @@
               <a:buChar char="■"/>
               <a:defRPr sz="1200"/>
             </a:lvl6pPr>
-            <a:lvl7pPr indent="-304800" lvl="6" marL="3200400">
+            <a:lvl7pPr marL="3200400" lvl="6" indent="-304800">
               <a:spcBef>
                 <a:spcPts val="1600"/>
               </a:spcBef>
@@ -3342,7 +3431,7 @@
               <a:buChar char="●"/>
               <a:defRPr sz="1200"/>
             </a:lvl7pPr>
-            <a:lvl8pPr indent="-304800" lvl="7" marL="3657600">
+            <a:lvl8pPr marL="3657600" lvl="7" indent="-304800">
               <a:spcBef>
                 <a:spcPts val="1600"/>
               </a:spcBef>
@@ -3353,7 +3442,7 @@
               <a:buChar char="○"/>
               <a:defRPr sz="1200"/>
             </a:lvl8pPr>
-            <a:lvl9pPr indent="-304800" lvl="8" marL="4114800">
+            <a:lvl9pPr marL="4114800" lvl="8" indent="-304800">
               <a:spcBef>
                 <a:spcPts val="1600"/>
               </a:spcBef>
@@ -3365,15 +3454,19 @@
               <a:defRPr sz="1200"/>
             </a:lvl9pPr>
           </a:lstStyle>
-          <a:p/>
+          <a:p>
+            <a:endParaRPr/>
+          </a:p>
         </p:txBody>
       </p:sp>
       <p:sp>
         <p:nvSpPr>
           <p:cNvPr id="23" name="Google Shape;23;p5"/>
-          <p:cNvSpPr txBox="1"/>
+          <p:cNvSpPr txBox="1">
+            <a:spLocks noGrp="1"/>
+          </p:cNvSpPr>
           <p:nvPr>
-            <p:ph idx="2" type="body"/>
+            <p:ph type="body" idx="2"/>
           </p:nvPr>
         </p:nvSpPr>
         <p:spPr>
@@ -3386,11 +3479,11 @@
           </a:prstGeom>
         </p:spPr>
         <p:txBody>
-          <a:bodyPr anchorCtr="0" anchor="t" bIns="91425" lIns="91425" spcFirstLastPara="1" rIns="91425" wrap="square" tIns="91425">
+          <a:bodyPr spcFirstLastPara="1" wrap="square" lIns="91425" tIns="91425" rIns="91425" bIns="91425" anchor="t" anchorCtr="0">
             <a:noAutofit/>
           </a:bodyPr>
           <a:lstStyle>
-            <a:lvl1pPr indent="-317500" lvl="0" marL="457200">
+            <a:lvl1pPr marL="457200" lvl="0" indent="-317500">
               <a:spcBef>
                 <a:spcPts val="0"/>
               </a:spcBef>
@@ -3401,7 +3494,7 @@
               <a:buChar char="●"/>
               <a:defRPr sz="1400"/>
             </a:lvl1pPr>
-            <a:lvl2pPr indent="-304800" lvl="1" marL="914400">
+            <a:lvl2pPr marL="914400" lvl="1" indent="-304800">
               <a:spcBef>
                 <a:spcPts val="1600"/>
               </a:spcBef>
@@ -3412,7 +3505,7 @@
               <a:buChar char="○"/>
               <a:defRPr sz="1200"/>
             </a:lvl2pPr>
-            <a:lvl3pPr indent="-304800" lvl="2" marL="1371600">
+            <a:lvl3pPr marL="1371600" lvl="2" indent="-304800">
               <a:spcBef>
                 <a:spcPts val="1600"/>
               </a:spcBef>
@@ -3423,7 +3516,7 @@
               <a:buChar char="■"/>
               <a:defRPr sz="1200"/>
             </a:lvl3pPr>
-            <a:lvl4pPr indent="-304800" lvl="3" marL="1828800">
+            <a:lvl4pPr marL="1828800" lvl="3" indent="-304800">
               <a:spcBef>
                 <a:spcPts val="1600"/>
               </a:spcBef>
@@ -3434,7 +3527,7 @@
               <a:buChar char="●"/>
               <a:defRPr sz="1200"/>
             </a:lvl4pPr>
-            <a:lvl5pPr indent="-304800" lvl="4" marL="2286000">
+            <a:lvl5pPr marL="2286000" lvl="4" indent="-304800">
               <a:spcBef>
                 <a:spcPts val="1600"/>
               </a:spcBef>
@@ -3445,7 +3538,7 @@
               <a:buChar char="○"/>
               <a:defRPr sz="1200"/>
             </a:lvl5pPr>
-            <a:lvl6pPr indent="-304800" lvl="5" marL="2743200">
+            <a:lvl6pPr marL="2743200" lvl="5" indent="-304800">
               <a:spcBef>
                 <a:spcPts val="1600"/>
               </a:spcBef>
@@ -3456,7 +3549,7 @@
               <a:buChar char="■"/>
               <a:defRPr sz="1200"/>
             </a:lvl6pPr>
-            <a:lvl7pPr indent="-304800" lvl="6" marL="3200400">
+            <a:lvl7pPr marL="3200400" lvl="6" indent="-304800">
               <a:spcBef>
                 <a:spcPts val="1600"/>
               </a:spcBef>
@@ -3467,7 +3560,7 @@
               <a:buChar char="●"/>
               <a:defRPr sz="1200"/>
             </a:lvl7pPr>
-            <a:lvl8pPr indent="-304800" lvl="7" marL="3657600">
+            <a:lvl8pPr marL="3657600" lvl="7" indent="-304800">
               <a:spcBef>
                 <a:spcPts val="1600"/>
               </a:spcBef>
@@ -3478,7 +3571,7 @@
               <a:buChar char="○"/>
               <a:defRPr sz="1200"/>
             </a:lvl8pPr>
-            <a:lvl9pPr indent="-304800" lvl="8" marL="4114800">
+            <a:lvl9pPr marL="4114800" lvl="8" indent="-304800">
               <a:spcBef>
                 <a:spcPts val="1600"/>
               </a:spcBef>
@@ -3490,15 +3583,19 @@
               <a:defRPr sz="1200"/>
             </a:lvl9pPr>
           </a:lstStyle>
-          <a:p/>
+          <a:p>
+            <a:endParaRPr/>
+          </a:p>
         </p:txBody>
       </p:sp>
       <p:sp>
         <p:nvSpPr>
           <p:cNvPr id="24" name="Google Shape;24;p5"/>
-          <p:cNvSpPr txBox="1"/>
+          <p:cNvSpPr txBox="1">
+            <a:spLocks noGrp="1"/>
+          </p:cNvSpPr>
           <p:nvPr>
-            <p:ph idx="12" type="sldNum"/>
+            <p:ph type="sldNum" idx="12"/>
           </p:nvPr>
         </p:nvSpPr>
         <p:spPr>
@@ -3511,7 +3608,7 @@
           </a:prstGeom>
         </p:spPr>
         <p:txBody>
-          <a:bodyPr anchorCtr="0" anchor="ctr" bIns="91425" lIns="91425" spcFirstLastPara="1" rIns="91425" wrap="square" tIns="91425">
+          <a:bodyPr spcFirstLastPara="1" wrap="square" lIns="91425" tIns="91425" rIns="91425" bIns="91425" anchor="ctr" anchorCtr="0">
             <a:noAutofit/>
           </a:bodyPr>
           <a:lstStyle>
@@ -3553,7 +3650,7 @@
             </a:lvl9pPr>
           </a:lstStyle>
           <a:p>
-            <a:pPr indent="0" lvl="0" marL="0" rtl="0" algn="r">
+            <a:pPr marL="0" lvl="0" indent="0" algn="r" rtl="0">
               <a:spcBef>
                 <a:spcPts val="0"/>
               </a:spcBef>
@@ -3579,11 +3676,11 @@
 </file>
 
 <file path=ppt/slideLayouts/slideLayout5.xml><?xml version="1.0" encoding="utf-8"?>
-<p:sldLayout xmlns:a="http://schemas.openxmlformats.org/drawingml/2006/main" xmlns:r="http://schemas.openxmlformats.org/officeDocument/2006/relationships" xmlns:mc="http://schemas.openxmlformats.org/markup-compatibility/2006" xmlns:mv="urn:schemas-microsoft-com:mac:vml" xmlns:p="http://schemas.openxmlformats.org/presentationml/2006/main" xmlns:c="http://schemas.openxmlformats.org/drawingml/2006/chart" xmlns:dgm="http://schemas.openxmlformats.org/drawingml/2006/diagram" xmlns:o="urn:schemas-microsoft-com:office:office" xmlns:v="urn:schemas-microsoft-com:vml" xmlns:pvml="urn:schemas-microsoft-com:office:powerpoint" xmlns:com="http://schemas.openxmlformats.org/drawingml/2006/compatibility" xmlns:p14="http://schemas.microsoft.com/office/powerpoint/2010/main" xmlns:p15="http://schemas.microsoft.com/office/powerpoint/2012/main" xmlns:ahyp="http://schemas.microsoft.com/office/drawing/2018/hyperlinkcolor" matchingName="Title only" type="titleOnly">
+<p:sldLayout xmlns:a="http://schemas.openxmlformats.org/drawingml/2006/main" xmlns:r="http://schemas.openxmlformats.org/officeDocument/2006/relationships" xmlns:p="http://schemas.openxmlformats.org/presentationml/2006/main" matchingName="Title only" type="titleOnly">
   <p:cSld name="TITLE_ONLY">
     <p:spTree>
       <p:nvGrpSpPr>
-        <p:cNvPr id="25" name="Shape 25"/>
+        <p:cNvPr id="1" name="Shape 25"/>
         <p:cNvGrpSpPr/>
         <p:nvPr/>
       </p:nvGrpSpPr>
@@ -3598,7 +3695,9 @@
       <p:sp>
         <p:nvSpPr>
           <p:cNvPr id="26" name="Google Shape;26;p6"/>
-          <p:cNvSpPr txBox="1"/>
+          <p:cNvSpPr txBox="1">
+            <a:spLocks noGrp="1"/>
+          </p:cNvSpPr>
           <p:nvPr>
             <p:ph type="title"/>
           </p:nvPr>
@@ -3613,7 +3712,7 @@
           </a:prstGeom>
         </p:spPr>
         <p:txBody>
-          <a:bodyPr anchorCtr="0" anchor="t" bIns="91425" lIns="91425" spcFirstLastPara="1" rIns="91425" wrap="square" tIns="91425">
+          <a:bodyPr spcFirstLastPara="1" wrap="square" lIns="91425" tIns="91425" rIns="91425" bIns="91425" anchor="t" anchorCtr="0">
             <a:noAutofit/>
           </a:bodyPr>
           <a:lstStyle>
@@ -3717,15 +3816,19 @@
               <a:defRPr/>
             </a:lvl9pPr>
           </a:lstStyle>
-          <a:p/>
+          <a:p>
+            <a:endParaRPr/>
+          </a:p>
         </p:txBody>
       </p:sp>
       <p:sp>
         <p:nvSpPr>
           <p:cNvPr id="27" name="Google Shape;27;p6"/>
-          <p:cNvSpPr txBox="1"/>
+          <p:cNvSpPr txBox="1">
+            <a:spLocks noGrp="1"/>
+          </p:cNvSpPr>
           <p:nvPr>
-            <p:ph idx="12" type="sldNum"/>
+            <p:ph type="sldNum" idx="12"/>
           </p:nvPr>
         </p:nvSpPr>
         <p:spPr>
@@ -3738,7 +3841,7 @@
           </a:prstGeom>
         </p:spPr>
         <p:txBody>
-          <a:bodyPr anchorCtr="0" anchor="ctr" bIns="91425" lIns="91425" spcFirstLastPara="1" rIns="91425" wrap="square" tIns="91425">
+          <a:bodyPr spcFirstLastPara="1" wrap="square" lIns="91425" tIns="91425" rIns="91425" bIns="91425" anchor="ctr" anchorCtr="0">
             <a:noAutofit/>
           </a:bodyPr>
           <a:lstStyle>
@@ -3780,7 +3883,7 @@
             </a:lvl9pPr>
           </a:lstStyle>
           <a:p>
-            <a:pPr indent="0" lvl="0" marL="0" rtl="0" algn="r">
+            <a:pPr marL="0" lvl="0" indent="0" algn="r" rtl="0">
               <a:spcBef>
                 <a:spcPts val="0"/>
               </a:spcBef>
@@ -3806,11 +3909,11 @@
 </file>
 
 <file path=ppt/slideLayouts/slideLayout6.xml><?xml version="1.0" encoding="utf-8"?>
-<p:sldLayout xmlns:a="http://schemas.openxmlformats.org/drawingml/2006/main" xmlns:r="http://schemas.openxmlformats.org/officeDocument/2006/relationships" xmlns:mc="http://schemas.openxmlformats.org/markup-compatibility/2006" xmlns:mv="urn:schemas-microsoft-com:mac:vml" xmlns:p="http://schemas.openxmlformats.org/presentationml/2006/main" xmlns:c="http://schemas.openxmlformats.org/drawingml/2006/chart" xmlns:dgm="http://schemas.openxmlformats.org/drawingml/2006/diagram" xmlns:o="urn:schemas-microsoft-com:office:office" xmlns:v="urn:schemas-microsoft-com:vml" xmlns:pvml="urn:schemas-microsoft-com:office:powerpoint" xmlns:com="http://schemas.openxmlformats.org/drawingml/2006/compatibility" xmlns:p14="http://schemas.microsoft.com/office/powerpoint/2010/main" xmlns:p15="http://schemas.microsoft.com/office/powerpoint/2012/main" xmlns:ahyp="http://schemas.microsoft.com/office/drawing/2018/hyperlinkcolor" matchingName="One column text">
+<p:sldLayout xmlns:a="http://schemas.openxmlformats.org/drawingml/2006/main" xmlns:r="http://schemas.openxmlformats.org/officeDocument/2006/relationships" xmlns:p="http://schemas.openxmlformats.org/presentationml/2006/main" matchingName="One column text">
   <p:cSld name="ONE_COLUMN_TEXT">
     <p:spTree>
       <p:nvGrpSpPr>
-        <p:cNvPr id="28" name="Shape 28"/>
+        <p:cNvPr id="1" name="Shape 28"/>
         <p:cNvGrpSpPr/>
         <p:nvPr/>
       </p:nvGrpSpPr>
@@ -3825,7 +3928,9 @@
       <p:sp>
         <p:nvSpPr>
           <p:cNvPr id="29" name="Google Shape;29;p7"/>
-          <p:cNvSpPr txBox="1"/>
+          <p:cNvSpPr txBox="1">
+            <a:spLocks noGrp="1"/>
+          </p:cNvSpPr>
           <p:nvPr>
             <p:ph type="title"/>
           </p:nvPr>
@@ -3840,7 +3945,7 @@
           </a:prstGeom>
         </p:spPr>
         <p:txBody>
-          <a:bodyPr anchorCtr="0" anchor="b" bIns="91425" lIns="91425" spcFirstLastPara="1" rIns="91425" wrap="square" tIns="91425">
+          <a:bodyPr spcFirstLastPara="1" wrap="square" lIns="91425" tIns="91425" rIns="91425" bIns="91425" anchor="b" anchorCtr="0">
             <a:noAutofit/>
           </a:bodyPr>
           <a:lstStyle>
@@ -3944,15 +4049,19 @@
               <a:defRPr sz="2400"/>
             </a:lvl9pPr>
           </a:lstStyle>
-          <a:p/>
+          <a:p>
+            <a:endParaRPr/>
+          </a:p>
         </p:txBody>
       </p:sp>
       <p:sp>
         <p:nvSpPr>
           <p:cNvPr id="30" name="Google Shape;30;p7"/>
-          <p:cNvSpPr txBox="1"/>
+          <p:cNvSpPr txBox="1">
+            <a:spLocks noGrp="1"/>
+          </p:cNvSpPr>
           <p:nvPr>
-            <p:ph idx="1" type="body"/>
+            <p:ph type="body" idx="1"/>
           </p:nvPr>
         </p:nvSpPr>
         <p:spPr>
@@ -3965,11 +4074,11 @@
           </a:prstGeom>
         </p:spPr>
         <p:txBody>
-          <a:bodyPr anchorCtr="0" anchor="t" bIns="91425" lIns="91425" spcFirstLastPara="1" rIns="91425" wrap="square" tIns="91425">
+          <a:bodyPr spcFirstLastPara="1" wrap="square" lIns="91425" tIns="91425" rIns="91425" bIns="91425" anchor="t" anchorCtr="0">
             <a:noAutofit/>
           </a:bodyPr>
           <a:lstStyle>
-            <a:lvl1pPr indent="-304800" lvl="0" marL="457200">
+            <a:lvl1pPr marL="457200" lvl="0" indent="-304800">
               <a:spcBef>
                 <a:spcPts val="0"/>
               </a:spcBef>
@@ -3980,7 +4089,7 @@
               <a:buChar char="●"/>
               <a:defRPr sz="1200"/>
             </a:lvl1pPr>
-            <a:lvl2pPr indent="-304800" lvl="1" marL="914400">
+            <a:lvl2pPr marL="914400" lvl="1" indent="-304800">
               <a:spcBef>
                 <a:spcPts val="1600"/>
               </a:spcBef>
@@ -3991,7 +4100,7 @@
               <a:buChar char="○"/>
               <a:defRPr sz="1200"/>
             </a:lvl2pPr>
-            <a:lvl3pPr indent="-304800" lvl="2" marL="1371600">
+            <a:lvl3pPr marL="1371600" lvl="2" indent="-304800">
               <a:spcBef>
                 <a:spcPts val="1600"/>
               </a:spcBef>
@@ -4002,7 +4111,7 @@
               <a:buChar char="■"/>
               <a:defRPr sz="1200"/>
             </a:lvl3pPr>
-            <a:lvl4pPr indent="-304800" lvl="3" marL="1828800">
+            <a:lvl4pPr marL="1828800" lvl="3" indent="-304800">
               <a:spcBef>
                 <a:spcPts val="1600"/>
               </a:spcBef>
@@ -4013,7 +4122,7 @@
               <a:buChar char="●"/>
               <a:defRPr sz="1200"/>
             </a:lvl4pPr>
-            <a:lvl5pPr indent="-304800" lvl="4" marL="2286000">
+            <a:lvl5pPr marL="2286000" lvl="4" indent="-304800">
               <a:spcBef>
                 <a:spcPts val="1600"/>
               </a:spcBef>
@@ -4024,7 +4133,7 @@
               <a:buChar char="○"/>
               <a:defRPr sz="1200"/>
             </a:lvl5pPr>
-            <a:lvl6pPr indent="-304800" lvl="5" marL="2743200">
+            <a:lvl6pPr marL="2743200" lvl="5" indent="-304800">
               <a:spcBef>
                 <a:spcPts val="1600"/>
               </a:spcBef>
@@ -4035,7 +4144,7 @@
               <a:buChar char="■"/>
               <a:defRPr sz="1200"/>
             </a:lvl6pPr>
-            <a:lvl7pPr indent="-304800" lvl="6" marL="3200400">
+            <a:lvl7pPr marL="3200400" lvl="6" indent="-304800">
               <a:spcBef>
                 <a:spcPts val="1600"/>
               </a:spcBef>
@@ -4046,7 +4155,7 @@
               <a:buChar char="●"/>
               <a:defRPr sz="1200"/>
             </a:lvl7pPr>
-            <a:lvl8pPr indent="-304800" lvl="7" marL="3657600">
+            <a:lvl8pPr marL="3657600" lvl="7" indent="-304800">
               <a:spcBef>
                 <a:spcPts val="1600"/>
               </a:spcBef>
@@ -4057,7 +4166,7 @@
               <a:buChar char="○"/>
               <a:defRPr sz="1200"/>
             </a:lvl8pPr>
-            <a:lvl9pPr indent="-304800" lvl="8" marL="4114800">
+            <a:lvl9pPr marL="4114800" lvl="8" indent="-304800">
               <a:spcBef>
                 <a:spcPts val="1600"/>
               </a:spcBef>
@@ -4069,15 +4178,19 @@
               <a:defRPr sz="1200"/>
             </a:lvl9pPr>
           </a:lstStyle>
-          <a:p/>
+          <a:p>
+            <a:endParaRPr/>
+          </a:p>
         </p:txBody>
       </p:sp>
       <p:sp>
         <p:nvSpPr>
           <p:cNvPr id="31" name="Google Shape;31;p7"/>
-          <p:cNvSpPr txBox="1"/>
+          <p:cNvSpPr txBox="1">
+            <a:spLocks noGrp="1"/>
+          </p:cNvSpPr>
           <p:nvPr>
-            <p:ph idx="12" type="sldNum"/>
+            <p:ph type="sldNum" idx="12"/>
           </p:nvPr>
         </p:nvSpPr>
         <p:spPr>
@@ -4090,7 +4203,7 @@
           </a:prstGeom>
         </p:spPr>
         <p:txBody>
-          <a:bodyPr anchorCtr="0" anchor="ctr" bIns="91425" lIns="91425" spcFirstLastPara="1" rIns="91425" wrap="square" tIns="91425">
+          <a:bodyPr spcFirstLastPara="1" wrap="square" lIns="91425" tIns="91425" rIns="91425" bIns="91425" anchor="ctr" anchorCtr="0">
             <a:noAutofit/>
           </a:bodyPr>
           <a:lstStyle>
@@ -4132,7 +4245,7 @@
             </a:lvl9pPr>
           </a:lstStyle>
           <a:p>
-            <a:pPr indent="0" lvl="0" marL="0" rtl="0" algn="r">
+            <a:pPr marL="0" lvl="0" indent="0" algn="r" rtl="0">
               <a:spcBef>
                 <a:spcPts val="0"/>
               </a:spcBef>
@@ -4158,11 +4271,11 @@
 </file>
 
 <file path=ppt/slideLayouts/slideLayout7.xml><?xml version="1.0" encoding="utf-8"?>
-<p:sldLayout xmlns:a="http://schemas.openxmlformats.org/drawingml/2006/main" xmlns:r="http://schemas.openxmlformats.org/officeDocument/2006/relationships" xmlns:mc="http://schemas.openxmlformats.org/markup-compatibility/2006" xmlns:mv="urn:schemas-microsoft-com:mac:vml" xmlns:p="http://schemas.openxmlformats.org/presentationml/2006/main" xmlns:c="http://schemas.openxmlformats.org/drawingml/2006/chart" xmlns:dgm="http://schemas.openxmlformats.org/drawingml/2006/diagram" xmlns:o="urn:schemas-microsoft-com:office:office" xmlns:v="urn:schemas-microsoft-com:vml" xmlns:pvml="urn:schemas-microsoft-com:office:powerpoint" xmlns:com="http://schemas.openxmlformats.org/drawingml/2006/compatibility" xmlns:p14="http://schemas.microsoft.com/office/powerpoint/2010/main" xmlns:p15="http://schemas.microsoft.com/office/powerpoint/2012/main" xmlns:ahyp="http://schemas.microsoft.com/office/drawing/2018/hyperlinkcolor" matchingName="Main point">
+<p:sldLayout xmlns:a="http://schemas.openxmlformats.org/drawingml/2006/main" xmlns:r="http://schemas.openxmlformats.org/officeDocument/2006/relationships" xmlns:p="http://schemas.openxmlformats.org/presentationml/2006/main" matchingName="Main point">
   <p:cSld name="MAIN_POINT">
     <p:spTree>
       <p:nvGrpSpPr>
-        <p:cNvPr id="32" name="Shape 32"/>
+        <p:cNvPr id="1" name="Shape 32"/>
         <p:cNvGrpSpPr/>
         <p:nvPr/>
       </p:nvGrpSpPr>
@@ -4177,7 +4290,9 @@
       <p:sp>
         <p:nvSpPr>
           <p:cNvPr id="33" name="Google Shape;33;p8"/>
-          <p:cNvSpPr txBox="1"/>
+          <p:cNvSpPr txBox="1">
+            <a:spLocks noGrp="1"/>
+          </p:cNvSpPr>
           <p:nvPr>
             <p:ph type="title"/>
           </p:nvPr>
@@ -4192,7 +4307,7 @@
           </a:prstGeom>
         </p:spPr>
         <p:txBody>
-          <a:bodyPr anchorCtr="0" anchor="ctr" bIns="91425" lIns="91425" spcFirstLastPara="1" rIns="91425" wrap="square" tIns="91425">
+          <a:bodyPr spcFirstLastPara="1" wrap="square" lIns="91425" tIns="91425" rIns="91425" bIns="91425" anchor="ctr" anchorCtr="0">
             <a:noAutofit/>
           </a:bodyPr>
           <a:lstStyle>
@@ -4296,15 +4411,19 @@
               <a:defRPr sz="4800"/>
             </a:lvl9pPr>
           </a:lstStyle>
-          <a:p/>
+          <a:p>
+            <a:endParaRPr/>
+          </a:p>
         </p:txBody>
       </p:sp>
       <p:sp>
         <p:nvSpPr>
           <p:cNvPr id="34" name="Google Shape;34;p8"/>
-          <p:cNvSpPr txBox="1"/>
+          <p:cNvSpPr txBox="1">
+            <a:spLocks noGrp="1"/>
+          </p:cNvSpPr>
           <p:nvPr>
-            <p:ph idx="12" type="sldNum"/>
+            <p:ph type="sldNum" idx="12"/>
           </p:nvPr>
         </p:nvSpPr>
         <p:spPr>
@@ -4317,7 +4436,7 @@
           </a:prstGeom>
         </p:spPr>
         <p:txBody>
-          <a:bodyPr anchorCtr="0" anchor="ctr" bIns="91425" lIns="91425" spcFirstLastPara="1" rIns="91425" wrap="square" tIns="91425">
+          <a:bodyPr spcFirstLastPara="1" wrap="square" lIns="91425" tIns="91425" rIns="91425" bIns="91425" anchor="ctr" anchorCtr="0">
             <a:noAutofit/>
           </a:bodyPr>
           <a:lstStyle>
@@ -4359,7 +4478,7 @@
             </a:lvl9pPr>
           </a:lstStyle>
           <a:p>
-            <a:pPr indent="0" lvl="0" marL="0" rtl="0" algn="r">
+            <a:pPr marL="0" lvl="0" indent="0" algn="r" rtl="0">
               <a:spcBef>
                 <a:spcPts val="0"/>
               </a:spcBef>
@@ -4385,11 +4504,11 @@
 </file>
 
 <file path=ppt/slideLayouts/slideLayout8.xml><?xml version="1.0" encoding="utf-8"?>
-<p:sldLayout xmlns:a="http://schemas.openxmlformats.org/drawingml/2006/main" xmlns:r="http://schemas.openxmlformats.org/officeDocument/2006/relationships" xmlns:mc="http://schemas.openxmlformats.org/markup-compatibility/2006" xmlns:mv="urn:schemas-microsoft-com:mac:vml" xmlns:p="http://schemas.openxmlformats.org/presentationml/2006/main" xmlns:c="http://schemas.openxmlformats.org/drawingml/2006/chart" xmlns:dgm="http://schemas.openxmlformats.org/drawingml/2006/diagram" xmlns:o="urn:schemas-microsoft-com:office:office" xmlns:v="urn:schemas-microsoft-com:vml" xmlns:pvml="urn:schemas-microsoft-com:office:powerpoint" xmlns:com="http://schemas.openxmlformats.org/drawingml/2006/compatibility" xmlns:p14="http://schemas.microsoft.com/office/powerpoint/2010/main" xmlns:p15="http://schemas.microsoft.com/office/powerpoint/2012/main" xmlns:ahyp="http://schemas.microsoft.com/office/drawing/2018/hyperlinkcolor" matchingName="Section title and description">
+<p:sldLayout xmlns:a="http://schemas.openxmlformats.org/drawingml/2006/main" xmlns:r="http://schemas.openxmlformats.org/officeDocument/2006/relationships" xmlns:p="http://schemas.openxmlformats.org/presentationml/2006/main" matchingName="Section title and description">
   <p:cSld name="SECTION_TITLE_AND_DESCRIPTION">
     <p:spTree>
       <p:nvGrpSpPr>
-        <p:cNvPr id="35" name="Shape 35"/>
+        <p:cNvPr id="1" name="Shape 35"/>
         <p:cNvGrpSpPr/>
         <p:nvPr/>
       </p:nvGrpSpPr>
@@ -4423,12 +4542,12 @@
           </a:ln>
         </p:spPr>
         <p:txBody>
-          <a:bodyPr anchorCtr="0" anchor="ctr" bIns="91425" lIns="91425" spcFirstLastPara="1" rIns="91425" wrap="square" tIns="91425">
+          <a:bodyPr spcFirstLastPara="1" wrap="square" lIns="91425" tIns="91425" rIns="91425" bIns="91425" anchor="ctr" anchorCtr="0">
             <a:noAutofit/>
           </a:bodyPr>
           <a:lstStyle/>
           <a:p>
-            <a:pPr indent="0" lvl="0" marL="0" rtl="0" algn="l">
+            <a:pPr marL="0" lvl="0" indent="0" algn="l" rtl="0">
               <a:spcBef>
                 <a:spcPts val="0"/>
               </a:spcBef>
@@ -4437,9 +4556,6 @@
               </a:spcAft>
               <a:buNone/>
             </a:pPr>
-            <a:r>
-              <a:t/>
-            </a:r>
             <a:endParaRPr/>
           </a:p>
         </p:txBody>
@@ -4447,7 +4563,9 @@
       <p:sp>
         <p:nvSpPr>
           <p:cNvPr id="37" name="Google Shape;37;p9"/>
-          <p:cNvSpPr txBox="1"/>
+          <p:cNvSpPr txBox="1">
+            <a:spLocks noGrp="1"/>
+          </p:cNvSpPr>
           <p:nvPr>
             <p:ph type="title"/>
           </p:nvPr>
@@ -4462,7 +4580,7 @@
           </a:prstGeom>
         </p:spPr>
         <p:txBody>
-          <a:bodyPr anchorCtr="0" anchor="b" bIns="91425" lIns="91425" spcFirstLastPara="1" rIns="91425" wrap="square" tIns="91425">
+          <a:bodyPr spcFirstLastPara="1" wrap="square" lIns="91425" tIns="91425" rIns="91425" bIns="91425" anchor="b" anchorCtr="0">
             <a:noAutofit/>
           </a:bodyPr>
           <a:lstStyle>
@@ -4566,15 +4684,19 @@
               <a:defRPr sz="4200"/>
             </a:lvl9pPr>
           </a:lstStyle>
-          <a:p/>
+          <a:p>
+            <a:endParaRPr/>
+          </a:p>
         </p:txBody>
       </p:sp>
       <p:sp>
         <p:nvSpPr>
           <p:cNvPr id="38" name="Google Shape;38;p9"/>
-          <p:cNvSpPr txBox="1"/>
+          <p:cNvSpPr txBox="1">
+            <a:spLocks noGrp="1"/>
+          </p:cNvSpPr>
           <p:nvPr>
-            <p:ph idx="1" type="subTitle"/>
+            <p:ph type="subTitle" idx="1"/>
           </p:nvPr>
         </p:nvSpPr>
         <p:spPr>
@@ -4587,7 +4709,7 @@
           </a:prstGeom>
         </p:spPr>
         <p:txBody>
-          <a:bodyPr anchorCtr="0" anchor="t" bIns="91425" lIns="91425" spcFirstLastPara="1" rIns="91425" wrap="square" tIns="91425">
+          <a:bodyPr spcFirstLastPara="1" wrap="square" lIns="91425" tIns="91425" rIns="91425" bIns="91425" anchor="t" anchorCtr="0">
             <a:noAutofit/>
           </a:bodyPr>
           <a:lstStyle>
@@ -4718,15 +4840,19 @@
               <a:defRPr sz="2100"/>
             </a:lvl9pPr>
           </a:lstStyle>
-          <a:p/>
+          <a:p>
+            <a:endParaRPr/>
+          </a:p>
         </p:txBody>
       </p:sp>
       <p:sp>
         <p:nvSpPr>
           <p:cNvPr id="39" name="Google Shape;39;p9"/>
-          <p:cNvSpPr txBox="1"/>
+          <p:cNvSpPr txBox="1">
+            <a:spLocks noGrp="1"/>
+          </p:cNvSpPr>
           <p:nvPr>
-            <p:ph idx="2" type="body"/>
+            <p:ph type="body" idx="2"/>
           </p:nvPr>
         </p:nvSpPr>
         <p:spPr>
@@ -4739,11 +4865,11 @@
           </a:prstGeom>
         </p:spPr>
         <p:txBody>
-          <a:bodyPr anchorCtr="0" anchor="ctr" bIns="91425" lIns="91425" spcFirstLastPara="1" rIns="91425" wrap="square" tIns="91425">
+          <a:bodyPr spcFirstLastPara="1" wrap="square" lIns="91425" tIns="91425" rIns="91425" bIns="91425" anchor="ctr" anchorCtr="0">
             <a:noAutofit/>
           </a:bodyPr>
           <a:lstStyle>
-            <a:lvl1pPr indent="-342900" lvl="0" marL="457200">
+            <a:lvl1pPr marL="457200" lvl="0" indent="-342900">
               <a:spcBef>
                 <a:spcPts val="0"/>
               </a:spcBef>
@@ -4754,7 +4880,7 @@
               <a:buChar char="●"/>
               <a:defRPr/>
             </a:lvl1pPr>
-            <a:lvl2pPr indent="-317500" lvl="1" marL="914400">
+            <a:lvl2pPr marL="914400" lvl="1" indent="-317500">
               <a:spcBef>
                 <a:spcPts val="1600"/>
               </a:spcBef>
@@ -4765,7 +4891,7 @@
               <a:buChar char="○"/>
               <a:defRPr/>
             </a:lvl2pPr>
-            <a:lvl3pPr indent="-317500" lvl="2" marL="1371600">
+            <a:lvl3pPr marL="1371600" lvl="2" indent="-317500">
               <a:spcBef>
                 <a:spcPts val="1600"/>
               </a:spcBef>
@@ -4776,7 +4902,7 @@
               <a:buChar char="■"/>
               <a:defRPr/>
             </a:lvl3pPr>
-            <a:lvl4pPr indent="-317500" lvl="3" marL="1828800">
+            <a:lvl4pPr marL="1828800" lvl="3" indent="-317500">
               <a:spcBef>
                 <a:spcPts val="1600"/>
               </a:spcBef>
@@ -4787,7 +4913,7 @@
               <a:buChar char="●"/>
               <a:defRPr/>
             </a:lvl4pPr>
-            <a:lvl5pPr indent="-317500" lvl="4" marL="2286000">
+            <a:lvl5pPr marL="2286000" lvl="4" indent="-317500">
               <a:spcBef>
                 <a:spcPts val="1600"/>
               </a:spcBef>
@@ -4798,7 +4924,7 @@
               <a:buChar char="○"/>
               <a:defRPr/>
             </a:lvl5pPr>
-            <a:lvl6pPr indent="-317500" lvl="5" marL="2743200">
+            <a:lvl6pPr marL="2743200" lvl="5" indent="-317500">
               <a:spcBef>
                 <a:spcPts val="1600"/>
               </a:spcBef>
@@ -4809,7 +4935,7 @@
               <a:buChar char="■"/>
               <a:defRPr/>
             </a:lvl6pPr>
-            <a:lvl7pPr indent="-317500" lvl="6" marL="3200400">
+            <a:lvl7pPr marL="3200400" lvl="6" indent="-317500">
               <a:spcBef>
                 <a:spcPts val="1600"/>
               </a:spcBef>
@@ -4820,7 +4946,7 @@
               <a:buChar char="●"/>
               <a:defRPr/>
             </a:lvl7pPr>
-            <a:lvl8pPr indent="-317500" lvl="7" marL="3657600">
+            <a:lvl8pPr marL="3657600" lvl="7" indent="-317500">
               <a:spcBef>
                 <a:spcPts val="1600"/>
               </a:spcBef>
@@ -4831,7 +4957,7 @@
               <a:buChar char="○"/>
               <a:defRPr/>
             </a:lvl8pPr>
-            <a:lvl9pPr indent="-317500" lvl="8" marL="4114800">
+            <a:lvl9pPr marL="4114800" lvl="8" indent="-317500">
               <a:spcBef>
                 <a:spcPts val="1600"/>
               </a:spcBef>
@@ -4843,15 +4969,19 @@
               <a:defRPr/>
             </a:lvl9pPr>
           </a:lstStyle>
-          <a:p/>
+          <a:p>
+            <a:endParaRPr/>
+          </a:p>
         </p:txBody>
       </p:sp>
       <p:sp>
         <p:nvSpPr>
           <p:cNvPr id="40" name="Google Shape;40;p9"/>
-          <p:cNvSpPr txBox="1"/>
+          <p:cNvSpPr txBox="1">
+            <a:spLocks noGrp="1"/>
+          </p:cNvSpPr>
           <p:nvPr>
-            <p:ph idx="12" type="sldNum"/>
+            <p:ph type="sldNum" idx="12"/>
           </p:nvPr>
         </p:nvSpPr>
         <p:spPr>
@@ -4864,7 +4994,7 @@
           </a:prstGeom>
         </p:spPr>
         <p:txBody>
-          <a:bodyPr anchorCtr="0" anchor="ctr" bIns="91425" lIns="91425" spcFirstLastPara="1" rIns="91425" wrap="square" tIns="91425">
+          <a:bodyPr spcFirstLastPara="1" wrap="square" lIns="91425" tIns="91425" rIns="91425" bIns="91425" anchor="ctr" anchorCtr="0">
             <a:noAutofit/>
           </a:bodyPr>
           <a:lstStyle>
@@ -4906,7 +5036,7 @@
             </a:lvl9pPr>
           </a:lstStyle>
           <a:p>
-            <a:pPr indent="0" lvl="0" marL="0" rtl="0" algn="r">
+            <a:pPr marL="0" lvl="0" indent="0" algn="r" rtl="0">
               <a:spcBef>
                 <a:spcPts val="0"/>
               </a:spcBef>
@@ -4932,11 +5062,11 @@
 </file>
 
 <file path=ppt/slideLayouts/slideLayout9.xml><?xml version="1.0" encoding="utf-8"?>
-<p:sldLayout xmlns:a="http://schemas.openxmlformats.org/drawingml/2006/main" xmlns:r="http://schemas.openxmlformats.org/officeDocument/2006/relationships" xmlns:mc="http://schemas.openxmlformats.org/markup-compatibility/2006" xmlns:mv="urn:schemas-microsoft-com:mac:vml" xmlns:p="http://schemas.openxmlformats.org/presentationml/2006/main" xmlns:c="http://schemas.openxmlformats.org/drawingml/2006/chart" xmlns:dgm="http://schemas.openxmlformats.org/drawingml/2006/diagram" xmlns:o="urn:schemas-microsoft-com:office:office" xmlns:v="urn:schemas-microsoft-com:vml" xmlns:pvml="urn:schemas-microsoft-com:office:powerpoint" xmlns:com="http://schemas.openxmlformats.org/drawingml/2006/compatibility" xmlns:p14="http://schemas.microsoft.com/office/powerpoint/2010/main" xmlns:p15="http://schemas.microsoft.com/office/powerpoint/2012/main" xmlns:ahyp="http://schemas.microsoft.com/office/drawing/2018/hyperlinkcolor" matchingName="Caption">
+<p:sldLayout xmlns:a="http://schemas.openxmlformats.org/drawingml/2006/main" xmlns:r="http://schemas.openxmlformats.org/officeDocument/2006/relationships" xmlns:p="http://schemas.openxmlformats.org/presentationml/2006/main" matchingName="Caption">
   <p:cSld name="CAPTION_ONLY">
     <p:spTree>
       <p:nvGrpSpPr>
-        <p:cNvPr id="41" name="Shape 41"/>
+        <p:cNvPr id="1" name="Shape 41"/>
         <p:cNvGrpSpPr/>
         <p:nvPr/>
       </p:nvGrpSpPr>
@@ -4951,9 +5081,11 @@
       <p:sp>
         <p:nvSpPr>
           <p:cNvPr id="42" name="Google Shape;42;p10"/>
-          <p:cNvSpPr txBox="1"/>
+          <p:cNvSpPr txBox="1">
+            <a:spLocks noGrp="1"/>
+          </p:cNvSpPr>
           <p:nvPr>
-            <p:ph idx="1" type="body"/>
+            <p:ph type="body" idx="1"/>
           </p:nvPr>
         </p:nvSpPr>
         <p:spPr>
@@ -4966,11 +5098,11 @@
           </a:prstGeom>
         </p:spPr>
         <p:txBody>
-          <a:bodyPr anchorCtr="0" anchor="ctr" bIns="91425" lIns="91425" spcFirstLastPara="1" rIns="91425" wrap="square" tIns="91425">
+          <a:bodyPr spcFirstLastPara="1" wrap="square" lIns="91425" tIns="91425" rIns="91425" bIns="91425" anchor="ctr" anchorCtr="0">
             <a:noAutofit/>
           </a:bodyPr>
           <a:lstStyle>
-            <a:lvl1pPr indent="-228600" lvl="0" marL="457200">
+            <a:lvl1pPr marL="457200" lvl="0" indent="-228600">
               <a:lnSpc>
                 <a:spcPct val="100000"/>
               </a:lnSpc>
@@ -4985,15 +5117,19 @@
               <a:defRPr/>
             </a:lvl1pPr>
           </a:lstStyle>
-          <a:p/>
+          <a:p>
+            <a:endParaRPr/>
+          </a:p>
         </p:txBody>
       </p:sp>
       <p:sp>
         <p:nvSpPr>
           <p:cNvPr id="43" name="Google Shape;43;p10"/>
-          <p:cNvSpPr txBox="1"/>
+          <p:cNvSpPr txBox="1">
+            <a:spLocks noGrp="1"/>
+          </p:cNvSpPr>
           <p:nvPr>
-            <p:ph idx="12" type="sldNum"/>
+            <p:ph type="sldNum" idx="12"/>
           </p:nvPr>
         </p:nvSpPr>
         <p:spPr>
@@ -5006,7 +5142,7 @@
           </a:prstGeom>
         </p:spPr>
         <p:txBody>
-          <a:bodyPr anchorCtr="0" anchor="ctr" bIns="91425" lIns="91425" spcFirstLastPara="1" rIns="91425" wrap="square" tIns="91425">
+          <a:bodyPr spcFirstLastPara="1" wrap="square" lIns="91425" tIns="91425" rIns="91425" bIns="91425" anchor="ctr" anchorCtr="0">
             <a:noAutofit/>
           </a:bodyPr>
           <a:lstStyle>
@@ -5048,7 +5184,7 @@
             </a:lvl9pPr>
           </a:lstStyle>
           <a:p>
-            <a:pPr indent="0" lvl="0" marL="0" rtl="0" algn="r">
+            <a:pPr marL="0" lvl="0" indent="0" algn="r" rtl="0">
               <a:spcBef>
                 <a:spcPts val="0"/>
               </a:spcBef>
@@ -5074,18 +5210,19 @@
 </file>
 
 <file path=ppt/slideMasters/slideMaster1.xml><?xml version="1.0" encoding="utf-8"?>
-<p:sldMaster xmlns:a="http://schemas.openxmlformats.org/drawingml/2006/main" xmlns:r="http://schemas.openxmlformats.org/officeDocument/2006/relationships" xmlns:mc="http://schemas.openxmlformats.org/markup-compatibility/2006" xmlns:mv="urn:schemas-microsoft-com:mac:vml" xmlns:p="http://schemas.openxmlformats.org/presentationml/2006/main" xmlns:c="http://schemas.openxmlformats.org/drawingml/2006/chart" xmlns:dgm="http://schemas.openxmlformats.org/drawingml/2006/diagram" xmlns:o="urn:schemas-microsoft-com:office:office" xmlns:v="urn:schemas-microsoft-com:vml" xmlns:pvml="urn:schemas-microsoft-com:office:powerpoint" xmlns:com="http://schemas.openxmlformats.org/drawingml/2006/compatibility" xmlns:p14="http://schemas.microsoft.com/office/powerpoint/2010/main" xmlns:p15="http://schemas.microsoft.com/office/powerpoint/2012/main" xmlns:ahyp="http://schemas.microsoft.com/office/drawing/2018/hyperlinkcolor">
+<p:sldMaster xmlns:a="http://schemas.openxmlformats.org/drawingml/2006/main" xmlns:r="http://schemas.openxmlformats.org/officeDocument/2006/relationships" xmlns:p="http://schemas.openxmlformats.org/presentationml/2006/main">
   <p:cSld name="simple-light-2">
     <p:bg>
       <p:bgPr>
         <a:solidFill>
           <a:schemeClr val="lt1"/>
         </a:solidFill>
+        <a:effectLst/>
       </p:bgPr>
     </p:bg>
     <p:spTree>
       <p:nvGrpSpPr>
-        <p:cNvPr id="5" name="Shape 5"/>
+        <p:cNvPr id="1" name="Shape 5"/>
         <p:cNvGrpSpPr/>
         <p:nvPr/>
       </p:nvGrpSpPr>
@@ -5100,7 +5237,9 @@
       <p:sp>
         <p:nvSpPr>
           <p:cNvPr id="6" name="Google Shape;6;p1"/>
-          <p:cNvSpPr txBox="1"/>
+          <p:cNvSpPr txBox="1">
+            <a:spLocks noGrp="1"/>
+          </p:cNvSpPr>
           <p:nvPr>
             <p:ph type="title"/>
           </p:nvPr>
@@ -5119,7 +5258,7 @@
           </a:ln>
         </p:spPr>
         <p:txBody>
-          <a:bodyPr anchorCtr="0" anchor="t" bIns="91425" lIns="91425" spcFirstLastPara="1" rIns="91425" wrap="square" tIns="91425">
+          <a:bodyPr spcFirstLastPara="1" wrap="square" lIns="91425" tIns="91425" rIns="91425" bIns="91425" anchor="t" anchorCtr="0">
             <a:noAutofit/>
           </a:bodyPr>
           <a:lstStyle>
@@ -5286,15 +5425,19 @@
               </a:defRPr>
             </a:lvl9pPr>
           </a:lstStyle>
-          <a:p/>
+          <a:p>
+            <a:endParaRPr/>
+          </a:p>
         </p:txBody>
       </p:sp>
       <p:sp>
         <p:nvSpPr>
           <p:cNvPr id="7" name="Google Shape;7;p1"/>
-          <p:cNvSpPr txBox="1"/>
+          <p:cNvSpPr txBox="1">
+            <a:spLocks noGrp="1"/>
+          </p:cNvSpPr>
           <p:nvPr>
-            <p:ph idx="1" type="body"/>
+            <p:ph type="body" idx="1"/>
           </p:nvPr>
         </p:nvSpPr>
         <p:spPr>
@@ -5311,11 +5454,11 @@
           </a:ln>
         </p:spPr>
         <p:txBody>
-          <a:bodyPr anchorCtr="0" anchor="t" bIns="91425" lIns="91425" spcFirstLastPara="1" rIns="91425" wrap="square" tIns="91425">
+          <a:bodyPr spcFirstLastPara="1" wrap="square" lIns="91425" tIns="91425" rIns="91425" bIns="91425" anchor="t" anchorCtr="0">
             <a:noAutofit/>
           </a:bodyPr>
           <a:lstStyle>
-            <a:lvl1pPr indent="-342900" lvl="0" marL="457200">
+            <a:lvl1pPr marL="457200" lvl="0" indent="-342900">
               <a:lnSpc>
                 <a:spcPct val="115000"/>
               </a:lnSpc>
@@ -5336,7 +5479,7 @@
                 </a:solidFill>
               </a:defRPr>
             </a:lvl1pPr>
-            <a:lvl2pPr indent="-317500" lvl="1" marL="914400">
+            <a:lvl2pPr marL="914400" lvl="1" indent="-317500">
               <a:lnSpc>
                 <a:spcPct val="115000"/>
               </a:lnSpc>
@@ -5357,7 +5500,7 @@
                 </a:solidFill>
               </a:defRPr>
             </a:lvl2pPr>
-            <a:lvl3pPr indent="-317500" lvl="2" marL="1371600">
+            <a:lvl3pPr marL="1371600" lvl="2" indent="-317500">
               <a:lnSpc>
                 <a:spcPct val="115000"/>
               </a:lnSpc>
@@ -5378,7 +5521,7 @@
                 </a:solidFill>
               </a:defRPr>
             </a:lvl3pPr>
-            <a:lvl4pPr indent="-317500" lvl="3" marL="1828800">
+            <a:lvl4pPr marL="1828800" lvl="3" indent="-317500">
               <a:lnSpc>
                 <a:spcPct val="115000"/>
               </a:lnSpc>
@@ -5399,7 +5542,7 @@
                 </a:solidFill>
               </a:defRPr>
             </a:lvl4pPr>
-            <a:lvl5pPr indent="-317500" lvl="4" marL="2286000">
+            <a:lvl5pPr marL="2286000" lvl="4" indent="-317500">
               <a:lnSpc>
                 <a:spcPct val="115000"/>
               </a:lnSpc>
@@ -5420,7 +5563,7 @@
                 </a:solidFill>
               </a:defRPr>
             </a:lvl5pPr>
-            <a:lvl6pPr indent="-317500" lvl="5" marL="2743200">
+            <a:lvl6pPr marL="2743200" lvl="5" indent="-317500">
               <a:lnSpc>
                 <a:spcPct val="115000"/>
               </a:lnSpc>
@@ -5441,7 +5584,7 @@
                 </a:solidFill>
               </a:defRPr>
             </a:lvl6pPr>
-            <a:lvl7pPr indent="-317500" lvl="6" marL="3200400">
+            <a:lvl7pPr marL="3200400" lvl="6" indent="-317500">
               <a:lnSpc>
                 <a:spcPct val="115000"/>
               </a:lnSpc>
@@ -5462,7 +5605,7 @@
                 </a:solidFill>
               </a:defRPr>
             </a:lvl7pPr>
-            <a:lvl8pPr indent="-317500" lvl="7" marL="3657600">
+            <a:lvl8pPr marL="3657600" lvl="7" indent="-317500">
               <a:lnSpc>
                 <a:spcPct val="115000"/>
               </a:lnSpc>
@@ -5483,7 +5626,7 @@
                 </a:solidFill>
               </a:defRPr>
             </a:lvl8pPr>
-            <a:lvl9pPr indent="-317500" lvl="8" marL="4114800">
+            <a:lvl9pPr marL="4114800" lvl="8" indent="-317500">
               <a:lnSpc>
                 <a:spcPct val="115000"/>
               </a:lnSpc>
@@ -5505,15 +5648,19 @@
               </a:defRPr>
             </a:lvl9pPr>
           </a:lstStyle>
-          <a:p/>
+          <a:p>
+            <a:endParaRPr/>
+          </a:p>
         </p:txBody>
       </p:sp>
       <p:sp>
         <p:nvSpPr>
           <p:cNvPr id="8" name="Google Shape;8;p1"/>
-          <p:cNvSpPr txBox="1"/>
+          <p:cNvSpPr txBox="1">
+            <a:spLocks noGrp="1"/>
+          </p:cNvSpPr>
           <p:nvPr>
-            <p:ph idx="12" type="sldNum"/>
+            <p:ph type="sldNum" idx="12"/>
           </p:nvPr>
         </p:nvSpPr>
         <p:spPr>
@@ -5530,7 +5677,7 @@
           </a:ln>
         </p:spPr>
         <p:txBody>
-          <a:bodyPr anchorCtr="0" anchor="ctr" bIns="91425" lIns="91425" spcFirstLastPara="1" rIns="91425" wrap="square" tIns="91425">
+          <a:bodyPr spcFirstLastPara="1" wrap="square" lIns="91425" tIns="91425" rIns="91425" bIns="91425" anchor="ctr" anchorCtr="0">
             <a:noAutofit/>
           </a:bodyPr>
           <a:lstStyle>
@@ -5608,7 +5755,7 @@
             </a:lvl9pPr>
           </a:lstStyle>
           <a:p>
-            <a:pPr indent="0" lvl="0" marL="0" rtl="0" algn="r">
+            <a:pPr marL="0" lvl="0" indent="0" algn="r" rtl="0">
               <a:spcBef>
                 <a:spcPts val="0"/>
               </a:spcBef>
@@ -5627,7 +5774,7 @@
       </p:sp>
     </p:spTree>
   </p:cSld>
-  <p:clrMap accent1="accent1" accent2="accent2" accent3="accent3" accent4="accent4" accent5="accent5" accent6="accent6" bg1="lt1" bg2="dk2" tx1="dk1" tx2="lt2" folHlink="folHlink" hlink="hlink"/>
+  <p:clrMap bg1="lt1" tx1="dk1" bg2="dk2" tx2="lt2" accent1="accent1" accent2="accent2" accent3="accent3" accent4="accent4" accent5="accent5" accent6="accent6" hlink="hlink" folHlink="folHlink"/>
   <p:sldLayoutIdLst>
     <p:sldLayoutId id="2147483648" r:id="rId1"/>
     <p:sldLayoutId id="2147483649" r:id="rId2"/>
@@ -5641,10 +5788,10 @@
     <p:sldLayoutId id="2147483657" r:id="rId10"/>
     <p:sldLayoutId id="2147483658" r:id="rId11"/>
   </p:sldLayoutIdLst>
-  <p:hf dt="0" ftr="0" hdr="0" sldNum="0"/>
+  <p:hf sldNum="0" hdr="0" ftr="0" dt="0"/>
   <p:txStyles>
     <p:titleStyle>
-      <a:defPPr lvl="0" marR="0" rtl="0" algn="l">
+      <a:defPPr marR="0" lvl="0" algn="l" rtl="0">
         <a:lnSpc>
           <a:spcPct val="100000"/>
         </a:lnSpc>
@@ -5655,7 +5802,7 @@
           <a:spcPts val="0"/>
         </a:spcAft>
       </a:defPPr>
-      <a:lvl1pPr lvl="0" marR="0" rtl="0" algn="l">
+      <a:lvl1pPr marR="0" lvl="0" algn="l" rtl="0">
         <a:lnSpc>
           <a:spcPct val="100000"/>
         </a:lnSpc>
@@ -5669,7 +5816,7 @@
           <a:srgbClr val="000000"/>
         </a:buClr>
         <a:buFont typeface="Arial"/>
-        <a:defRPr b="0" i="0" sz="1400" u="none" cap="none" strike="noStrike">
+        <a:defRPr sz="1400" b="0" i="0" u="none" strike="noStrike" cap="none">
           <a:solidFill>
             <a:srgbClr val="000000"/>
           </a:solidFill>
@@ -5679,7 +5826,7 @@
           <a:sym typeface="Arial"/>
         </a:defRPr>
       </a:lvl1pPr>
-      <a:lvl2pPr lvl="1" marR="0" rtl="0" algn="l">
+      <a:lvl2pPr marR="0" lvl="1" algn="l" rtl="0">
         <a:lnSpc>
           <a:spcPct val="100000"/>
         </a:lnSpc>
@@ -5693,7 +5840,7 @@
           <a:srgbClr val="000000"/>
         </a:buClr>
         <a:buFont typeface="Arial"/>
-        <a:defRPr b="0" i="0" sz="1400" u="none" cap="none" strike="noStrike">
+        <a:defRPr sz="1400" b="0" i="0" u="none" strike="noStrike" cap="none">
           <a:solidFill>
             <a:srgbClr val="000000"/>
           </a:solidFill>
@@ -5703,7 +5850,7 @@
           <a:sym typeface="Arial"/>
         </a:defRPr>
       </a:lvl2pPr>
-      <a:lvl3pPr lvl="2" marR="0" rtl="0" algn="l">
+      <a:lvl3pPr marR="0" lvl="2" algn="l" rtl="0">
         <a:lnSpc>
           <a:spcPct val="100000"/>
         </a:lnSpc>
@@ -5717,7 +5864,7 @@
           <a:srgbClr val="000000"/>
         </a:buClr>
         <a:buFont typeface="Arial"/>
-        <a:defRPr b="0" i="0" sz="1400" u="none" cap="none" strike="noStrike">
+        <a:defRPr sz="1400" b="0" i="0" u="none" strike="noStrike" cap="none">
           <a:solidFill>
             <a:srgbClr val="000000"/>
           </a:solidFill>
@@ -5727,7 +5874,7 @@
           <a:sym typeface="Arial"/>
         </a:defRPr>
       </a:lvl3pPr>
-      <a:lvl4pPr lvl="3" marR="0" rtl="0" algn="l">
+      <a:lvl4pPr marR="0" lvl="3" algn="l" rtl="0">
         <a:lnSpc>
           <a:spcPct val="100000"/>
         </a:lnSpc>
@@ -5741,7 +5888,7 @@
           <a:srgbClr val="000000"/>
         </a:buClr>
         <a:buFont typeface="Arial"/>
-        <a:defRPr b="0" i="0" sz="1400" u="none" cap="none" strike="noStrike">
+        <a:defRPr sz="1400" b="0" i="0" u="none" strike="noStrike" cap="none">
           <a:solidFill>
             <a:srgbClr val="000000"/>
           </a:solidFill>
@@ -5751,7 +5898,7 @@
           <a:sym typeface="Arial"/>
         </a:defRPr>
       </a:lvl4pPr>
-      <a:lvl5pPr lvl="4" marR="0" rtl="0" algn="l">
+      <a:lvl5pPr marR="0" lvl="4" algn="l" rtl="0">
         <a:lnSpc>
           <a:spcPct val="100000"/>
         </a:lnSpc>
@@ -5765,7 +5912,7 @@
           <a:srgbClr val="000000"/>
         </a:buClr>
         <a:buFont typeface="Arial"/>
-        <a:defRPr b="0" i="0" sz="1400" u="none" cap="none" strike="noStrike">
+        <a:defRPr sz="1400" b="0" i="0" u="none" strike="noStrike" cap="none">
           <a:solidFill>
             <a:srgbClr val="000000"/>
           </a:solidFill>
@@ -5775,7 +5922,7 @@
           <a:sym typeface="Arial"/>
         </a:defRPr>
       </a:lvl5pPr>
-      <a:lvl6pPr lvl="5" marR="0" rtl="0" algn="l">
+      <a:lvl6pPr marR="0" lvl="5" algn="l" rtl="0">
         <a:lnSpc>
           <a:spcPct val="100000"/>
         </a:lnSpc>
@@ -5789,7 +5936,7 @@
           <a:srgbClr val="000000"/>
         </a:buClr>
         <a:buFont typeface="Arial"/>
-        <a:defRPr b="0" i="0" sz="1400" u="none" cap="none" strike="noStrike">
+        <a:defRPr sz="1400" b="0" i="0" u="none" strike="noStrike" cap="none">
           <a:solidFill>
             <a:srgbClr val="000000"/>
           </a:solidFill>
@@ -5799,7 +5946,7 @@
           <a:sym typeface="Arial"/>
         </a:defRPr>
       </a:lvl6pPr>
-      <a:lvl7pPr lvl="6" marR="0" rtl="0" algn="l">
+      <a:lvl7pPr marR="0" lvl="6" algn="l" rtl="0">
         <a:lnSpc>
           <a:spcPct val="100000"/>
         </a:lnSpc>
@@ -5813,7 +5960,7 @@
           <a:srgbClr val="000000"/>
         </a:buClr>
         <a:buFont typeface="Arial"/>
-        <a:defRPr b="0" i="0" sz="1400" u="none" cap="none" strike="noStrike">
+        <a:defRPr sz="1400" b="0" i="0" u="none" strike="noStrike" cap="none">
           <a:solidFill>
             <a:srgbClr val="000000"/>
           </a:solidFill>
@@ -5823,7 +5970,7 @@
           <a:sym typeface="Arial"/>
         </a:defRPr>
       </a:lvl7pPr>
-      <a:lvl8pPr lvl="7" marR="0" rtl="0" algn="l">
+      <a:lvl8pPr marR="0" lvl="7" algn="l" rtl="0">
         <a:lnSpc>
           <a:spcPct val="100000"/>
         </a:lnSpc>
@@ -5837,7 +5984,7 @@
           <a:srgbClr val="000000"/>
         </a:buClr>
         <a:buFont typeface="Arial"/>
-        <a:defRPr b="0" i="0" sz="1400" u="none" cap="none" strike="noStrike">
+        <a:defRPr sz="1400" b="0" i="0" u="none" strike="noStrike" cap="none">
           <a:solidFill>
             <a:srgbClr val="000000"/>
           </a:solidFill>
@@ -5847,7 +5994,7 @@
           <a:sym typeface="Arial"/>
         </a:defRPr>
       </a:lvl8pPr>
-      <a:lvl9pPr lvl="8" marR="0" rtl="0" algn="l">
+      <a:lvl9pPr marR="0" lvl="8" algn="l" rtl="0">
         <a:lnSpc>
           <a:spcPct val="100000"/>
         </a:lnSpc>
@@ -5861,7 +6008,7 @@
           <a:srgbClr val="000000"/>
         </a:buClr>
         <a:buFont typeface="Arial"/>
-        <a:defRPr b="0" i="0" sz="1400" u="none" cap="none" strike="noStrike">
+        <a:defRPr sz="1400" b="0" i="0" u="none" strike="noStrike" cap="none">
           <a:solidFill>
             <a:srgbClr val="000000"/>
           </a:solidFill>
@@ -5873,7 +6020,7 @@
       </a:lvl9pPr>
     </p:titleStyle>
     <p:bodyStyle>
-      <a:defPPr lvl="0" marR="0" rtl="0" algn="l">
+      <a:defPPr marR="0" lvl="0" algn="l" rtl="0">
         <a:lnSpc>
           <a:spcPct val="100000"/>
         </a:lnSpc>
@@ -5884,7 +6031,7 @@
           <a:spcPts val="0"/>
         </a:spcAft>
       </a:defPPr>
-      <a:lvl1pPr lvl="0" marR="0" rtl="0" algn="l">
+      <a:lvl1pPr marR="0" lvl="0" algn="l" rtl="0">
         <a:lnSpc>
           <a:spcPct val="100000"/>
         </a:lnSpc>
@@ -5898,7 +6045,7 @@
           <a:srgbClr val="000000"/>
         </a:buClr>
         <a:buFont typeface="Arial"/>
-        <a:defRPr b="0" i="0" sz="1400" u="none" cap="none" strike="noStrike">
+        <a:defRPr sz="1400" b="0" i="0" u="none" strike="noStrike" cap="none">
           <a:solidFill>
             <a:srgbClr val="000000"/>
           </a:solidFill>
@@ -5908,7 +6055,7 @@
           <a:sym typeface="Arial"/>
         </a:defRPr>
       </a:lvl1pPr>
-      <a:lvl2pPr lvl="1" marR="0" rtl="0" algn="l">
+      <a:lvl2pPr marR="0" lvl="1" algn="l" rtl="0">
         <a:lnSpc>
           <a:spcPct val="100000"/>
         </a:lnSpc>
@@ -5922,7 +6069,7 @@
           <a:srgbClr val="000000"/>
         </a:buClr>
         <a:buFont typeface="Arial"/>
-        <a:defRPr b="0" i="0" sz="1400" u="none" cap="none" strike="noStrike">
+        <a:defRPr sz="1400" b="0" i="0" u="none" strike="noStrike" cap="none">
           <a:solidFill>
             <a:srgbClr val="000000"/>
           </a:solidFill>
@@ -5932,7 +6079,7 @@
           <a:sym typeface="Arial"/>
         </a:defRPr>
       </a:lvl2pPr>
-      <a:lvl3pPr lvl="2" marR="0" rtl="0" algn="l">
+      <a:lvl3pPr marR="0" lvl="2" algn="l" rtl="0">
         <a:lnSpc>
           <a:spcPct val="100000"/>
         </a:lnSpc>
@@ -5946,7 +6093,7 @@
           <a:srgbClr val="000000"/>
         </a:buClr>
         <a:buFont typeface="Arial"/>
-        <a:defRPr b="0" i="0" sz="1400" u="none" cap="none" strike="noStrike">
+        <a:defRPr sz="1400" b="0" i="0" u="none" strike="noStrike" cap="none">
           <a:solidFill>
             <a:srgbClr val="000000"/>
           </a:solidFill>
@@ -5956,7 +6103,7 @@
           <a:sym typeface="Arial"/>
         </a:defRPr>
       </a:lvl3pPr>
-      <a:lvl4pPr lvl="3" marR="0" rtl="0" algn="l">
+      <a:lvl4pPr marR="0" lvl="3" algn="l" rtl="0">
         <a:lnSpc>
           <a:spcPct val="100000"/>
         </a:lnSpc>
@@ -5970,7 +6117,7 @@
           <a:srgbClr val="000000"/>
         </a:buClr>
         <a:buFont typeface="Arial"/>
-        <a:defRPr b="0" i="0" sz="1400" u="none" cap="none" strike="noStrike">
+        <a:defRPr sz="1400" b="0" i="0" u="none" strike="noStrike" cap="none">
           <a:solidFill>
             <a:srgbClr val="000000"/>
           </a:solidFill>
@@ -5980,7 +6127,7 @@
           <a:sym typeface="Arial"/>
         </a:defRPr>
       </a:lvl4pPr>
-      <a:lvl5pPr lvl="4" marR="0" rtl="0" algn="l">
+      <a:lvl5pPr marR="0" lvl="4" algn="l" rtl="0">
         <a:lnSpc>
           <a:spcPct val="100000"/>
         </a:lnSpc>
@@ -5994,7 +6141,7 @@
           <a:srgbClr val="000000"/>
         </a:buClr>
         <a:buFont typeface="Arial"/>
-        <a:defRPr b="0" i="0" sz="1400" u="none" cap="none" strike="noStrike">
+        <a:defRPr sz="1400" b="0" i="0" u="none" strike="noStrike" cap="none">
           <a:solidFill>
             <a:srgbClr val="000000"/>
           </a:solidFill>
@@ -6004,7 +6151,7 @@
           <a:sym typeface="Arial"/>
         </a:defRPr>
       </a:lvl5pPr>
-      <a:lvl6pPr lvl="5" marR="0" rtl="0" algn="l">
+      <a:lvl6pPr marR="0" lvl="5" algn="l" rtl="0">
         <a:lnSpc>
           <a:spcPct val="100000"/>
         </a:lnSpc>
@@ -6018,7 +6165,7 @@
           <a:srgbClr val="000000"/>
         </a:buClr>
         <a:buFont typeface="Arial"/>
-        <a:defRPr b="0" i="0" sz="1400" u="none" cap="none" strike="noStrike">
+        <a:defRPr sz="1400" b="0" i="0" u="none" strike="noStrike" cap="none">
           <a:solidFill>
             <a:srgbClr val="000000"/>
           </a:solidFill>
@@ -6028,7 +6175,7 @@
           <a:sym typeface="Arial"/>
         </a:defRPr>
       </a:lvl6pPr>
-      <a:lvl7pPr lvl="6" marR="0" rtl="0" algn="l">
+      <a:lvl7pPr marR="0" lvl="6" algn="l" rtl="0">
         <a:lnSpc>
           <a:spcPct val="100000"/>
         </a:lnSpc>
@@ -6042,7 +6189,7 @@
           <a:srgbClr val="000000"/>
         </a:buClr>
         <a:buFont typeface="Arial"/>
-        <a:defRPr b="0" i="0" sz="1400" u="none" cap="none" strike="noStrike">
+        <a:defRPr sz="1400" b="0" i="0" u="none" strike="noStrike" cap="none">
           <a:solidFill>
             <a:srgbClr val="000000"/>
           </a:solidFill>
@@ -6052,7 +6199,7 @@
           <a:sym typeface="Arial"/>
         </a:defRPr>
       </a:lvl7pPr>
-      <a:lvl8pPr lvl="7" marR="0" rtl="0" algn="l">
+      <a:lvl8pPr marR="0" lvl="7" algn="l" rtl="0">
         <a:lnSpc>
           <a:spcPct val="100000"/>
         </a:lnSpc>
@@ -6066,7 +6213,7 @@
           <a:srgbClr val="000000"/>
         </a:buClr>
         <a:buFont typeface="Arial"/>
-        <a:defRPr b="0" i="0" sz="1400" u="none" cap="none" strike="noStrike">
+        <a:defRPr sz="1400" b="0" i="0" u="none" strike="noStrike" cap="none">
           <a:solidFill>
             <a:srgbClr val="000000"/>
           </a:solidFill>
@@ -6076,7 +6223,7 @@
           <a:sym typeface="Arial"/>
         </a:defRPr>
       </a:lvl8pPr>
-      <a:lvl9pPr lvl="8" marR="0" rtl="0" algn="l">
+      <a:lvl9pPr marR="0" lvl="8" algn="l" rtl="0">
         <a:lnSpc>
           <a:spcPct val="100000"/>
         </a:lnSpc>
@@ -6090,7 +6237,7 @@
           <a:srgbClr val="000000"/>
         </a:buClr>
         <a:buFont typeface="Arial"/>
-        <a:defRPr b="0" i="0" sz="1400" u="none" cap="none" strike="noStrike">
+        <a:defRPr sz="1400" b="0" i="0" u="none" strike="noStrike" cap="none">
           <a:solidFill>
             <a:srgbClr val="000000"/>
           </a:solidFill>
@@ -6102,7 +6249,7 @@
       </a:lvl9pPr>
     </p:bodyStyle>
     <p:otherStyle>
-      <a:defPPr lvl="0" marR="0" rtl="0" algn="l">
+      <a:defPPr marR="0" lvl="0" algn="l" rtl="0">
         <a:lnSpc>
           <a:spcPct val="100000"/>
         </a:lnSpc>
@@ -6113,7 +6260,7 @@
           <a:spcPts val="0"/>
         </a:spcAft>
       </a:defPPr>
-      <a:lvl1pPr lvl="0" marR="0" rtl="0" algn="l">
+      <a:lvl1pPr marR="0" lvl="0" algn="l" rtl="0">
         <a:lnSpc>
           <a:spcPct val="100000"/>
         </a:lnSpc>
@@ -6127,7 +6274,7 @@
           <a:srgbClr val="000000"/>
         </a:buClr>
         <a:buFont typeface="Arial"/>
-        <a:defRPr b="0" i="0" sz="1400" u="none" cap="none" strike="noStrike">
+        <a:defRPr sz="1400" b="0" i="0" u="none" strike="noStrike" cap="none">
           <a:solidFill>
             <a:srgbClr val="000000"/>
           </a:solidFill>
@@ -6137,7 +6284,7 @@
           <a:sym typeface="Arial"/>
         </a:defRPr>
       </a:lvl1pPr>
-      <a:lvl2pPr lvl="1" marR="0" rtl="0" algn="l">
+      <a:lvl2pPr marR="0" lvl="1" algn="l" rtl="0">
         <a:lnSpc>
           <a:spcPct val="100000"/>
         </a:lnSpc>
@@ -6151,7 +6298,7 @@
           <a:srgbClr val="000000"/>
         </a:buClr>
         <a:buFont typeface="Arial"/>
-        <a:defRPr b="0" i="0" sz="1400" u="none" cap="none" strike="noStrike">
+        <a:defRPr sz="1400" b="0" i="0" u="none" strike="noStrike" cap="none">
           <a:solidFill>
             <a:srgbClr val="000000"/>
           </a:solidFill>
@@ -6161,7 +6308,7 @@
           <a:sym typeface="Arial"/>
         </a:defRPr>
       </a:lvl2pPr>
-      <a:lvl3pPr lvl="2" marR="0" rtl="0" algn="l">
+      <a:lvl3pPr marR="0" lvl="2" algn="l" rtl="0">
         <a:lnSpc>
           <a:spcPct val="100000"/>
         </a:lnSpc>
@@ -6175,7 +6322,7 @@
           <a:srgbClr val="000000"/>
         </a:buClr>
         <a:buFont typeface="Arial"/>
-        <a:defRPr b="0" i="0" sz="1400" u="none" cap="none" strike="noStrike">
+        <a:defRPr sz="1400" b="0" i="0" u="none" strike="noStrike" cap="none">
           <a:solidFill>
             <a:srgbClr val="000000"/>
           </a:solidFill>
@@ -6185,7 +6332,7 @@
           <a:sym typeface="Arial"/>
         </a:defRPr>
       </a:lvl3pPr>
-      <a:lvl4pPr lvl="3" marR="0" rtl="0" algn="l">
+      <a:lvl4pPr marR="0" lvl="3" algn="l" rtl="0">
         <a:lnSpc>
           <a:spcPct val="100000"/>
         </a:lnSpc>
@@ -6199,7 +6346,7 @@
           <a:srgbClr val="000000"/>
         </a:buClr>
         <a:buFont typeface="Arial"/>
-        <a:defRPr b="0" i="0" sz="1400" u="none" cap="none" strike="noStrike">
+        <a:defRPr sz="1400" b="0" i="0" u="none" strike="noStrike" cap="none">
           <a:solidFill>
             <a:srgbClr val="000000"/>
           </a:solidFill>
@@ -6209,7 +6356,7 @@
           <a:sym typeface="Arial"/>
         </a:defRPr>
       </a:lvl4pPr>
-      <a:lvl5pPr lvl="4" marR="0" rtl="0" algn="l">
+      <a:lvl5pPr marR="0" lvl="4" algn="l" rtl="0">
         <a:lnSpc>
           <a:spcPct val="100000"/>
         </a:lnSpc>
@@ -6223,7 +6370,7 @@
           <a:srgbClr val="000000"/>
         </a:buClr>
         <a:buFont typeface="Arial"/>
-        <a:defRPr b="0" i="0" sz="1400" u="none" cap="none" strike="noStrike">
+        <a:defRPr sz="1400" b="0" i="0" u="none" strike="noStrike" cap="none">
           <a:solidFill>
             <a:srgbClr val="000000"/>
           </a:solidFill>
@@ -6233,7 +6380,7 @@
           <a:sym typeface="Arial"/>
         </a:defRPr>
       </a:lvl5pPr>
-      <a:lvl6pPr lvl="5" marR="0" rtl="0" algn="l">
+      <a:lvl6pPr marR="0" lvl="5" algn="l" rtl="0">
         <a:lnSpc>
           <a:spcPct val="100000"/>
         </a:lnSpc>
@@ -6247,7 +6394,7 @@
           <a:srgbClr val="000000"/>
         </a:buClr>
         <a:buFont typeface="Arial"/>
-        <a:defRPr b="0" i="0" sz="1400" u="none" cap="none" strike="noStrike">
+        <a:defRPr sz="1400" b="0" i="0" u="none" strike="noStrike" cap="none">
           <a:solidFill>
             <a:srgbClr val="000000"/>
           </a:solidFill>
@@ -6257,7 +6404,7 @@
           <a:sym typeface="Arial"/>
         </a:defRPr>
       </a:lvl6pPr>
-      <a:lvl7pPr lvl="6" marR="0" rtl="0" algn="l">
+      <a:lvl7pPr marR="0" lvl="6" algn="l" rtl="0">
         <a:lnSpc>
           <a:spcPct val="100000"/>
         </a:lnSpc>
@@ -6271,7 +6418,7 @@
           <a:srgbClr val="000000"/>
         </a:buClr>
         <a:buFont typeface="Arial"/>
-        <a:defRPr b="0" i="0" sz="1400" u="none" cap="none" strike="noStrike">
+        <a:defRPr sz="1400" b="0" i="0" u="none" strike="noStrike" cap="none">
           <a:solidFill>
             <a:srgbClr val="000000"/>
           </a:solidFill>
@@ -6281,7 +6428,7 @@
           <a:sym typeface="Arial"/>
         </a:defRPr>
       </a:lvl7pPr>
-      <a:lvl8pPr lvl="7" marR="0" rtl="0" algn="l">
+      <a:lvl8pPr marR="0" lvl="7" algn="l" rtl="0">
         <a:lnSpc>
           <a:spcPct val="100000"/>
         </a:lnSpc>
@@ -6295,7 +6442,7 @@
           <a:srgbClr val="000000"/>
         </a:buClr>
         <a:buFont typeface="Arial"/>
-        <a:defRPr b="0" i="0" sz="1400" u="none" cap="none" strike="noStrike">
+        <a:defRPr sz="1400" b="0" i="0" u="none" strike="noStrike" cap="none">
           <a:solidFill>
             <a:srgbClr val="000000"/>
           </a:solidFill>
@@ -6305,7 +6452,7 @@
           <a:sym typeface="Arial"/>
         </a:defRPr>
       </a:lvl8pPr>
-      <a:lvl9pPr lvl="8" marR="0" rtl="0" algn="l">
+      <a:lvl9pPr marR="0" lvl="8" algn="l" rtl="0">
         <a:lnSpc>
           <a:spcPct val="100000"/>
         </a:lnSpc>
@@ -6319,7 +6466,7 @@
           <a:srgbClr val="000000"/>
         </a:buClr>
         <a:buFont typeface="Arial"/>
-        <a:defRPr b="0" i="0" sz="1400" u="none" cap="none" strike="noStrike">
+        <a:defRPr sz="1400" b="0" i="0" u="none" strike="noStrike" cap="none">
           <a:solidFill>
             <a:srgbClr val="000000"/>
           </a:solidFill>
@@ -6335,11 +6482,11 @@
 </file>
 
 <file path=ppt/slides/slide1.xml><?xml version="1.0" encoding="utf-8"?>
-<p:sld xmlns:a="http://schemas.openxmlformats.org/drawingml/2006/main" xmlns:r="http://schemas.openxmlformats.org/officeDocument/2006/relationships" xmlns:mc="http://schemas.openxmlformats.org/markup-compatibility/2006" xmlns:mv="urn:schemas-microsoft-com:mac:vml" xmlns:p="http://schemas.openxmlformats.org/presentationml/2006/main" xmlns:c="http://schemas.openxmlformats.org/drawingml/2006/chart" xmlns:dgm="http://schemas.openxmlformats.org/drawingml/2006/diagram" xmlns:o="urn:schemas-microsoft-com:office:office" xmlns:v="urn:schemas-microsoft-com:vml" xmlns:pvml="urn:schemas-microsoft-com:office:powerpoint" xmlns:com="http://schemas.openxmlformats.org/drawingml/2006/compatibility" xmlns:p14="http://schemas.microsoft.com/office/powerpoint/2010/main" xmlns:p15="http://schemas.microsoft.com/office/powerpoint/2012/main" xmlns:ahyp="http://schemas.microsoft.com/office/drawing/2018/hyperlinkcolor">
+<p:sld xmlns:a="http://schemas.openxmlformats.org/drawingml/2006/main" xmlns:r="http://schemas.openxmlformats.org/officeDocument/2006/relationships" xmlns:p="http://schemas.openxmlformats.org/presentationml/2006/main">
   <p:cSld>
     <p:spTree>
       <p:nvGrpSpPr>
-        <p:cNvPr id="53" name="Shape 53"/>
+        <p:cNvPr id="1" name=""/>
         <p:cNvGrpSpPr/>
         <p:nvPr/>
       </p:nvGrpSpPr>
@@ -6353,68 +6500,268 @@
       </p:grpSpPr>
       <p:sp>
         <p:nvSpPr>
-          <p:cNvPr id="54" name="Google Shape;54;p13"/>
-          <p:cNvSpPr txBox="1"/>
+          <p:cNvPr id="2" name="Title 1"/>
+          <p:cNvSpPr>
+            <a:spLocks noGrp="1"/>
+          </p:cNvSpPr>
           <p:nvPr>
             <p:ph type="ctrTitle"/>
           </p:nvPr>
         </p:nvSpPr>
         <p:spPr>
           <a:xfrm>
-            <a:off x="311700" y="744575"/>
-            <a:ext cx="8520600" cy="932100"/>
+            <a:off x="566059" y="0"/>
+            <a:ext cx="8011886" cy="5143500"/>
+          </a:xfrm>
+        </p:spPr>
+        <p:txBody>
+          <a:bodyPr anchor="ctr">
+            <a:noAutofit/>
+          </a:bodyPr>
+          <a:lstStyle/>
+          <a:p>
+            <a:pPr algn="l" fontAlgn="ctr">
+              <a:lnSpc>
+                <a:spcPct val="150000"/>
+              </a:lnSpc>
+            </a:pPr>
+            <a:r>
+              <a:rPr lang="en-US" sz="2700" b="1" dirty="0">
+                <a:latin typeface="Times New Roman" charset="0"/>
+                <a:ea typeface="Times New Roman" charset="0"/>
+                <a:cs typeface="Times New Roman" charset="0"/>
+              </a:rPr>
+              <a:t>Blue Waters Petascale</a:t>
+            </a:r>
+            <a:r>
+              <a:rPr lang="en-US" sz="2700" b="1" dirty="0">
+                <a:latin typeface="Times New Roman" charset="0"/>
+                <a:ea typeface="Times New Roman" charset="0"/>
+                <a:cs typeface="Times New Roman" charset="0"/>
+              </a:rPr>
+              <a:t> Semester Curriculum v1.0</a:t>
+            </a:r>
+            <a:r>
+              <a:rPr lang="en-US" sz="2700" dirty="0">
+                <a:latin typeface="Times New Roman" charset="0"/>
+                <a:ea typeface="Times New Roman" charset="0"/>
+                <a:cs typeface="Times New Roman" charset="0"/>
+              </a:rPr>
+              <a:t/>
+            </a:r>
+            <a:br>
+              <a:rPr lang="en-US" sz="2700" dirty="0">
+                <a:latin typeface="Times New Roman" charset="0"/>
+                <a:ea typeface="Times New Roman" charset="0"/>
+                <a:cs typeface="Times New Roman" charset="0"/>
+              </a:rPr>
+            </a:br>
+            <a:r>
+              <a:rPr lang="en-US" sz="2700" b="1" dirty="0">
+                <a:latin typeface="Times New Roman" charset="0"/>
+                <a:ea typeface="Times New Roman" charset="0"/>
+                <a:cs typeface="Times New Roman" charset="0"/>
+              </a:rPr>
+              <a:t>Unit </a:t>
+            </a:r>
+            <a:r>
+              <a:rPr lang="en-US" sz="2700" b="1" dirty="0" smtClean="0">
+                <a:latin typeface="Times New Roman" charset="0"/>
+                <a:ea typeface="Times New Roman" charset="0"/>
+                <a:cs typeface="Times New Roman" charset="0"/>
+              </a:rPr>
+              <a:t>11</a:t>
+            </a:r>
+            <a:r>
+              <a:rPr lang="en-US" sz="2700" b="1" dirty="0">
+                <a:latin typeface="Times New Roman" charset="0"/>
+                <a:ea typeface="Times New Roman" charset="0"/>
+                <a:cs typeface="Times New Roman" charset="0"/>
+              </a:rPr>
+              <a:t>: Domain Science: Astrophysical Fluid </a:t>
+            </a:r>
+            <a:r>
+              <a:rPr lang="en-US" sz="2700" b="1" dirty="0" smtClean="0">
+                <a:latin typeface="Times New Roman" charset="0"/>
+                <a:ea typeface="Times New Roman" charset="0"/>
+                <a:cs typeface="Times New Roman" charset="0"/>
+              </a:rPr>
+              <a:t/>
+            </a:r>
+            <a:br>
+              <a:rPr lang="en-US" sz="2700" b="1" dirty="0" smtClean="0">
+                <a:latin typeface="Times New Roman" charset="0"/>
+                <a:ea typeface="Times New Roman" charset="0"/>
+                <a:cs typeface="Times New Roman" charset="0"/>
+              </a:rPr>
+            </a:br>
+            <a:r>
+              <a:rPr lang="en-US" sz="2700" b="1" dirty="0">
+                <a:latin typeface="Times New Roman" charset="0"/>
+                <a:ea typeface="Times New Roman" charset="0"/>
+                <a:cs typeface="Times New Roman" charset="0"/>
+              </a:rPr>
+              <a:t> </a:t>
+            </a:r>
+            <a:r>
+              <a:rPr lang="en-US" sz="2700" b="1" dirty="0" smtClean="0">
+                <a:latin typeface="Times New Roman" charset="0"/>
+                <a:ea typeface="Times New Roman" charset="0"/>
+                <a:cs typeface="Times New Roman" charset="0"/>
+              </a:rPr>
+              <a:t>    Dynamics</a:t>
+            </a:r>
+            <a:r>
+              <a:rPr lang="en-US" sz="2700" b="1" dirty="0">
+                <a:latin typeface="Times New Roman" charset="0"/>
+                <a:ea typeface="Times New Roman" charset="0"/>
+                <a:cs typeface="Times New Roman" charset="0"/>
+              </a:rPr>
+              <a:t/>
+            </a:r>
+            <a:br>
+              <a:rPr lang="en-US" sz="2700" b="1" dirty="0">
+                <a:latin typeface="Times New Roman" charset="0"/>
+                <a:ea typeface="Times New Roman" charset="0"/>
+                <a:cs typeface="Times New Roman" charset="0"/>
+              </a:rPr>
+            </a:br>
+            <a:r>
+              <a:rPr lang="en-US" sz="2700" b="1" dirty="0">
+                <a:latin typeface="Times New Roman" charset="0"/>
+                <a:ea typeface="Times New Roman" charset="0"/>
+                <a:cs typeface="Times New Roman" charset="0"/>
+              </a:rPr>
+              <a:t>Lesson 4: MPI Simulations and Visualization</a:t>
+            </a:r>
+            <a:br>
+              <a:rPr lang="en-US" sz="2700" b="1" dirty="0">
+                <a:latin typeface="Times New Roman" charset="0"/>
+                <a:ea typeface="Times New Roman" charset="0"/>
+                <a:cs typeface="Times New Roman" charset="0"/>
+              </a:rPr>
+            </a:br>
+            <a:r>
+              <a:rPr lang="en-US" sz="2700" i="1" dirty="0">
+                <a:latin typeface="Times New Roman" charset="0"/>
+                <a:ea typeface="Times New Roman" charset="0"/>
+                <a:cs typeface="Times New Roman" charset="0"/>
+              </a:rPr>
+              <a:t>Developed </a:t>
+            </a:r>
+            <a:r>
+              <a:rPr lang="en-US" sz="2700" i="1" dirty="0">
+                <a:latin typeface="Times New Roman" charset="0"/>
+                <a:ea typeface="Times New Roman" charset="0"/>
+                <a:cs typeface="Times New Roman" charset="0"/>
+              </a:rPr>
+              <a:t>by </a:t>
+            </a:r>
+            <a:r>
+              <a:rPr lang="en-US" sz="2700" i="1" dirty="0">
+                <a:latin typeface="Times New Roman" charset="0"/>
+                <a:ea typeface="Times New Roman" charset="0"/>
+                <a:cs typeface="Times New Roman" charset="0"/>
+              </a:rPr>
+              <a:t>Marc </a:t>
+            </a:r>
+            <a:r>
+              <a:rPr lang="en-US" sz="2700" i="1" dirty="0" err="1" smtClean="0">
+                <a:latin typeface="Times New Roman" charset="0"/>
+                <a:ea typeface="Times New Roman" charset="0"/>
+                <a:cs typeface="Times New Roman" charset="0"/>
+              </a:rPr>
+              <a:t>Gagné</a:t>
+            </a:r>
+            <a:r>
+              <a:rPr lang="en-US" sz="2700" i="1" dirty="0">
+                <a:latin typeface="Times New Roman" charset="0"/>
+                <a:ea typeface="Times New Roman" charset="0"/>
+                <a:cs typeface="Times New Roman" charset="0"/>
+              </a:rPr>
+              <a:t/>
+            </a:r>
+            <a:br>
+              <a:rPr lang="en-US" sz="2700" i="1" dirty="0">
+                <a:latin typeface="Times New Roman" charset="0"/>
+                <a:ea typeface="Times New Roman" charset="0"/>
+                <a:cs typeface="Times New Roman" charset="0"/>
+              </a:rPr>
+            </a:br>
+            <a:r>
+              <a:rPr lang="en-US" sz="2700" i="1" dirty="0">
+                <a:latin typeface="Times New Roman" charset="0"/>
+                <a:ea typeface="Times New Roman" charset="0"/>
+                <a:cs typeface="Times New Roman" charset="0"/>
+              </a:rPr>
+              <a:t>for the Shodor Education Foundation, Inc.</a:t>
+            </a:r>
+          </a:p>
+        </p:txBody>
+      </p:sp>
+    </p:spTree>
+    <p:extLst>
+      <p:ext uri="{BB962C8B-B14F-4D97-AF65-F5344CB8AC3E}">
+        <p14:creationId xmlns:p14="http://schemas.microsoft.com/office/powerpoint/2010/main" val="1997540754"/>
+      </p:ext>
+    </p:extLst>
+  </p:cSld>
+  <p:clrMapOvr>
+    <a:masterClrMapping/>
+  </p:clrMapOvr>
+  <p:timing>
+    <p:tnLst>
+      <p:par>
+        <p:cTn id="1" dur="indefinite" restart="never" nodeType="tmRoot"/>
+      </p:par>
+    </p:tnLst>
+  </p:timing>
+</p:sld>
+</file>
+
+<file path=ppt/slides/slide10.xml><?xml version="1.0" encoding="utf-8"?>
+<p:sld xmlns:a="http://schemas.openxmlformats.org/drawingml/2006/main" xmlns:r="http://schemas.openxmlformats.org/officeDocument/2006/relationships" xmlns:p="http://schemas.openxmlformats.org/presentationml/2006/main">
+  <p:cSld>
+    <p:spTree>
+      <p:nvGrpSpPr>
+        <p:cNvPr id="1" name="Shape 108"/>
+        <p:cNvGrpSpPr/>
+        <p:nvPr/>
+      </p:nvGrpSpPr>
+      <p:grpSpPr>
+        <a:xfrm>
+          <a:off x="0" y="0"/>
+          <a:ext cx="0" cy="0"/>
+          <a:chOff x="0" y="0"/>
+          <a:chExt cx="0" cy="0"/>
+        </a:xfrm>
+      </p:grpSpPr>
+      <p:sp>
+        <p:nvSpPr>
+          <p:cNvPr id="109" name="Google Shape;109;p21"/>
+          <p:cNvSpPr txBox="1">
+            <a:spLocks noGrp="1"/>
+          </p:cNvSpPr>
+          <p:nvPr>
+            <p:ph type="title"/>
+          </p:nvPr>
+        </p:nvSpPr>
+        <p:spPr>
+          <a:xfrm>
+            <a:off x="311700" y="363225"/>
+            <a:ext cx="8520600" cy="572700"/>
           </a:xfrm>
           <a:prstGeom prst="rect">
             <a:avLst/>
           </a:prstGeom>
         </p:spPr>
         <p:txBody>
-          <a:bodyPr anchorCtr="0" anchor="b" bIns="91425" lIns="91425" spcFirstLastPara="1" rIns="91425" wrap="square" tIns="91425">
+          <a:bodyPr spcFirstLastPara="1" wrap="square" lIns="91425" tIns="91425" rIns="91425" bIns="91425" anchor="t" anchorCtr="0">
             <a:noAutofit/>
           </a:bodyPr>
           <a:lstStyle/>
           <a:p>
-            <a:pPr indent="0" lvl="0" marL="0" rtl="0" algn="ctr">
-              <a:spcBef>
-                <a:spcPts val="0"/>
-              </a:spcBef>
-              <a:spcAft>
-                <a:spcPts val="0"/>
-              </a:spcAft>
-              <a:buNone/>
-            </a:pPr>
-            <a:r>
-              <a:rPr lang="en" sz="4000"/>
-              <a:t>11.4 The Rayleigh-Taylor Instability</a:t>
-            </a:r>
-            <a:endParaRPr sz="4000"/>
-          </a:p>
-        </p:txBody>
-      </p:sp>
-      <p:sp>
-        <p:nvSpPr>
-          <p:cNvPr id="55" name="Google Shape;55;p13"/>
-          <p:cNvSpPr txBox="1"/>
-          <p:nvPr>
-            <p:ph idx="1" type="subTitle"/>
-          </p:nvPr>
-        </p:nvSpPr>
-        <p:spPr>
-          <a:xfrm>
-            <a:off x="311700" y="2001825"/>
-            <a:ext cx="8520600" cy="792600"/>
-          </a:xfrm>
-          <a:prstGeom prst="rect">
-            <a:avLst/>
-          </a:prstGeom>
-        </p:spPr>
-        <p:txBody>
-          <a:bodyPr anchorCtr="0" anchor="t" bIns="91425" lIns="91425" spcFirstLastPara="1" rIns="91425" wrap="square" tIns="91425">
-            <a:noAutofit/>
-          </a:bodyPr>
-          <a:lstStyle/>
-          <a:p>
-            <a:pPr indent="0" lvl="0" marL="0" rtl="0" algn="ctr">
+            <a:pPr marL="0" lvl="0" indent="0" algn="l" rtl="0">
               <a:spcBef>
                 <a:spcPts val="0"/>
               </a:spcBef>
@@ -6425,7 +6772,7 @@
             </a:pPr>
             <a:r>
               <a:rPr lang="en"/>
-              <a:t>2D PLUTO MHD Simulations </a:t>
+              <a:t>11.4 Activity 1</a:t>
             </a:r>
             <a:endParaRPr/>
           </a:p>
@@ -6433,30 +6780,30 @@
       </p:sp>
       <p:sp>
         <p:nvSpPr>
-          <p:cNvPr id="56" name="Google Shape;56;p13"/>
-          <p:cNvSpPr txBox="1"/>
-          <p:nvPr/>
+          <p:cNvPr id="110" name="Google Shape;110;p21"/>
+          <p:cNvSpPr txBox="1">
+            <a:spLocks noGrp="1"/>
+          </p:cNvSpPr>
+          <p:nvPr>
+            <p:ph type="body" idx="1"/>
+          </p:nvPr>
         </p:nvSpPr>
         <p:spPr>
           <a:xfrm>
-            <a:off x="1352550" y="2794425"/>
-            <a:ext cx="6438900" cy="402600"/>
+            <a:off x="311700" y="1021600"/>
+            <a:ext cx="8520600" cy="3820200"/>
           </a:xfrm>
           <a:prstGeom prst="rect">
             <a:avLst/>
           </a:prstGeom>
-          <a:noFill/>
-          <a:ln>
-            <a:noFill/>
-          </a:ln>
         </p:spPr>
         <p:txBody>
-          <a:bodyPr anchorCtr="0" anchor="t" bIns="91425" lIns="91425" spcFirstLastPara="1" rIns="91425" wrap="square" tIns="91425">
+          <a:bodyPr spcFirstLastPara="1" wrap="square" lIns="91425" tIns="91425" rIns="91425" bIns="91425" anchor="t" anchorCtr="0">
             <a:noAutofit/>
           </a:bodyPr>
           <a:lstStyle/>
           <a:p>
-            <a:pPr indent="0" lvl="0" marL="0" rtl="0" algn="ctr">
+            <a:pPr marL="0" lvl="0" indent="0" algn="l" rtl="0">
               <a:spcBef>
                 <a:spcPts val="0"/>
               </a:spcBef>
@@ -6466,9 +6813,238 @@
               <a:buNone/>
             </a:pPr>
             <a:r>
-              <a:rPr lang="en"/>
-              <a:t>Marc Gagné</a:t>
+              <a:rPr lang="en" sz="1400"/>
+              <a:t>We will initialize, and run a set of PLUTO MPI simulations of the Rayleigh-Taylor Instability. See:</a:t>
             </a:r>
+            <a:endParaRPr sz="1400"/>
+          </a:p>
+          <a:p>
+            <a:pPr marL="0" lvl="0" indent="0" algn="l" rtl="0">
+              <a:lnSpc>
+                <a:spcPct val="100000"/>
+              </a:lnSpc>
+              <a:spcBef>
+                <a:spcPts val="1600"/>
+              </a:spcBef>
+              <a:spcAft>
+                <a:spcPts val="0"/>
+              </a:spcAft>
+              <a:buNone/>
+            </a:pPr>
+            <a:r>
+              <a:rPr lang="en" sz="1400" u="sng">
+                <a:solidFill>
+                  <a:schemeClr val="hlink"/>
+                </a:solidFill>
+                <a:hlinkClick r:id="rId3"/>
+              </a:rPr>
+              <a:t>http://plutocode.ph.unito.it/Doxygen/Test_Problems/_m_h_d_2_rayleigh___taylor_2init_8c.html</a:t>
+            </a:r>
+            <a:endParaRPr sz="1400"/>
+          </a:p>
+          <a:p>
+            <a:pPr marL="0" lvl="0" indent="0" algn="l" rtl="0">
+              <a:lnSpc>
+                <a:spcPct val="100000"/>
+              </a:lnSpc>
+              <a:spcBef>
+                <a:spcPts val="0"/>
+              </a:spcBef>
+              <a:spcAft>
+                <a:spcPts val="0"/>
+              </a:spcAft>
+              <a:buNone/>
+            </a:pPr>
+            <a:endParaRPr sz="1400"/>
+          </a:p>
+          <a:p>
+            <a:pPr marL="0" lvl="0" indent="0" algn="l" rtl="0">
+              <a:lnSpc>
+                <a:spcPct val="100000"/>
+              </a:lnSpc>
+              <a:spcBef>
+                <a:spcPts val="0"/>
+              </a:spcBef>
+              <a:spcAft>
+                <a:spcPts val="0"/>
+              </a:spcAft>
+              <a:buNone/>
+            </a:pPr>
+            <a:r>
+              <a:rPr lang="en" sz="1400"/>
+              <a:t>The problem can be setup in 2D or 3D, with or without a horizontal magnetic field, and with different time-stepping, and interpolation schemes.</a:t>
+            </a:r>
+            <a:endParaRPr sz="1400"/>
+          </a:p>
+          <a:p>
+            <a:pPr marL="0" lvl="0" indent="0" algn="l" rtl="0">
+              <a:lnSpc>
+                <a:spcPct val="100000"/>
+              </a:lnSpc>
+              <a:spcBef>
+                <a:spcPts val="0"/>
+              </a:spcBef>
+              <a:spcAft>
+                <a:spcPts val="0"/>
+              </a:spcAft>
+              <a:buNone/>
+            </a:pPr>
+            <a:endParaRPr sz="1400"/>
+          </a:p>
+          <a:p>
+            <a:pPr marL="0" lvl="0" indent="0" algn="l" rtl="0">
+              <a:lnSpc>
+                <a:spcPct val="100000"/>
+              </a:lnSpc>
+              <a:spcBef>
+                <a:spcPts val="0"/>
+              </a:spcBef>
+              <a:spcAft>
+                <a:spcPts val="0"/>
+              </a:spcAft>
+              <a:buNone/>
+            </a:pPr>
+            <a:r>
+              <a:rPr lang="en" sz="1400"/>
+              <a:t>The system is destabilized by perturbing the vertical velocity in near the interface using a single mode perturbation (in 2D) or a Gaussian perturbation (in 3D). Alternatively, a random perturbation can be used by setting USE_RANDOM_PERTURBATION to YES in your definitions.h. The runtime parameters that are read from pluto.ini are:</a:t>
+            </a:r>
+            <a:endParaRPr sz="1400"/>
+          </a:p>
+          <a:p>
+            <a:pPr marL="0" lvl="0" indent="0" algn="l" rtl="0">
+              <a:lnSpc>
+                <a:spcPct val="100000"/>
+              </a:lnSpc>
+              <a:spcBef>
+                <a:spcPts val="0"/>
+              </a:spcBef>
+              <a:spcAft>
+                <a:spcPts val="0"/>
+              </a:spcAft>
+              <a:buNone/>
+            </a:pPr>
+            <a:endParaRPr sz="1400"/>
+          </a:p>
+          <a:p>
+            <a:pPr marL="0" lvl="0" indent="0" algn="l" rtl="0">
+              <a:lnSpc>
+                <a:spcPct val="100000"/>
+              </a:lnSpc>
+              <a:spcBef>
+                <a:spcPts val="0"/>
+              </a:spcBef>
+              <a:spcAft>
+                <a:spcPts val="0"/>
+              </a:spcAft>
+              <a:buNone/>
+            </a:pPr>
+            <a:r>
+              <a:rPr lang="en" sz="1400"/>
+              <a:t>[ETA]: sets the density of the upper fluid;</a:t>
+            </a:r>
+            <a:endParaRPr sz="1400"/>
+          </a:p>
+          <a:p>
+            <a:pPr marL="0" lvl="0" indent="0" algn="l" rtl="0">
+              <a:lnSpc>
+                <a:spcPct val="100000"/>
+              </a:lnSpc>
+              <a:spcBef>
+                <a:spcPts val="0"/>
+              </a:spcBef>
+              <a:spcAft>
+                <a:spcPts val="0"/>
+              </a:spcAft>
+              <a:buNone/>
+            </a:pPr>
+            <a:r>
+              <a:rPr lang="en" sz="1400"/>
+              <a:t>[GRAV]: sets gravity (must be &lt; 0);</a:t>
+            </a:r>
+            <a:endParaRPr sz="1400"/>
+          </a:p>
+          <a:p>
+            <a:pPr marL="0" lvl="0" indent="0" algn="l" rtl="0">
+              <a:lnSpc>
+                <a:spcPct val="100000"/>
+              </a:lnSpc>
+              <a:spcBef>
+                <a:spcPts val="0"/>
+              </a:spcBef>
+              <a:spcAft>
+                <a:spcPts val="0"/>
+              </a:spcAft>
+              <a:buNone/>
+            </a:pPr>
+            <a:r>
+              <a:rPr lang="en" sz="1400"/>
+              <a:t>[CHI]: sets the magnetic field strength in units of the critical magnetic field Bc;</a:t>
+            </a:r>
+            <a:endParaRPr sz="1400"/>
+          </a:p>
+          <a:p>
+            <a:pPr marL="0" lvl="0" indent="0" algn="l" rtl="0">
+              <a:lnSpc>
+                <a:spcPct val="100000"/>
+              </a:lnSpc>
+              <a:spcBef>
+                <a:spcPts val="0"/>
+              </a:spcBef>
+              <a:spcAft>
+                <a:spcPts val="0"/>
+              </a:spcAft>
+              <a:buNone/>
+            </a:pPr>
+            <a:endParaRPr sz="1400"/>
+          </a:p>
+          <a:p>
+            <a:pPr marL="0" lvl="0" indent="0" algn="l" rtl="0">
+              <a:lnSpc>
+                <a:spcPct val="100000"/>
+              </a:lnSpc>
+              <a:spcBef>
+                <a:spcPts val="0"/>
+              </a:spcBef>
+              <a:spcAft>
+                <a:spcPts val="0"/>
+              </a:spcAft>
+              <a:buNone/>
+            </a:pPr>
+            <a:endParaRPr sz="1400"/>
+          </a:p>
+          <a:p>
+            <a:pPr marL="0" lvl="0" indent="0" algn="l" rtl="0">
+              <a:lnSpc>
+                <a:spcPct val="100000"/>
+              </a:lnSpc>
+              <a:spcBef>
+                <a:spcPts val="0"/>
+              </a:spcBef>
+              <a:spcAft>
+                <a:spcPts val="0"/>
+              </a:spcAft>
+              <a:buNone/>
+            </a:pPr>
+            <a:endParaRPr/>
+          </a:p>
+          <a:p>
+            <a:pPr marL="0" lvl="0" indent="0" algn="l" rtl="0">
+              <a:lnSpc>
+                <a:spcPct val="100000"/>
+              </a:lnSpc>
+              <a:spcBef>
+                <a:spcPts val="0"/>
+              </a:spcBef>
+              <a:spcAft>
+                <a:spcPts val="0"/>
+              </a:spcAft>
+              <a:buClr>
+                <a:schemeClr val="dk1"/>
+              </a:buClr>
+              <a:buSzPts val="1100"/>
+              <a:buFont typeface="Arial"/>
+              <a:buNone/>
+            </a:pPr>
             <a:endParaRPr/>
           </a:p>
         </p:txBody>
@@ -6481,12 +7057,12 @@
 </p:sld>
 </file>
 
-<file path=ppt/slides/slide10.xml><?xml version="1.0" encoding="utf-8"?>
-<p:sld xmlns:a="http://schemas.openxmlformats.org/drawingml/2006/main" xmlns:r="http://schemas.openxmlformats.org/officeDocument/2006/relationships" xmlns:mc="http://schemas.openxmlformats.org/markup-compatibility/2006" xmlns:mv="urn:schemas-microsoft-com:mac:vml" xmlns:p="http://schemas.openxmlformats.org/presentationml/2006/main" xmlns:c="http://schemas.openxmlformats.org/drawingml/2006/chart" xmlns:dgm="http://schemas.openxmlformats.org/drawingml/2006/diagram" xmlns:o="urn:schemas-microsoft-com:office:office" xmlns:v="urn:schemas-microsoft-com:vml" xmlns:pvml="urn:schemas-microsoft-com:office:powerpoint" xmlns:com="http://schemas.openxmlformats.org/drawingml/2006/compatibility" xmlns:p14="http://schemas.microsoft.com/office/powerpoint/2010/main" xmlns:p15="http://schemas.microsoft.com/office/powerpoint/2012/main" xmlns:ahyp="http://schemas.microsoft.com/office/drawing/2018/hyperlinkcolor">
+<file path=ppt/slides/slide11.xml><?xml version="1.0" encoding="utf-8"?>
+<p:sld xmlns:a="http://schemas.openxmlformats.org/drawingml/2006/main" xmlns:r="http://schemas.openxmlformats.org/officeDocument/2006/relationships" xmlns:p="http://schemas.openxmlformats.org/presentationml/2006/main">
   <p:cSld>
     <p:spTree>
       <p:nvGrpSpPr>
-        <p:cNvPr id="114" name="Shape 114"/>
+        <p:cNvPr id="1" name="Shape 114"/>
         <p:cNvGrpSpPr/>
         <p:nvPr/>
       </p:nvGrpSpPr>
@@ -6501,7 +7077,9 @@
       <p:sp>
         <p:nvSpPr>
           <p:cNvPr id="115" name="Google Shape;115;p22"/>
-          <p:cNvSpPr txBox="1"/>
+          <p:cNvSpPr txBox="1">
+            <a:spLocks noGrp="1"/>
+          </p:cNvSpPr>
           <p:nvPr>
             <p:ph type="title"/>
           </p:nvPr>
@@ -6516,12 +7094,12 @@
           </a:prstGeom>
         </p:spPr>
         <p:txBody>
-          <a:bodyPr anchorCtr="0" anchor="t" bIns="91425" lIns="91425" spcFirstLastPara="1" rIns="91425" wrap="square" tIns="91425">
+          <a:bodyPr spcFirstLastPara="1" wrap="square" lIns="91425" tIns="91425" rIns="91425" bIns="91425" anchor="t" anchorCtr="0">
             <a:noAutofit/>
           </a:bodyPr>
           <a:lstStyle/>
           <a:p>
-            <a:pPr indent="0" lvl="0" marL="0" rtl="0" algn="l">
+            <a:pPr marL="0" lvl="0" indent="0" algn="l" rtl="0">
               <a:spcBef>
                 <a:spcPts val="0"/>
               </a:spcBef>
@@ -6541,9 +7119,11 @@
       <p:sp>
         <p:nvSpPr>
           <p:cNvPr id="116" name="Google Shape;116;p22"/>
-          <p:cNvSpPr txBox="1"/>
+          <p:cNvSpPr txBox="1">
+            <a:spLocks noGrp="1"/>
+          </p:cNvSpPr>
           <p:nvPr>
-            <p:ph idx="1" type="body"/>
+            <p:ph type="body" idx="1"/>
           </p:nvPr>
         </p:nvSpPr>
         <p:spPr>
@@ -6556,12 +7136,12 @@
           </a:prstGeom>
         </p:spPr>
         <p:txBody>
-          <a:bodyPr anchorCtr="0" anchor="t" bIns="91425" lIns="91425" spcFirstLastPara="1" rIns="91425" wrap="square" tIns="91425">
+          <a:bodyPr spcFirstLastPara="1" wrap="square" lIns="91425" tIns="91425" rIns="91425" bIns="91425" anchor="t" anchorCtr="0">
             <a:noAutofit/>
           </a:bodyPr>
           <a:lstStyle/>
           <a:p>
-            <a:pPr indent="0" lvl="0" marL="0" rtl="0" algn="l">
+            <a:pPr marL="0" lvl="0" indent="0" algn="l" rtl="0">
               <a:spcBef>
                 <a:spcPts val="0"/>
               </a:spcBef>
@@ -6577,7 +7157,7 @@
             <a:endParaRPr/>
           </a:p>
           <a:p>
-            <a:pPr indent="-330200" lvl="0" marL="457200" rtl="0" algn="l">
+            <a:pPr marL="457200" lvl="0" indent="-330200" algn="l" rtl="0">
               <a:spcBef>
                 <a:spcPts val="1600"/>
               </a:spcBef>
@@ -6594,7 +7174,7 @@
             <a:endParaRPr sz="1600"/>
           </a:p>
           <a:p>
-            <a:pPr indent="-330200" lvl="0" marL="457200" rtl="0" algn="l">
+            <a:pPr marL="457200" lvl="0" indent="-330200" algn="l" rtl="0">
               <a:spcBef>
                 <a:spcPts val="0"/>
               </a:spcBef>
@@ -6611,7 +7191,7 @@
             <a:endParaRPr sz="1600"/>
           </a:p>
           <a:p>
-            <a:pPr indent="0" lvl="0" marL="0" rtl="0" algn="l">
+            <a:pPr marL="0" lvl="0" indent="0" algn="l" rtl="0">
               <a:spcBef>
                 <a:spcPts val="1600"/>
               </a:spcBef>
@@ -6637,11 +7217,267 @@
 </file>
 
 <file path=ppt/slides/slide2.xml><?xml version="1.0" encoding="utf-8"?>
-<p:sld xmlns:a="http://schemas.openxmlformats.org/drawingml/2006/main" xmlns:r="http://schemas.openxmlformats.org/officeDocument/2006/relationships" xmlns:mc="http://schemas.openxmlformats.org/markup-compatibility/2006" xmlns:mv="urn:schemas-microsoft-com:mac:vml" xmlns:p="http://schemas.openxmlformats.org/presentationml/2006/main" xmlns:c="http://schemas.openxmlformats.org/drawingml/2006/chart" xmlns:dgm="http://schemas.openxmlformats.org/drawingml/2006/diagram" xmlns:o="urn:schemas-microsoft-com:office:office" xmlns:v="urn:schemas-microsoft-com:vml" xmlns:pvml="urn:schemas-microsoft-com:office:powerpoint" xmlns:com="http://schemas.openxmlformats.org/drawingml/2006/compatibility" xmlns:p14="http://schemas.microsoft.com/office/powerpoint/2010/main" xmlns:p15="http://schemas.microsoft.com/office/powerpoint/2012/main" xmlns:ahyp="http://schemas.microsoft.com/office/drawing/2018/hyperlinkcolor">
+<p:sld xmlns:a="http://schemas.openxmlformats.org/drawingml/2006/main" xmlns:r="http://schemas.openxmlformats.org/officeDocument/2006/relationships" xmlns:p="http://schemas.openxmlformats.org/presentationml/2006/main">
   <p:cSld>
     <p:spTree>
       <p:nvGrpSpPr>
-        <p:cNvPr id="60" name="Shape 60"/>
+        <p:cNvPr id="1" name=""/>
+        <p:cNvGrpSpPr/>
+        <p:nvPr/>
+      </p:nvGrpSpPr>
+      <p:grpSpPr>
+        <a:xfrm>
+          <a:off x="0" y="0"/>
+          <a:ext cx="0" cy="0"/>
+          <a:chOff x="0" y="0"/>
+          <a:chExt cx="0" cy="0"/>
+        </a:xfrm>
+      </p:grpSpPr>
+      <p:sp>
+        <p:nvSpPr>
+          <p:cNvPr id="2" name="Title 1"/>
+          <p:cNvSpPr>
+            <a:spLocks noGrp="1"/>
+          </p:cNvSpPr>
+          <p:nvPr>
+            <p:ph type="ctrTitle"/>
+          </p:nvPr>
+        </p:nvSpPr>
+        <p:spPr>
+          <a:xfrm>
+            <a:off x="566059" y="0"/>
+            <a:ext cx="8011886" cy="5143500"/>
+          </a:xfrm>
+        </p:spPr>
+        <p:txBody>
+          <a:bodyPr anchor="ctr">
+            <a:noAutofit/>
+          </a:bodyPr>
+          <a:lstStyle/>
+          <a:p>
+            <a:pPr algn="l" fontAlgn="ctr"/>
+            <a:r>
+              <a:rPr lang="en-US" sz="2100" dirty="0">
+                <a:latin typeface="Times New Roman" charset="0"/>
+                <a:ea typeface="Times New Roman" charset="0"/>
+                <a:cs typeface="Times New Roman" charset="0"/>
+              </a:rPr>
+              <a:t>Except where otherwise noted, this work by</a:t>
+            </a:r>
+            <a:br>
+              <a:rPr lang="en-US" sz="2100" dirty="0">
+                <a:latin typeface="Times New Roman" charset="0"/>
+                <a:ea typeface="Times New Roman" charset="0"/>
+                <a:cs typeface="Times New Roman" charset="0"/>
+              </a:rPr>
+            </a:br>
+            <a:r>
+              <a:rPr lang="en-US" sz="2100" dirty="0">
+                <a:latin typeface="Times New Roman" charset="0"/>
+                <a:ea typeface="Times New Roman" charset="0"/>
+                <a:cs typeface="Times New Roman" charset="0"/>
+              </a:rPr>
+              <a:t>The Shodor Education Foundation, Inc. is licensed under</a:t>
+            </a:r>
+            <a:br>
+              <a:rPr lang="en-US" sz="2100" dirty="0">
+                <a:latin typeface="Times New Roman" charset="0"/>
+                <a:ea typeface="Times New Roman" charset="0"/>
+                <a:cs typeface="Times New Roman" charset="0"/>
+              </a:rPr>
+            </a:br>
+            <a:r>
+              <a:rPr lang="en-US" sz="2100" dirty="0">
+                <a:latin typeface="Times New Roman" charset="0"/>
+                <a:ea typeface="Times New Roman" charset="0"/>
+                <a:cs typeface="Times New Roman" charset="0"/>
+              </a:rPr>
+              <a:t>CC BY-NC 4.0. To view a copy of this license, visit </a:t>
+            </a:r>
+            <a:r>
+              <a:rPr lang="en-US" sz="2100" dirty="0">
+                <a:latin typeface="Times New Roman" charset="0"/>
+                <a:ea typeface="Times New Roman" charset="0"/>
+                <a:cs typeface="Times New Roman" charset="0"/>
+                <a:hlinkClick r:id="rId2"/>
+              </a:rPr>
+              <a:t>https://creativecommons.org/licenses/by-nc/4.0</a:t>
+            </a:r>
+            <a:r>
+              <a:rPr lang="en-US" sz="2100" dirty="0">
+                <a:latin typeface="Times New Roman" charset="0"/>
+                <a:ea typeface="Times New Roman" charset="0"/>
+                <a:cs typeface="Times New Roman" charset="0"/>
+              </a:rPr>
+              <a:t/>
+            </a:r>
+            <a:br>
+              <a:rPr lang="en-US" sz="2100" dirty="0">
+                <a:latin typeface="Times New Roman" charset="0"/>
+                <a:ea typeface="Times New Roman" charset="0"/>
+                <a:cs typeface="Times New Roman" charset="0"/>
+              </a:rPr>
+            </a:br>
+            <a:r>
+              <a:rPr lang="en-US" sz="2100" dirty="0">
+                <a:latin typeface="Times New Roman" charset="0"/>
+                <a:ea typeface="Times New Roman" charset="0"/>
+                <a:cs typeface="Times New Roman" charset="0"/>
+              </a:rPr>
+              <a:t/>
+            </a:r>
+            <a:br>
+              <a:rPr lang="en-US" sz="2100" dirty="0">
+                <a:latin typeface="Times New Roman" charset="0"/>
+                <a:ea typeface="Times New Roman" charset="0"/>
+                <a:cs typeface="Times New Roman" charset="0"/>
+              </a:rPr>
+            </a:br>
+            <a:r>
+              <a:rPr lang="en-US" sz="2100" dirty="0">
+                <a:latin typeface="Times New Roman" charset="0"/>
+                <a:ea typeface="Times New Roman" charset="0"/>
+                <a:cs typeface="Times New Roman" charset="0"/>
+              </a:rPr>
+              <a:t>Browse and search the full curriculum at </a:t>
+            </a:r>
+            <a:r>
+              <a:rPr lang="en-US" sz="2100" dirty="0">
+                <a:latin typeface="Times New Roman" charset="0"/>
+                <a:ea typeface="Times New Roman" charset="0"/>
+                <a:cs typeface="Times New Roman" charset="0"/>
+                <a:hlinkClick r:id="rId3"/>
+              </a:rPr>
+              <a:t>http://shodor.org/petascale/materials/semester-curriculum</a:t>
+            </a:r>
+            <a:r>
+              <a:rPr lang="en-US" sz="2100" dirty="0">
+                <a:latin typeface="Times New Roman" charset="0"/>
+                <a:ea typeface="Times New Roman" charset="0"/>
+                <a:cs typeface="Times New Roman" charset="0"/>
+              </a:rPr>
+              <a:t/>
+            </a:r>
+            <a:br>
+              <a:rPr lang="en-US" sz="2100" dirty="0">
+                <a:latin typeface="Times New Roman" charset="0"/>
+                <a:ea typeface="Times New Roman" charset="0"/>
+                <a:cs typeface="Times New Roman" charset="0"/>
+              </a:rPr>
+            </a:br>
+            <a:r>
+              <a:rPr lang="en-US" sz="2100" dirty="0">
+                <a:latin typeface="Times New Roman" charset="0"/>
+                <a:ea typeface="Times New Roman" charset="0"/>
+                <a:cs typeface="Times New Roman" charset="0"/>
+              </a:rPr>
+              <a:t/>
+            </a:r>
+            <a:br>
+              <a:rPr lang="en-US" sz="2100" dirty="0">
+                <a:latin typeface="Times New Roman" charset="0"/>
+                <a:ea typeface="Times New Roman" charset="0"/>
+                <a:cs typeface="Times New Roman" charset="0"/>
+              </a:rPr>
+            </a:br>
+            <a:r>
+              <a:rPr lang="en-US" sz="2100" dirty="0">
+                <a:latin typeface="Times New Roman" charset="0"/>
+                <a:ea typeface="Times New Roman" charset="0"/>
+                <a:cs typeface="Times New Roman" charset="0"/>
+              </a:rPr>
+              <a:t>We welcome your improvements! You can submit your proposed changes to this material and the rest of the curriculum in our GitHub repository at </a:t>
+            </a:r>
+            <a:r>
+              <a:rPr lang="en-US" sz="2100" dirty="0">
+                <a:latin typeface="Times New Roman" charset="0"/>
+                <a:ea typeface="Times New Roman" charset="0"/>
+                <a:cs typeface="Times New Roman" charset="0"/>
+                <a:hlinkClick r:id="rId4"/>
+              </a:rPr>
+              <a:t>https://github.com/shodor-education/petascale-semester-curriculum</a:t>
+            </a:r>
+            <a:r>
+              <a:rPr lang="en-US" sz="2100" dirty="0">
+                <a:latin typeface="Times New Roman" charset="0"/>
+                <a:ea typeface="Times New Roman" charset="0"/>
+                <a:cs typeface="Times New Roman" charset="0"/>
+              </a:rPr>
+              <a:t/>
+            </a:r>
+            <a:br>
+              <a:rPr lang="en-US" sz="2100" dirty="0">
+                <a:latin typeface="Times New Roman" charset="0"/>
+                <a:ea typeface="Times New Roman" charset="0"/>
+                <a:cs typeface="Times New Roman" charset="0"/>
+              </a:rPr>
+            </a:br>
+            <a:r>
+              <a:rPr lang="en-US" sz="2100" dirty="0">
+                <a:latin typeface="Times New Roman" charset="0"/>
+                <a:ea typeface="Times New Roman" charset="0"/>
+                <a:cs typeface="Times New Roman" charset="0"/>
+              </a:rPr>
+              <a:t/>
+            </a:r>
+            <a:br>
+              <a:rPr lang="en-US" sz="2100" dirty="0">
+                <a:latin typeface="Times New Roman" charset="0"/>
+                <a:ea typeface="Times New Roman" charset="0"/>
+                <a:cs typeface="Times New Roman" charset="0"/>
+              </a:rPr>
+            </a:br>
+            <a:r>
+              <a:rPr lang="en-US" sz="2100" dirty="0">
+                <a:latin typeface="Times New Roman" charset="0"/>
+                <a:ea typeface="Times New Roman" charset="0"/>
+                <a:cs typeface="Times New Roman" charset="0"/>
+              </a:rPr>
+              <a:t>We want to hear from you! Please let us know your experiences using this material by sending email to </a:t>
+            </a:r>
+            <a:r>
+              <a:rPr lang="en-US" sz="2100" dirty="0">
+                <a:latin typeface="Times New Roman" charset="0"/>
+                <a:ea typeface="Times New Roman" charset="0"/>
+                <a:cs typeface="Times New Roman" charset="0"/>
+                <a:hlinkClick r:id="rId5"/>
+              </a:rPr>
+              <a:t>petascale@shodor.org</a:t>
+            </a:r>
+            <a:endParaRPr lang="en-US" sz="2700" dirty="0">
+              <a:latin typeface="Times New Roman" charset="0"/>
+              <a:ea typeface="Times New Roman" charset="0"/>
+              <a:cs typeface="Times New Roman" charset="0"/>
+            </a:endParaRPr>
+          </a:p>
+        </p:txBody>
+      </p:sp>
+    </p:spTree>
+    <p:extLst>
+      <p:ext uri="{BB962C8B-B14F-4D97-AF65-F5344CB8AC3E}">
+        <p14:creationId xmlns:p14="http://schemas.microsoft.com/office/powerpoint/2010/main" val="1088758222"/>
+      </p:ext>
+    </p:extLst>
+  </p:cSld>
+  <p:clrMapOvr>
+    <a:masterClrMapping/>
+  </p:clrMapOvr>
+  <p:timing>
+    <p:tnLst>
+      <p:par>
+        <p:cTn id="1" dur="indefinite" restart="never" nodeType="tmRoot"/>
+      </p:par>
+    </p:tnLst>
+  </p:timing>
+</p:sld>
+</file>
+
+<file path=ppt/slides/slide3.xml><?xml version="1.0" encoding="utf-8"?>
+<p:sld xmlns:a="http://schemas.openxmlformats.org/drawingml/2006/main" xmlns:r="http://schemas.openxmlformats.org/officeDocument/2006/relationships" xmlns:p="http://schemas.openxmlformats.org/presentationml/2006/main">
+  <p:cSld>
+    <p:spTree>
+      <p:nvGrpSpPr>
+        <p:cNvPr id="1" name="Shape 60"/>
         <p:cNvGrpSpPr/>
         <p:nvPr/>
       </p:nvGrpSpPr>
@@ -6656,7 +7492,9 @@
       <p:sp>
         <p:nvSpPr>
           <p:cNvPr id="61" name="Google Shape;61;p14"/>
-          <p:cNvSpPr txBox="1"/>
+          <p:cNvSpPr txBox="1">
+            <a:spLocks noGrp="1"/>
+          </p:cNvSpPr>
           <p:nvPr>
             <p:ph type="title"/>
           </p:nvPr>
@@ -6671,12 +7509,12 @@
           </a:prstGeom>
         </p:spPr>
         <p:txBody>
-          <a:bodyPr anchorCtr="0" anchor="t" bIns="91425" lIns="91425" spcFirstLastPara="1" rIns="91425" wrap="square" tIns="91425">
+          <a:bodyPr spcFirstLastPara="1" wrap="square" lIns="91425" tIns="91425" rIns="91425" bIns="91425" anchor="t" anchorCtr="0">
             <a:noAutofit/>
           </a:bodyPr>
           <a:lstStyle/>
           <a:p>
-            <a:pPr indent="0" lvl="0" marL="0" rtl="0" algn="l">
+            <a:pPr marL="0" lvl="0" indent="0" algn="l" rtl="0">
               <a:spcBef>
                 <a:spcPts val="0"/>
               </a:spcBef>
@@ -6696,9 +7534,11 @@
       <p:sp>
         <p:nvSpPr>
           <p:cNvPr id="62" name="Google Shape;62;p14"/>
-          <p:cNvSpPr txBox="1"/>
+          <p:cNvSpPr txBox="1">
+            <a:spLocks noGrp="1"/>
+          </p:cNvSpPr>
           <p:nvPr>
-            <p:ph idx="1" type="body"/>
+            <p:ph type="body" idx="1"/>
           </p:nvPr>
         </p:nvSpPr>
         <p:spPr>
@@ -6711,12 +7551,12 @@
           </a:prstGeom>
         </p:spPr>
         <p:txBody>
-          <a:bodyPr anchorCtr="0" anchor="t" bIns="91425" lIns="91425" spcFirstLastPara="1" rIns="91425" wrap="square" tIns="91425">
+          <a:bodyPr spcFirstLastPara="1" wrap="square" lIns="91425" tIns="91425" rIns="91425" bIns="91425" anchor="t" anchorCtr="0">
             <a:noAutofit/>
           </a:bodyPr>
           <a:lstStyle/>
           <a:p>
-            <a:pPr indent="0" lvl="0" marL="0" rtl="0" algn="l">
+            <a:pPr marL="0" lvl="0" indent="0" algn="l" rtl="0">
               <a:spcBef>
                 <a:spcPts val="0"/>
               </a:spcBef>
@@ -6726,13 +7566,13 @@
               <a:buNone/>
             </a:pPr>
             <a:r>
-              <a:rPr lang="en"/>
+              <a:rPr lang="en" dirty="0"/>
               <a:t>Modern codes like PLUTO are built with a large number of available modules, which users switch on based on the type of problem they want to solve.</a:t>
             </a:r>
-            <a:endParaRPr/>
+            <a:endParaRPr dirty="0"/>
           </a:p>
           <a:p>
-            <a:pPr indent="0" lvl="0" marL="0" rtl="0" algn="l">
+            <a:pPr marL="0" lvl="0" indent="0" algn="l" rtl="0">
               <a:spcBef>
                 <a:spcPts val="1600"/>
               </a:spcBef>
@@ -6742,13 +7582,29 @@
               <a:buNone/>
             </a:pPr>
             <a:r>
-              <a:rPr lang="en"/>
-              <a:t>You learned in 11.3 Activity 1 that you select the modules you wish to employ in the definitions.h file (a C include file), you define the mesh, the length of your simulation, and the output format and frequency in the pluto.ini file.</a:t>
+              <a:rPr lang="en" dirty="0"/>
+              <a:t>You learned in 11.3 Activity 1 that you select the modules you wish to employ in the </a:t>
             </a:r>
-            <a:endParaRPr/>
+            <a:r>
+              <a:rPr lang="en" dirty="0" err="1"/>
+              <a:t>definitions.h</a:t>
+            </a:r>
+            <a:r>
+              <a:rPr lang="en" dirty="0"/>
+              <a:t> file (a C include file), you define the mesh, the length of your simulation, and the output format and frequency in the </a:t>
+            </a:r>
+            <a:r>
+              <a:rPr lang="en" dirty="0" err="1"/>
+              <a:t>pluto.ini</a:t>
+            </a:r>
+            <a:r>
+              <a:rPr lang="en" dirty="0"/>
+              <a:t> file.</a:t>
+            </a:r>
+            <a:endParaRPr dirty="0"/>
           </a:p>
           <a:p>
-            <a:pPr indent="0" lvl="0" marL="0" rtl="0" algn="l">
+            <a:pPr marL="0" lvl="0" indent="0" algn="l" rtl="0">
               <a:spcBef>
                 <a:spcPts val="1600"/>
               </a:spcBef>
@@ -6758,10 +7614,18 @@
               <a:buNone/>
             </a:pPr>
             <a:r>
-              <a:rPr lang="en"/>
-              <a:t>The init.c file (a C source code file) is used to define initial conditions, and boundary conditions.</a:t>
+              <a:rPr lang="en" dirty="0"/>
+              <a:t>The </a:t>
             </a:r>
-            <a:endParaRPr/>
+            <a:r>
+              <a:rPr lang="en" dirty="0" err="1"/>
+              <a:t>init.c</a:t>
+            </a:r>
+            <a:r>
+              <a:rPr lang="en" dirty="0"/>
+              <a:t> file (a C source code file) is used to define initial conditions, and boundary conditions.</a:t>
+            </a:r>
+            <a:endParaRPr dirty="0"/>
           </a:p>
         </p:txBody>
       </p:sp>
@@ -6773,12 +7637,12 @@
 </p:sld>
 </file>
 
-<file path=ppt/slides/slide3.xml><?xml version="1.0" encoding="utf-8"?>
-<p:sld xmlns:a="http://schemas.openxmlformats.org/drawingml/2006/main" xmlns:r="http://schemas.openxmlformats.org/officeDocument/2006/relationships" xmlns:mc="http://schemas.openxmlformats.org/markup-compatibility/2006" xmlns:mv="urn:schemas-microsoft-com:mac:vml" xmlns:p="http://schemas.openxmlformats.org/presentationml/2006/main" xmlns:c="http://schemas.openxmlformats.org/drawingml/2006/chart" xmlns:dgm="http://schemas.openxmlformats.org/drawingml/2006/diagram" xmlns:o="urn:schemas-microsoft-com:office:office" xmlns:v="urn:schemas-microsoft-com:vml" xmlns:pvml="urn:schemas-microsoft-com:office:powerpoint" xmlns:com="http://schemas.openxmlformats.org/drawingml/2006/compatibility" xmlns:p14="http://schemas.microsoft.com/office/powerpoint/2010/main" xmlns:p15="http://schemas.microsoft.com/office/powerpoint/2012/main" xmlns:ahyp="http://schemas.microsoft.com/office/drawing/2018/hyperlinkcolor">
+<file path=ppt/slides/slide4.xml><?xml version="1.0" encoding="utf-8"?>
+<p:sld xmlns:a="http://schemas.openxmlformats.org/drawingml/2006/main" xmlns:r="http://schemas.openxmlformats.org/officeDocument/2006/relationships" xmlns:p="http://schemas.openxmlformats.org/presentationml/2006/main">
   <p:cSld>
     <p:spTree>
       <p:nvGrpSpPr>
-        <p:cNvPr id="66" name="Shape 66"/>
+        <p:cNvPr id="1" name="Shape 66"/>
         <p:cNvGrpSpPr/>
         <p:nvPr/>
       </p:nvGrpSpPr>
@@ -6793,7 +7657,9 @@
       <p:sp>
         <p:nvSpPr>
           <p:cNvPr id="67" name="Google Shape;67;p15"/>
-          <p:cNvSpPr txBox="1"/>
+          <p:cNvSpPr txBox="1">
+            <a:spLocks noGrp="1"/>
+          </p:cNvSpPr>
           <p:nvPr>
             <p:ph type="title"/>
           </p:nvPr>
@@ -6808,12 +7674,12 @@
           </a:prstGeom>
         </p:spPr>
         <p:txBody>
-          <a:bodyPr anchorCtr="0" anchor="t" bIns="91425" lIns="91425" spcFirstLastPara="1" rIns="91425" wrap="square" tIns="91425">
+          <a:bodyPr spcFirstLastPara="1" wrap="square" lIns="91425" tIns="91425" rIns="91425" bIns="91425" anchor="t" anchorCtr="0">
             <a:noAutofit/>
           </a:bodyPr>
           <a:lstStyle/>
           <a:p>
-            <a:pPr indent="0" lvl="0" marL="0" rtl="0" algn="l">
+            <a:pPr marL="0" lvl="0" indent="0" algn="l" rtl="0">
               <a:spcBef>
                 <a:spcPts val="0"/>
               </a:spcBef>
@@ -6833,9 +7699,11 @@
       <p:sp>
         <p:nvSpPr>
           <p:cNvPr id="68" name="Google Shape;68;p15"/>
-          <p:cNvSpPr txBox="1"/>
+          <p:cNvSpPr txBox="1">
+            <a:spLocks noGrp="1"/>
+          </p:cNvSpPr>
           <p:nvPr>
-            <p:ph idx="1" type="body"/>
+            <p:ph type="body" idx="1"/>
           </p:nvPr>
         </p:nvSpPr>
         <p:spPr>
@@ -6848,12 +7716,12 @@
           </a:prstGeom>
         </p:spPr>
         <p:txBody>
-          <a:bodyPr anchorCtr="0" anchor="t" bIns="91425" lIns="91425" spcFirstLastPara="1" rIns="91425" wrap="square" tIns="91425">
+          <a:bodyPr spcFirstLastPara="1" wrap="square" lIns="91425" tIns="91425" rIns="91425" bIns="91425" anchor="t" anchorCtr="0">
             <a:noAutofit/>
           </a:bodyPr>
           <a:lstStyle/>
           <a:p>
-            <a:pPr indent="0" lvl="0" marL="0" rtl="0" algn="l">
+            <a:pPr marL="0" lvl="0" indent="0" algn="l" rtl="0">
               <a:spcBef>
                 <a:spcPts val="0"/>
               </a:spcBef>
@@ -6869,7 +7737,7 @@
             <a:endParaRPr sz="1700"/>
           </a:p>
           <a:p>
-            <a:pPr indent="0" lvl="0" marL="0" rtl="0" algn="l">
+            <a:pPr marL="0" lvl="0" indent="0" algn="l" rtl="0">
               <a:spcBef>
                 <a:spcPts val="1600"/>
               </a:spcBef>
@@ -6885,7 +7753,7 @@
             <a:endParaRPr sz="1700"/>
           </a:p>
           <a:p>
-            <a:pPr indent="0" lvl="0" marL="0" rtl="0" algn="l">
+            <a:pPr marL="0" lvl="0" indent="0" algn="l" rtl="0">
               <a:spcBef>
                 <a:spcPts val="1600"/>
               </a:spcBef>
@@ -6896,16 +7764,12 @@
             </a:pPr>
             <a:r>
               <a:rPr lang="en" sz="1700"/>
-              <a:t>In today’s lesson we will consider a simple initial condition: an interface separating two fluids with different densities in hydrostatic balance. Though simple to start, this leads to a classic phenomenon called the </a:t>
-            </a:r>
-            <a:r>
-              <a:rPr lang="en" sz="1700"/>
-              <a:t>Rayleigh–Taylor instability.</a:t>
+              <a:t>In today’s lesson we will consider a simple initial condition: an interface separating two fluids with different densities in hydrostatic balance. Though simple to start, this leads to a classic phenomenon called the Rayleigh–Taylor instability.</a:t>
             </a:r>
             <a:endParaRPr sz="1700"/>
           </a:p>
           <a:p>
-            <a:pPr indent="0" lvl="0" marL="0" rtl="0" algn="l">
+            <a:pPr marL="0" lvl="0" indent="0" algn="l" rtl="0">
               <a:spcBef>
                 <a:spcPts val="1600"/>
               </a:spcBef>
@@ -6916,11 +7780,7 @@
             </a:pPr>
             <a:r>
               <a:rPr lang="en" sz="1700"/>
-              <a:t>For example, w</a:t>
-            </a:r>
-            <a:r>
-              <a:rPr lang="en" sz="1700"/>
-              <a:t>ater, which is denser than oil, is suspended atop oil. We model the problem with two plane-parallel layers of fluid; both fluids subject to the Earth's gravity.</a:t>
+              <a:t>For example, water, which is denser than oil, is suspended atop oil. We model the problem with two plane-parallel layers of fluid; both fluids subject to the Earth's gravity.</a:t>
             </a:r>
             <a:endParaRPr sz="1700"/>
           </a:p>
@@ -6934,12 +7794,12 @@
 </p:sld>
 </file>
 
-<file path=ppt/slides/slide4.xml><?xml version="1.0" encoding="utf-8"?>
-<p:sld xmlns:a="http://schemas.openxmlformats.org/drawingml/2006/main" xmlns:r="http://schemas.openxmlformats.org/officeDocument/2006/relationships" xmlns:mc="http://schemas.openxmlformats.org/markup-compatibility/2006" xmlns:mv="urn:schemas-microsoft-com:mac:vml" xmlns:p="http://schemas.openxmlformats.org/presentationml/2006/main" xmlns:c="http://schemas.openxmlformats.org/drawingml/2006/chart" xmlns:dgm="http://schemas.openxmlformats.org/drawingml/2006/diagram" xmlns:o="urn:schemas-microsoft-com:office:office" xmlns:v="urn:schemas-microsoft-com:vml" xmlns:pvml="urn:schemas-microsoft-com:office:powerpoint" xmlns:com="http://schemas.openxmlformats.org/drawingml/2006/compatibility" xmlns:p14="http://schemas.microsoft.com/office/powerpoint/2010/main" xmlns:p15="http://schemas.microsoft.com/office/powerpoint/2012/main" xmlns:ahyp="http://schemas.microsoft.com/office/drawing/2018/hyperlinkcolor">
+<file path=ppt/slides/slide5.xml><?xml version="1.0" encoding="utf-8"?>
+<p:sld xmlns:a="http://schemas.openxmlformats.org/drawingml/2006/main" xmlns:r="http://schemas.openxmlformats.org/officeDocument/2006/relationships" xmlns:p="http://schemas.openxmlformats.org/presentationml/2006/main">
   <p:cSld>
     <p:spTree>
       <p:nvGrpSpPr>
-        <p:cNvPr id="72" name="Shape 72"/>
+        <p:cNvPr id="1" name="Shape 72"/>
         <p:cNvGrpSpPr/>
         <p:nvPr/>
       </p:nvGrpSpPr>
@@ -6954,7 +7814,9 @@
       <p:sp>
         <p:nvSpPr>
           <p:cNvPr id="73" name="Google Shape;73;p16"/>
-          <p:cNvSpPr txBox="1"/>
+          <p:cNvSpPr txBox="1">
+            <a:spLocks noGrp="1"/>
+          </p:cNvSpPr>
           <p:nvPr>
             <p:ph type="title"/>
           </p:nvPr>
@@ -6969,12 +7831,12 @@
           </a:prstGeom>
         </p:spPr>
         <p:txBody>
-          <a:bodyPr anchorCtr="0" anchor="t" bIns="91425" lIns="91425" spcFirstLastPara="1" rIns="91425" wrap="square" tIns="91425">
+          <a:bodyPr spcFirstLastPara="1" wrap="square" lIns="91425" tIns="91425" rIns="91425" bIns="91425" anchor="t" anchorCtr="0">
             <a:noAutofit/>
           </a:bodyPr>
           <a:lstStyle/>
           <a:p>
-            <a:pPr indent="0" lvl="0" marL="0" rtl="0" algn="l">
+            <a:pPr marL="0" lvl="0" indent="0" algn="l" rtl="0">
               <a:spcBef>
                 <a:spcPts val="0"/>
               </a:spcBef>
@@ -6985,11 +7847,7 @@
             </a:pPr>
             <a:r>
               <a:rPr lang="en"/>
-              <a:t>Boundary</a:t>
-            </a:r>
-            <a:r>
-              <a:rPr lang="en"/>
-              <a:t> Conditions</a:t>
+              <a:t>Boundary Conditions</a:t>
             </a:r>
             <a:endParaRPr/>
           </a:p>
@@ -6998,9 +7856,11 @@
       <p:sp>
         <p:nvSpPr>
           <p:cNvPr id="74" name="Google Shape;74;p16"/>
-          <p:cNvSpPr txBox="1"/>
+          <p:cNvSpPr txBox="1">
+            <a:spLocks noGrp="1"/>
+          </p:cNvSpPr>
           <p:nvPr>
-            <p:ph idx="1" type="body"/>
+            <p:ph type="body" idx="1"/>
           </p:nvPr>
         </p:nvSpPr>
         <p:spPr>
@@ -7013,12 +7873,12 @@
           </a:prstGeom>
         </p:spPr>
         <p:txBody>
-          <a:bodyPr anchorCtr="0" anchor="t" bIns="91425" lIns="91425" spcFirstLastPara="1" rIns="91425" wrap="square" tIns="91425">
+          <a:bodyPr spcFirstLastPara="1" wrap="square" lIns="91425" tIns="91425" rIns="91425" bIns="91425" anchor="t" anchorCtr="0">
             <a:noAutofit/>
           </a:bodyPr>
           <a:lstStyle/>
           <a:p>
-            <a:pPr indent="0" lvl="0" marL="0" rtl="0" algn="l">
+            <a:pPr marL="0" lvl="0" indent="0" algn="l" rtl="0">
               <a:spcBef>
                 <a:spcPts val="0"/>
               </a:spcBef>
@@ -7034,7 +7894,7 @@
             <a:endParaRPr sz="1700"/>
           </a:p>
           <a:p>
-            <a:pPr indent="0" lvl="0" marL="0" rtl="0" algn="l">
+            <a:pPr marL="0" lvl="0" indent="0" algn="l" rtl="0">
               <a:spcBef>
                 <a:spcPts val="1600"/>
               </a:spcBef>
@@ -7059,12 +7919,12 @@
 </p:sld>
 </file>
 
-<file path=ppt/slides/slide5.xml><?xml version="1.0" encoding="utf-8"?>
-<p:sld xmlns:a="http://schemas.openxmlformats.org/drawingml/2006/main" xmlns:r="http://schemas.openxmlformats.org/officeDocument/2006/relationships" xmlns:mc="http://schemas.openxmlformats.org/markup-compatibility/2006" xmlns:mv="urn:schemas-microsoft-com:mac:vml" xmlns:p="http://schemas.openxmlformats.org/presentationml/2006/main" xmlns:c="http://schemas.openxmlformats.org/drawingml/2006/chart" xmlns:dgm="http://schemas.openxmlformats.org/drawingml/2006/diagram" xmlns:o="urn:schemas-microsoft-com:office:office" xmlns:v="urn:schemas-microsoft-com:vml" xmlns:pvml="urn:schemas-microsoft-com:office:powerpoint" xmlns:com="http://schemas.openxmlformats.org/drawingml/2006/compatibility" xmlns:p14="http://schemas.microsoft.com/office/powerpoint/2010/main" xmlns:p15="http://schemas.microsoft.com/office/powerpoint/2012/main" xmlns:ahyp="http://schemas.microsoft.com/office/drawing/2018/hyperlinkcolor">
+<file path=ppt/slides/slide6.xml><?xml version="1.0" encoding="utf-8"?>
+<p:sld xmlns:a="http://schemas.openxmlformats.org/drawingml/2006/main" xmlns:r="http://schemas.openxmlformats.org/officeDocument/2006/relationships" xmlns:p="http://schemas.openxmlformats.org/presentationml/2006/main">
   <p:cSld>
     <p:spTree>
       <p:nvGrpSpPr>
-        <p:cNvPr id="78" name="Shape 78"/>
+        <p:cNvPr id="1" name="Shape 78"/>
         <p:cNvGrpSpPr/>
         <p:nvPr/>
       </p:nvGrpSpPr>
@@ -7079,7 +7939,9 @@
       <p:sp>
         <p:nvSpPr>
           <p:cNvPr id="79" name="Google Shape;79;p17"/>
-          <p:cNvSpPr txBox="1"/>
+          <p:cNvSpPr txBox="1">
+            <a:spLocks noGrp="1"/>
+          </p:cNvSpPr>
           <p:nvPr>
             <p:ph type="title"/>
           </p:nvPr>
@@ -7094,12 +7956,12 @@
           </a:prstGeom>
         </p:spPr>
         <p:txBody>
-          <a:bodyPr anchorCtr="0" anchor="t" bIns="91425" lIns="91425" spcFirstLastPara="1" rIns="91425" wrap="square" tIns="91425">
+          <a:bodyPr spcFirstLastPara="1" wrap="square" lIns="91425" tIns="91425" rIns="91425" bIns="91425" anchor="t" anchorCtr="0">
             <a:noAutofit/>
           </a:bodyPr>
           <a:lstStyle/>
           <a:p>
-            <a:pPr indent="0" lvl="0" marL="0" rtl="0" algn="l">
+            <a:pPr marL="0" lvl="0" indent="0" algn="l" rtl="0">
               <a:spcBef>
                 <a:spcPts val="0"/>
               </a:spcBef>
@@ -7119,9 +7981,11 @@
       <p:sp>
         <p:nvSpPr>
           <p:cNvPr id="80" name="Google Shape;80;p17"/>
-          <p:cNvSpPr txBox="1"/>
+          <p:cNvSpPr txBox="1">
+            <a:spLocks noGrp="1"/>
+          </p:cNvSpPr>
           <p:nvPr>
-            <p:ph idx="1" type="body"/>
+            <p:ph type="body" idx="1"/>
           </p:nvPr>
         </p:nvSpPr>
         <p:spPr>
@@ -7134,12 +7998,12 @@
           </a:prstGeom>
         </p:spPr>
         <p:txBody>
-          <a:bodyPr anchorCtr="0" anchor="t" bIns="91425" lIns="91425" spcFirstLastPara="1" rIns="91425" wrap="square" tIns="91425">
+          <a:bodyPr spcFirstLastPara="1" wrap="square" lIns="91425" tIns="91425" rIns="91425" bIns="91425" anchor="t" anchorCtr="0">
             <a:noAutofit/>
           </a:bodyPr>
           <a:lstStyle/>
           <a:p>
-            <a:pPr indent="0" lvl="0" marL="0" rtl="0" algn="l">
+            <a:pPr marL="0" lvl="0" indent="0" algn="l" rtl="0">
               <a:spcBef>
                 <a:spcPts val="0"/>
               </a:spcBef>
@@ -7164,12 +8028,12 @@
 </p:sld>
 </file>
 
-<file path=ppt/slides/slide6.xml><?xml version="1.0" encoding="utf-8"?>
-<p:sld xmlns:a="http://schemas.openxmlformats.org/drawingml/2006/main" xmlns:r="http://schemas.openxmlformats.org/officeDocument/2006/relationships" xmlns:mc="http://schemas.openxmlformats.org/markup-compatibility/2006" xmlns:mv="urn:schemas-microsoft-com:mac:vml" xmlns:p="http://schemas.openxmlformats.org/presentationml/2006/main" xmlns:c="http://schemas.openxmlformats.org/drawingml/2006/chart" xmlns:dgm="http://schemas.openxmlformats.org/drawingml/2006/diagram" xmlns:o="urn:schemas-microsoft-com:office:office" xmlns:v="urn:schemas-microsoft-com:vml" xmlns:pvml="urn:schemas-microsoft-com:office:powerpoint" xmlns:com="http://schemas.openxmlformats.org/drawingml/2006/compatibility" xmlns:p14="http://schemas.microsoft.com/office/powerpoint/2010/main" xmlns:p15="http://schemas.microsoft.com/office/powerpoint/2012/main" xmlns:ahyp="http://schemas.microsoft.com/office/drawing/2018/hyperlinkcolor">
+<file path=ppt/slides/slide7.xml><?xml version="1.0" encoding="utf-8"?>
+<p:sld xmlns:a="http://schemas.openxmlformats.org/drawingml/2006/main" xmlns:r="http://schemas.openxmlformats.org/officeDocument/2006/relationships" xmlns:p="http://schemas.openxmlformats.org/presentationml/2006/main">
   <p:cSld>
     <p:spTree>
       <p:nvGrpSpPr>
-        <p:cNvPr id="84" name="Shape 84"/>
+        <p:cNvPr id="1" name="Shape 84"/>
         <p:cNvGrpSpPr/>
         <p:nvPr/>
       </p:nvGrpSpPr>
@@ -7184,7 +8048,9 @@
       <p:sp>
         <p:nvSpPr>
           <p:cNvPr id="85" name="Google Shape;85;p18"/>
-          <p:cNvSpPr txBox="1"/>
+          <p:cNvSpPr txBox="1">
+            <a:spLocks noGrp="1"/>
+          </p:cNvSpPr>
           <p:nvPr>
             <p:ph type="title"/>
           </p:nvPr>
@@ -7199,12 +8065,12 @@
           </a:prstGeom>
         </p:spPr>
         <p:txBody>
-          <a:bodyPr anchorCtr="0" anchor="t" bIns="91425" lIns="91425" spcFirstLastPara="1" rIns="91425" wrap="square" tIns="91425">
+          <a:bodyPr spcFirstLastPara="1" wrap="square" lIns="91425" tIns="91425" rIns="91425" bIns="91425" anchor="t" anchorCtr="0">
             <a:noAutofit/>
           </a:bodyPr>
           <a:lstStyle/>
           <a:p>
-            <a:pPr indent="0" lvl="0" marL="0" rtl="0" algn="l">
+            <a:pPr marL="0" lvl="0" indent="0" algn="l" rtl="0">
               <a:spcBef>
                 <a:spcPts val="0"/>
               </a:spcBef>
@@ -7229,9 +8095,11 @@
       <p:sp>
         <p:nvSpPr>
           <p:cNvPr id="86" name="Google Shape;86;p18"/>
-          <p:cNvSpPr txBox="1"/>
+          <p:cNvSpPr txBox="1">
+            <a:spLocks noGrp="1"/>
+          </p:cNvSpPr>
           <p:nvPr>
-            <p:ph idx="1" type="body"/>
+            <p:ph type="body" idx="1"/>
           </p:nvPr>
         </p:nvSpPr>
         <p:spPr>
@@ -7244,12 +8112,12 @@
           </a:prstGeom>
         </p:spPr>
         <p:txBody>
-          <a:bodyPr anchorCtr="0" anchor="t" bIns="91425" lIns="91425" spcFirstLastPara="1" rIns="91425" wrap="square" tIns="91425">
+          <a:bodyPr spcFirstLastPara="1" wrap="square" lIns="91425" tIns="91425" rIns="91425" bIns="91425" anchor="t" anchorCtr="0">
             <a:noAutofit/>
           </a:bodyPr>
           <a:lstStyle/>
           <a:p>
-            <a:pPr indent="0" lvl="0" marL="0" rtl="0" algn="l">
+            <a:pPr marL="0" lvl="0" indent="0" algn="l" rtl="0">
               <a:spcBef>
                 <a:spcPts val="0"/>
               </a:spcBef>
@@ -7265,7 +8133,7 @@
             <a:endParaRPr/>
           </a:p>
           <a:p>
-            <a:pPr indent="0" lvl="0" marL="0" rtl="0" algn="l">
+            <a:pPr marL="0" lvl="0" indent="0" algn="l" rtl="0">
               <a:spcBef>
                 <a:spcPts val="1600"/>
               </a:spcBef>
@@ -7281,7 +8149,7 @@
             <a:endParaRPr/>
           </a:p>
           <a:p>
-            <a:pPr indent="0" lvl="0" marL="0" rtl="0" algn="l">
+            <a:pPr marL="0" lvl="0" indent="0" algn="l" rtl="0">
               <a:spcBef>
                 <a:spcPts val="1600"/>
               </a:spcBef>
@@ -7297,7 +8165,7 @@
             <a:endParaRPr/>
           </a:p>
           <a:p>
-            <a:pPr indent="0" lvl="0" marL="0" rtl="0" algn="l">
+            <a:pPr marL="0" lvl="0" indent="0" algn="l" rtl="0">
               <a:spcBef>
                 <a:spcPts val="1600"/>
               </a:spcBef>
@@ -7322,7 +8190,7 @@
             <a:endParaRPr/>
           </a:p>
           <a:p>
-            <a:pPr indent="0" lvl="0" marL="0" rtl="0" algn="l">
+            <a:pPr marL="0" lvl="0" indent="0" algn="l" rtl="0">
               <a:spcBef>
                 <a:spcPts val="1600"/>
               </a:spcBef>
@@ -7331,9 +8199,6 @@
               </a:spcAft>
               <a:buNone/>
             </a:pPr>
-            <a:r>
-              <a:t/>
-            </a:r>
             <a:endParaRPr/>
           </a:p>
         </p:txBody>
@@ -7346,12 +8211,12 @@
 </p:sld>
 </file>
 
-<file path=ppt/slides/slide7.xml><?xml version="1.0" encoding="utf-8"?>
-<p:sld xmlns:a="http://schemas.openxmlformats.org/drawingml/2006/main" xmlns:r="http://schemas.openxmlformats.org/officeDocument/2006/relationships" xmlns:mc="http://schemas.openxmlformats.org/markup-compatibility/2006" xmlns:mv="urn:schemas-microsoft-com:mac:vml" xmlns:p="http://schemas.openxmlformats.org/presentationml/2006/main" xmlns:c="http://schemas.openxmlformats.org/drawingml/2006/chart" xmlns:dgm="http://schemas.openxmlformats.org/drawingml/2006/diagram" xmlns:o="urn:schemas-microsoft-com:office:office" xmlns:v="urn:schemas-microsoft-com:vml" xmlns:pvml="urn:schemas-microsoft-com:office:powerpoint" xmlns:com="http://schemas.openxmlformats.org/drawingml/2006/compatibility" xmlns:p14="http://schemas.microsoft.com/office/powerpoint/2010/main" xmlns:p15="http://schemas.microsoft.com/office/powerpoint/2012/main" xmlns:ahyp="http://schemas.microsoft.com/office/drawing/2018/hyperlinkcolor">
+<file path=ppt/slides/slide8.xml><?xml version="1.0" encoding="utf-8"?>
+<p:sld xmlns:a="http://schemas.openxmlformats.org/drawingml/2006/main" xmlns:r="http://schemas.openxmlformats.org/officeDocument/2006/relationships" xmlns:p="http://schemas.openxmlformats.org/presentationml/2006/main">
   <p:cSld>
     <p:spTree>
       <p:nvGrpSpPr>
-        <p:cNvPr id="90" name="Shape 90"/>
+        <p:cNvPr id="1" name="Shape 90"/>
         <p:cNvGrpSpPr/>
         <p:nvPr/>
       </p:nvGrpSpPr>
@@ -7366,7 +8231,9 @@
       <p:sp>
         <p:nvSpPr>
           <p:cNvPr id="91" name="Google Shape;91;p19"/>
-          <p:cNvSpPr txBox="1"/>
+          <p:cNvSpPr txBox="1">
+            <a:spLocks noGrp="1"/>
+          </p:cNvSpPr>
           <p:nvPr>
             <p:ph type="title"/>
           </p:nvPr>
@@ -7381,12 +8248,12 @@
           </a:prstGeom>
         </p:spPr>
         <p:txBody>
-          <a:bodyPr anchorCtr="0" anchor="t" bIns="91425" lIns="91425" spcFirstLastPara="1" rIns="91425" wrap="square" tIns="91425">
+          <a:bodyPr spcFirstLastPara="1" wrap="square" lIns="91425" tIns="91425" rIns="91425" bIns="91425" anchor="t" anchorCtr="0">
             <a:noAutofit/>
           </a:bodyPr>
           <a:lstStyle/>
           <a:p>
-            <a:pPr indent="0" lvl="0" marL="0" rtl="0" algn="l">
+            <a:pPr marL="0" lvl="0" indent="0" algn="l" rtl="0">
               <a:spcBef>
                 <a:spcPts val="0"/>
               </a:spcBef>
@@ -7411,9 +8278,11 @@
       <p:sp>
         <p:nvSpPr>
           <p:cNvPr id="92" name="Google Shape;92;p19"/>
-          <p:cNvSpPr txBox="1"/>
+          <p:cNvSpPr txBox="1">
+            <a:spLocks noGrp="1"/>
+          </p:cNvSpPr>
           <p:nvPr>
-            <p:ph idx="1" type="body"/>
+            <p:ph type="body" idx="1"/>
           </p:nvPr>
         </p:nvSpPr>
         <p:spPr>
@@ -7426,12 +8295,12 @@
           </a:prstGeom>
         </p:spPr>
         <p:txBody>
-          <a:bodyPr anchorCtr="0" anchor="t" bIns="91425" lIns="91425" spcFirstLastPara="1" rIns="91425" wrap="square" tIns="91425">
+          <a:bodyPr spcFirstLastPara="1" wrap="square" lIns="91425" tIns="91425" rIns="91425" bIns="91425" anchor="t" anchorCtr="0">
             <a:noAutofit/>
           </a:bodyPr>
           <a:lstStyle/>
           <a:p>
-            <a:pPr indent="0" lvl="0" marL="0" rtl="0" algn="l">
+            <a:pPr marL="0" lvl="0" indent="0" algn="l" rtl="0">
               <a:spcBef>
                 <a:spcPts val="0"/>
               </a:spcBef>
@@ -7447,7 +8316,7 @@
             <a:endParaRPr sz="1700"/>
           </a:p>
           <a:p>
-            <a:pPr indent="0" lvl="0" marL="0" rtl="0" algn="l">
+            <a:pPr marL="0" lvl="0" indent="0" algn="l" rtl="0">
               <a:spcBef>
                 <a:spcPts val="1600"/>
               </a:spcBef>
@@ -7461,7 +8330,7 @@
               <a:t>Note the swirls that form along the interface between the denser blue fluid and the lighter yellow fluid. This is caused by velocity </a:t>
             </a:r>
             <a:r>
-              <a:rPr b="1" lang="en" sz="1700"/>
+              <a:rPr lang="en" sz="1700" b="1"/>
               <a:t>shear</a:t>
             </a:r>
             <a:r>
@@ -7474,7 +8343,7 @@
       </p:sp>
       <p:pic>
         <p:nvPicPr>
-          <p:cNvPr descr="Hydrodynamic simulation of the Rayleigh–Taylor instability. Government source: Shengtai Li, Hui Li, 15 April 2006, &quot;Parallel AMR Code for Compressible MHD or HD Equations&quot;" id="93" name="Google Shape;93;p19" title="https://upload.wikimedia.org/wikipedia/commons/thumb/d/d6/HD-Rayleigh-Taylor.gif/986px-HD-Rayleigh-Taylor.gif"/>
+          <p:cNvPr id="93" name="Google Shape;93;p19" descr="Hydrodynamic simulation of the Rayleigh–Taylor instability. Government source: Shengtai Li, Hui Li, 15 April 2006, &quot;Parallel AMR Code for Compressible MHD or HD Equations&quot;" title="https://upload.wikimedia.org/wikipedia/commons/thumb/d/d6/HD-Rayleigh-Taylor.gif/986px-HD-Rayleigh-Taylor.gif"/>
           <p:cNvPicPr preferRelativeResize="0"/>
           <p:nvPr/>
         </p:nvPicPr>
@@ -7515,14 +8384,14 @@
             <a:avLst/>
           </a:prstGeom>
           <a:noFill/>
-          <a:ln cap="flat" cmpd="sng" w="9525">
+          <a:ln w="9525" cap="flat" cmpd="sng">
             <a:solidFill>
               <a:srgbClr val="FF0000"/>
             </a:solidFill>
             <a:prstDash val="solid"/>
             <a:round/>
-            <a:headEnd len="med" w="med" type="none"/>
-            <a:tailEnd len="med" w="med" type="triangle"/>
+            <a:headEnd type="none" w="med" len="med"/>
+            <a:tailEnd type="triangle" w="med" len="med"/>
           </a:ln>
         </p:spPr>
       </p:cxnSp>
@@ -7534,12 +8403,12 @@
 </p:sld>
 </file>
 
-<file path=ppt/slides/slide8.xml><?xml version="1.0" encoding="utf-8"?>
-<p:sld xmlns:a="http://schemas.openxmlformats.org/drawingml/2006/main" xmlns:r="http://schemas.openxmlformats.org/officeDocument/2006/relationships" xmlns:mc="http://schemas.openxmlformats.org/markup-compatibility/2006" xmlns:mv="urn:schemas-microsoft-com:mac:vml" xmlns:p="http://schemas.openxmlformats.org/presentationml/2006/main" xmlns:c="http://schemas.openxmlformats.org/drawingml/2006/chart" xmlns:dgm="http://schemas.openxmlformats.org/drawingml/2006/diagram" xmlns:o="urn:schemas-microsoft-com:office:office" xmlns:v="urn:schemas-microsoft-com:vml" xmlns:pvml="urn:schemas-microsoft-com:office:powerpoint" xmlns:com="http://schemas.openxmlformats.org/drawingml/2006/compatibility" xmlns:p14="http://schemas.microsoft.com/office/powerpoint/2010/main" xmlns:p15="http://schemas.microsoft.com/office/powerpoint/2012/main" xmlns:ahyp="http://schemas.microsoft.com/office/drawing/2018/hyperlinkcolor">
+<file path=ppt/slides/slide9.xml><?xml version="1.0" encoding="utf-8"?>
+<p:sld xmlns:a="http://schemas.openxmlformats.org/drawingml/2006/main" xmlns:r="http://schemas.openxmlformats.org/officeDocument/2006/relationships" xmlns:p="http://schemas.openxmlformats.org/presentationml/2006/main">
   <p:cSld>
     <p:spTree>
       <p:nvGrpSpPr>
-        <p:cNvPr id="98" name="Shape 98"/>
+        <p:cNvPr id="1" name="Shape 98"/>
         <p:cNvGrpSpPr/>
         <p:nvPr/>
       </p:nvGrpSpPr>
@@ -7554,7 +8423,9 @@
       <p:sp>
         <p:nvSpPr>
           <p:cNvPr id="99" name="Google Shape;99;p20"/>
-          <p:cNvSpPr txBox="1"/>
+          <p:cNvSpPr txBox="1">
+            <a:spLocks noGrp="1"/>
+          </p:cNvSpPr>
           <p:nvPr>
             <p:ph type="title"/>
           </p:nvPr>
@@ -7569,12 +8440,12 @@
           </a:prstGeom>
         </p:spPr>
         <p:txBody>
-          <a:bodyPr anchorCtr="0" anchor="t" bIns="91425" lIns="91425" spcFirstLastPara="1" rIns="91425" wrap="square" tIns="91425">
+          <a:bodyPr spcFirstLastPara="1" wrap="square" lIns="91425" tIns="91425" rIns="91425" bIns="91425" anchor="t" anchorCtr="0">
             <a:noAutofit/>
           </a:bodyPr>
           <a:lstStyle/>
           <a:p>
-            <a:pPr indent="0" lvl="0" marL="0" rtl="0" algn="l">
+            <a:pPr marL="0" lvl="0" indent="0" algn="l" rtl="0">
               <a:spcBef>
                 <a:spcPts val="0"/>
               </a:spcBef>
@@ -7585,11 +8456,7 @@
             </a:pPr>
             <a:r>
               <a:rPr lang="en"/>
-              <a:t>The </a:t>
-            </a:r>
-            <a:r>
-              <a:rPr lang="en"/>
-              <a:t>Kelvin-Helmholtz Instability</a:t>
+              <a:t>The Kelvin-Helmholtz Instability</a:t>
             </a:r>
             <a:endParaRPr/>
           </a:p>
@@ -7597,7 +8464,7 @@
       </p:sp>
       <p:pic>
         <p:nvPicPr>
-          <p:cNvPr descr="Spatially developing 2D Kelvin-Helmholtz instability at low Reynolds number. Small perturbations, imposed at the inlet on the tangential velocity, evolve in the computational box. Credit: NDF,  https://upload.wikimedia.org/wikipedia/commons/8/81/Spatial_KH_2D_vorticity.gif" id="100" name="Google Shape;100;p20" title="Spatial KH 2D vorticity.gif"/>
+          <p:cNvPr id="100" name="Google Shape;100;p20" descr="Spatially developing 2D Kelvin-Helmholtz instability at low Reynolds number. Small perturbations, imposed at the inlet on the tangential velocity, evolve in the computational box. Credit: NDF,  https://upload.wikimedia.org/wikipedia/commons/8/81/Spatial_KH_2D_vorticity.gif" title="Spatial KH 2D vorticity.gif"/>
           <p:cNvPicPr preferRelativeResize="0"/>
           <p:nvPr/>
         </p:nvPicPr>
@@ -7625,7 +8492,7 @@
       </p:pic>
       <p:pic>
         <p:nvPicPr>
-          <p:cNvPr descr="Image Credit: NASA, ESA, and A. Simon (Goddard Space Flight Center)" id="101" name="Google Shape;101;p20" title="Jupiter: Hubble Space Telescope WFC3 taken in 2014 "/>
+          <p:cNvPr id="101" name="Google Shape;101;p20" descr="Image Credit: NASA, ESA, and A. Simon (Goddard Space Flight Center)" title="Jupiter: Hubble Space Telescope WFC3 taken in 2014 "/>
           <p:cNvPicPr preferRelativeResize="0"/>
           <p:nvPr/>
         </p:nvPicPr>
@@ -7671,12 +8538,12 @@
           </a:ln>
         </p:spPr>
         <p:txBody>
-          <a:bodyPr anchorCtr="0" anchor="t" bIns="91425" lIns="91425" spcFirstLastPara="1" rIns="91425" wrap="square" tIns="91425">
+          <a:bodyPr spcFirstLastPara="1" wrap="square" lIns="91425" tIns="91425" rIns="91425" bIns="91425" anchor="t" anchorCtr="0">
             <a:noAutofit/>
           </a:bodyPr>
           <a:lstStyle/>
           <a:p>
-            <a:pPr indent="0" lvl="0" marL="0" rtl="0" algn="l">
+            <a:pPr marL="0" lvl="0" indent="0" algn="l" rtl="0">
               <a:spcBef>
                 <a:spcPts val="0"/>
               </a:spcBef>
@@ -7685,9 +8552,6 @@
               </a:spcAft>
               <a:buNone/>
             </a:pPr>
-            <a:r>
-              <a:t/>
-            </a:r>
             <a:endParaRPr/>
           </a:p>
         </p:txBody>
@@ -7712,12 +8576,12 @@
           </a:ln>
         </p:spPr>
         <p:txBody>
-          <a:bodyPr anchorCtr="0" anchor="t" bIns="91425" lIns="91425" spcFirstLastPara="1" rIns="91425" wrap="square" tIns="91425">
+          <a:bodyPr spcFirstLastPara="1" wrap="square" lIns="91425" tIns="91425" rIns="91425" bIns="91425" anchor="t" anchorCtr="0">
             <a:noAutofit/>
           </a:bodyPr>
           <a:lstStyle/>
           <a:p>
-            <a:pPr indent="0" lvl="0" marL="0" rtl="0" algn="l">
+            <a:pPr marL="0" lvl="0" indent="0" algn="l" rtl="0">
               <a:spcBef>
                 <a:spcPts val="0"/>
               </a:spcBef>
@@ -7729,6 +8593,10 @@
             <a:r>
               <a:rPr lang="en" sz="1200"/>
               <a:t>“Spatially developing 2D Kelvin-Helmholtz instability at low Reynolds number. Small perturbations, imposed at the inlet on the tangential velocity, evolve in the computational box. High Reynolds number would be marked with an increase of small scale motions.” - Wikipedia</a:t>
+            </a:r>
+            <a:r>
+              <a:rPr lang="en" sz="1300"/>
+              <a:t/>
             </a:r>
             <a:br>
               <a:rPr lang="en" sz="1300"/>
@@ -7757,12 +8625,12 @@
           </a:ln>
         </p:spPr>
         <p:txBody>
-          <a:bodyPr anchorCtr="0" anchor="t" bIns="91425" lIns="91425" spcFirstLastPara="1" rIns="91425" wrap="square" tIns="91425">
+          <a:bodyPr spcFirstLastPara="1" wrap="square" lIns="91425" tIns="91425" rIns="91425" bIns="91425" anchor="t" anchorCtr="0">
             <a:noAutofit/>
           </a:bodyPr>
           <a:lstStyle/>
           <a:p>
-            <a:pPr indent="0" lvl="0" marL="0" rtl="0" algn="l">
+            <a:pPr marL="0" lvl="0" indent="0" algn="l" rtl="0">
               <a:spcBef>
                 <a:spcPts val="0"/>
               </a:spcBef>
@@ -7773,11 +8641,7 @@
             </a:pPr>
             <a:r>
               <a:rPr lang="en" sz="1200"/>
-              <a:t>The cloud layers on Jupiter are stratified in latitude creating alternating bands. The bands flow in opposite directions, creating shear at the interface. The resulting </a:t>
-            </a:r>
-            <a:r>
-              <a:rPr lang="en" sz="1200"/>
-              <a:t>Kelvin-Helmholtz instability creates the swirls seen here in Jupiter’s upper atmosphere. Image credit: NASA/ESA/GSFC</a:t>
+              <a:t>The cloud layers on Jupiter are stratified in latitude creating alternating bands. The bands flow in opposite directions, creating shear at the interface. The resulting Kelvin-Helmholtz instability creates the swirls seen here in Jupiter’s upper atmosphere. Image credit: NASA/ESA/GSFC</a:t>
             </a:r>
             <a:endParaRPr sz="1200"/>
           </a:p>
@@ -7791,363 +8655,289 @@
 </p:sld>
 </file>
 
-<file path=ppt/slides/slide9.xml><?xml version="1.0" encoding="utf-8"?>
-<p:sld xmlns:a="http://schemas.openxmlformats.org/drawingml/2006/main" xmlns:r="http://schemas.openxmlformats.org/officeDocument/2006/relationships" xmlns:mc="http://schemas.openxmlformats.org/markup-compatibility/2006" xmlns:mv="urn:schemas-microsoft-com:mac:vml" xmlns:p="http://schemas.openxmlformats.org/presentationml/2006/main" xmlns:c="http://schemas.openxmlformats.org/drawingml/2006/chart" xmlns:dgm="http://schemas.openxmlformats.org/drawingml/2006/diagram" xmlns:o="urn:schemas-microsoft-com:office:office" xmlns:v="urn:schemas-microsoft-com:vml" xmlns:pvml="urn:schemas-microsoft-com:office:powerpoint" xmlns:com="http://schemas.openxmlformats.org/drawingml/2006/compatibility" xmlns:p14="http://schemas.microsoft.com/office/powerpoint/2010/main" xmlns:p15="http://schemas.microsoft.com/office/powerpoint/2012/main" xmlns:ahyp="http://schemas.microsoft.com/office/drawing/2018/hyperlinkcolor">
-  <p:cSld>
-    <p:spTree>
-      <p:nvGrpSpPr>
-        <p:cNvPr id="108" name="Shape 108"/>
-        <p:cNvGrpSpPr/>
-        <p:nvPr/>
-      </p:nvGrpSpPr>
-      <p:grpSpPr>
-        <a:xfrm>
-          <a:off x="0" y="0"/>
-          <a:ext cx="0" cy="0"/>
-          <a:chOff x="0" y="0"/>
-          <a:chExt cx="0" cy="0"/>
-        </a:xfrm>
-      </p:grpSpPr>
-      <p:sp>
-        <p:nvSpPr>
-          <p:cNvPr id="109" name="Google Shape;109;p21"/>
-          <p:cNvSpPr txBox="1"/>
-          <p:nvPr>
-            <p:ph type="title"/>
-          </p:nvPr>
-        </p:nvSpPr>
-        <p:spPr>
-          <a:xfrm>
-            <a:off x="311700" y="363225"/>
-            <a:ext cx="8520600" cy="572700"/>
-          </a:xfrm>
-          <a:prstGeom prst="rect">
-            <a:avLst/>
-          </a:prstGeom>
-        </p:spPr>
-        <p:txBody>
-          <a:bodyPr anchorCtr="0" anchor="t" bIns="91425" lIns="91425" spcFirstLastPara="1" rIns="91425" wrap="square" tIns="91425">
-            <a:noAutofit/>
-          </a:bodyPr>
-          <a:lstStyle/>
-          <a:p>
-            <a:pPr indent="0" lvl="0" marL="0" rtl="0" algn="l">
-              <a:spcBef>
-                <a:spcPts val="0"/>
-              </a:spcBef>
-              <a:spcAft>
-                <a:spcPts val="0"/>
-              </a:spcAft>
-              <a:buNone/>
-            </a:pPr>
-            <a:r>
-              <a:rPr lang="en"/>
-              <a:t>11.4 Activity 1</a:t>
-            </a:r>
-            <a:endParaRPr/>
-          </a:p>
-        </p:txBody>
-      </p:sp>
-      <p:sp>
-        <p:nvSpPr>
-          <p:cNvPr id="110" name="Google Shape;110;p21"/>
-          <p:cNvSpPr txBox="1"/>
-          <p:nvPr>
-            <p:ph idx="1" type="body"/>
-          </p:nvPr>
-        </p:nvSpPr>
-        <p:spPr>
-          <a:xfrm>
-            <a:off x="311700" y="1021600"/>
-            <a:ext cx="8520600" cy="3820200"/>
-          </a:xfrm>
-          <a:prstGeom prst="rect">
-            <a:avLst/>
-          </a:prstGeom>
-        </p:spPr>
-        <p:txBody>
-          <a:bodyPr anchorCtr="0" anchor="t" bIns="91425" lIns="91425" spcFirstLastPara="1" rIns="91425" wrap="square" tIns="91425">
-            <a:noAutofit/>
-          </a:bodyPr>
-          <a:lstStyle/>
-          <a:p>
-            <a:pPr indent="0" lvl="0" marL="0" rtl="0" algn="l">
-              <a:spcBef>
-                <a:spcPts val="0"/>
-              </a:spcBef>
-              <a:spcAft>
-                <a:spcPts val="0"/>
-              </a:spcAft>
-              <a:buNone/>
-            </a:pPr>
-            <a:r>
-              <a:rPr lang="en" sz="1400"/>
-              <a:t>We will initialize, and run a set of PLUTO MPI simulations of the Rayleigh-Taylor Instability. See:</a:t>
-            </a:r>
-            <a:endParaRPr sz="1400"/>
-          </a:p>
-          <a:p>
-            <a:pPr indent="0" lvl="0" marL="0" rtl="0" algn="l">
-              <a:lnSpc>
-                <a:spcPct val="100000"/>
-              </a:lnSpc>
-              <a:spcBef>
-                <a:spcPts val="1600"/>
-              </a:spcBef>
-              <a:spcAft>
-                <a:spcPts val="0"/>
-              </a:spcAft>
-              <a:buNone/>
-            </a:pPr>
-            <a:r>
-              <a:rPr lang="en" sz="1400" u="sng">
-                <a:solidFill>
-                  <a:schemeClr val="hlink"/>
-                </a:solidFill>
-                <a:hlinkClick r:id="rId3"/>
-              </a:rPr>
-              <a:t>http://plutocode.ph.unito.it/Doxygen/Test_Problems/_m_h_d_2_rayleigh___taylor_2init_8c.html</a:t>
-            </a:r>
-            <a:endParaRPr sz="1400"/>
-          </a:p>
-          <a:p>
-            <a:pPr indent="0" lvl="0" marL="0" rtl="0" algn="l">
-              <a:lnSpc>
-                <a:spcPct val="100000"/>
-              </a:lnSpc>
-              <a:spcBef>
-                <a:spcPts val="0"/>
-              </a:spcBef>
-              <a:spcAft>
-                <a:spcPts val="0"/>
-              </a:spcAft>
-              <a:buNone/>
-            </a:pPr>
-            <a:r>
-              <a:t/>
-            </a:r>
-            <a:endParaRPr sz="1400"/>
-          </a:p>
-          <a:p>
-            <a:pPr indent="0" lvl="0" marL="0" rtl="0" algn="l">
-              <a:lnSpc>
-                <a:spcPct val="100000"/>
-              </a:lnSpc>
-              <a:spcBef>
-                <a:spcPts val="0"/>
-              </a:spcBef>
-              <a:spcAft>
-                <a:spcPts val="0"/>
-              </a:spcAft>
-              <a:buNone/>
-            </a:pPr>
-            <a:r>
-              <a:rPr lang="en" sz="1400"/>
-              <a:t>The problem can be setup in 2D or 3D, with or without a horizontal magnetic field, and with different time-stepping, and interpolation schemes.</a:t>
-            </a:r>
-            <a:endParaRPr sz="1400"/>
-          </a:p>
-          <a:p>
-            <a:pPr indent="0" lvl="0" marL="0" rtl="0" algn="l">
-              <a:lnSpc>
-                <a:spcPct val="100000"/>
-              </a:lnSpc>
-              <a:spcBef>
-                <a:spcPts val="0"/>
-              </a:spcBef>
-              <a:spcAft>
-                <a:spcPts val="0"/>
-              </a:spcAft>
-              <a:buNone/>
-            </a:pPr>
-            <a:r>
-              <a:t/>
-            </a:r>
-            <a:endParaRPr sz="1400"/>
-          </a:p>
-          <a:p>
-            <a:pPr indent="0" lvl="0" marL="0" rtl="0" algn="l">
-              <a:lnSpc>
-                <a:spcPct val="100000"/>
-              </a:lnSpc>
-              <a:spcBef>
-                <a:spcPts val="0"/>
-              </a:spcBef>
-              <a:spcAft>
-                <a:spcPts val="0"/>
-              </a:spcAft>
-              <a:buNone/>
-            </a:pPr>
-            <a:r>
-              <a:rPr lang="en" sz="1400"/>
-              <a:t>The system is destabilized by perturbing the vertical velocity in near the interface using a single mode perturbation (in 2D) or a Gaussian perturbation (in 3D). Alternatively, a random perturbation can be used by setting USE_RANDOM_PERTURBATION to YES in your definitions.h. The runtime parameters that are read from pluto.ini are:</a:t>
-            </a:r>
-            <a:endParaRPr sz="1400"/>
-          </a:p>
-          <a:p>
-            <a:pPr indent="0" lvl="0" marL="0" rtl="0" algn="l">
-              <a:lnSpc>
-                <a:spcPct val="100000"/>
-              </a:lnSpc>
-              <a:spcBef>
-                <a:spcPts val="0"/>
-              </a:spcBef>
-              <a:spcAft>
-                <a:spcPts val="0"/>
-              </a:spcAft>
-              <a:buNone/>
-            </a:pPr>
-            <a:r>
-              <a:t/>
-            </a:r>
-            <a:endParaRPr sz="1400"/>
-          </a:p>
-          <a:p>
-            <a:pPr indent="0" lvl="0" marL="0" rtl="0" algn="l">
-              <a:lnSpc>
-                <a:spcPct val="100000"/>
-              </a:lnSpc>
-              <a:spcBef>
-                <a:spcPts val="0"/>
-              </a:spcBef>
-              <a:spcAft>
-                <a:spcPts val="0"/>
-              </a:spcAft>
-              <a:buNone/>
-            </a:pPr>
-            <a:r>
-              <a:rPr lang="en" sz="1400"/>
-              <a:t>[ETA]: sets the density of the upper fluid;</a:t>
-            </a:r>
-            <a:endParaRPr sz="1400"/>
-          </a:p>
-          <a:p>
-            <a:pPr indent="0" lvl="0" marL="0" rtl="0" algn="l">
-              <a:lnSpc>
-                <a:spcPct val="100000"/>
-              </a:lnSpc>
-              <a:spcBef>
-                <a:spcPts val="0"/>
-              </a:spcBef>
-              <a:spcAft>
-                <a:spcPts val="0"/>
-              </a:spcAft>
-              <a:buNone/>
-            </a:pPr>
-            <a:r>
-              <a:rPr lang="en" sz="1400"/>
-              <a:t>[GRAV]: sets gravity (must be &lt; 0);</a:t>
-            </a:r>
-            <a:endParaRPr sz="1400"/>
-          </a:p>
-          <a:p>
-            <a:pPr indent="0" lvl="0" marL="0" rtl="0" algn="l">
-              <a:lnSpc>
-                <a:spcPct val="100000"/>
-              </a:lnSpc>
-              <a:spcBef>
-                <a:spcPts val="0"/>
-              </a:spcBef>
-              <a:spcAft>
-                <a:spcPts val="0"/>
-              </a:spcAft>
-              <a:buNone/>
-            </a:pPr>
-            <a:r>
-              <a:rPr lang="en" sz="1400"/>
-              <a:t>[CHI]: sets the magnetic field strength in units of the critical magnetic field Bc;</a:t>
-            </a:r>
-            <a:endParaRPr sz="1400"/>
-          </a:p>
-          <a:p>
-            <a:pPr indent="0" lvl="0" marL="0" rtl="0" algn="l">
-              <a:lnSpc>
-                <a:spcPct val="100000"/>
-              </a:lnSpc>
-              <a:spcBef>
-                <a:spcPts val="0"/>
-              </a:spcBef>
-              <a:spcAft>
-                <a:spcPts val="0"/>
-              </a:spcAft>
-              <a:buNone/>
-            </a:pPr>
-            <a:r>
-              <a:t/>
-            </a:r>
-            <a:endParaRPr sz="1400"/>
-          </a:p>
-          <a:p>
-            <a:pPr indent="0" lvl="0" marL="0" rtl="0" algn="l">
-              <a:lnSpc>
-                <a:spcPct val="100000"/>
-              </a:lnSpc>
-              <a:spcBef>
-                <a:spcPts val="0"/>
-              </a:spcBef>
-              <a:spcAft>
-                <a:spcPts val="0"/>
-              </a:spcAft>
-              <a:buNone/>
-            </a:pPr>
-            <a:r>
-              <a:t/>
-            </a:r>
-            <a:endParaRPr sz="1400"/>
-          </a:p>
-          <a:p>
-            <a:pPr indent="0" lvl="0" marL="0" rtl="0" algn="l">
-              <a:lnSpc>
-                <a:spcPct val="100000"/>
-              </a:lnSpc>
-              <a:spcBef>
-                <a:spcPts val="0"/>
-              </a:spcBef>
-              <a:spcAft>
-                <a:spcPts val="0"/>
-              </a:spcAft>
-              <a:buNone/>
-            </a:pPr>
-            <a:r>
-              <a:t/>
-            </a:r>
-            <a:endParaRPr/>
-          </a:p>
-          <a:p>
-            <a:pPr indent="0" lvl="0" marL="0" rtl="0" algn="l">
-              <a:lnSpc>
-                <a:spcPct val="100000"/>
-              </a:lnSpc>
-              <a:spcBef>
-                <a:spcPts val="0"/>
-              </a:spcBef>
-              <a:spcAft>
-                <a:spcPts val="0"/>
-              </a:spcAft>
-              <a:buClr>
-                <a:schemeClr val="dk1"/>
-              </a:buClr>
-              <a:buSzPts val="1100"/>
-              <a:buFont typeface="Arial"/>
-              <a:buNone/>
-            </a:pPr>
-            <a:r>
-              <a:t/>
-            </a:r>
-            <a:endParaRPr/>
-          </a:p>
-        </p:txBody>
-      </p:sp>
-    </p:spTree>
-  </p:cSld>
-  <p:clrMapOvr>
-    <a:masterClrMapping/>
-  </p:clrMapOvr>
-</p:sld>
+<file path=ppt/theme/theme1.xml><?xml version="1.0" encoding="utf-8"?>
+<a:theme xmlns:a="http://schemas.openxmlformats.org/drawingml/2006/main" name="Simple Light">
+  <a:themeElements>
+    <a:clrScheme name="Simple Light">
+      <a:dk1>
+        <a:srgbClr val="000000"/>
+      </a:dk1>
+      <a:lt1>
+        <a:srgbClr val="FFFFFF"/>
+      </a:lt1>
+      <a:dk2>
+        <a:srgbClr val="595959"/>
+      </a:dk2>
+      <a:lt2>
+        <a:srgbClr val="EEEEEE"/>
+      </a:lt2>
+      <a:accent1>
+        <a:srgbClr val="FFAB40"/>
+      </a:accent1>
+      <a:accent2>
+        <a:srgbClr val="212121"/>
+      </a:accent2>
+      <a:accent3>
+        <a:srgbClr val="78909C"/>
+      </a:accent3>
+      <a:accent4>
+        <a:srgbClr val="FFAB40"/>
+      </a:accent4>
+      <a:accent5>
+        <a:srgbClr val="0097A7"/>
+      </a:accent5>
+      <a:accent6>
+        <a:srgbClr val="EEFF41"/>
+      </a:accent6>
+      <a:hlink>
+        <a:srgbClr val="0097A7"/>
+      </a:hlink>
+      <a:folHlink>
+        <a:srgbClr val="0097A7"/>
+      </a:folHlink>
+    </a:clrScheme>
+    <a:fontScheme name="Office">
+      <a:majorFont>
+        <a:latin typeface="Arial"/>
+        <a:ea typeface=""/>
+        <a:cs typeface=""/>
+        <a:font script="Jpan" typeface="ＭＳ Ｐゴシック"/>
+        <a:font script="Hang" typeface="맑은 고딕"/>
+        <a:font script="Hans" typeface="宋体"/>
+        <a:font script="Hant" typeface="新細明體"/>
+        <a:font script="Arab" typeface="Times New Roman"/>
+        <a:font script="Hebr" typeface="Times New Roman"/>
+        <a:font script="Thai" typeface="Angsana New"/>
+        <a:font script="Ethi" typeface="Nyala"/>
+        <a:font script="Beng" typeface="Vrinda"/>
+        <a:font script="Gujr" typeface="Shruti"/>
+        <a:font script="Khmr" typeface="MoolBoran"/>
+        <a:font script="Knda" typeface="Tunga"/>
+        <a:font script="Guru" typeface="Raavi"/>
+        <a:font script="Cans" typeface="Euphemia"/>
+        <a:font script="Cher" typeface="Plantagenet Cherokee"/>
+        <a:font script="Yiii" typeface="Microsoft Yi Baiti"/>
+        <a:font script="Tibt" typeface="Microsoft Himalaya"/>
+        <a:font script="Thaa" typeface="MV Boli"/>
+        <a:font script="Deva" typeface="Mangal"/>
+        <a:font script="Telu" typeface="Gautami"/>
+        <a:font script="Taml" typeface="Latha"/>
+        <a:font script="Syrc" typeface="Estrangelo Edessa"/>
+        <a:font script="Orya" typeface="Kalinga"/>
+        <a:font script="Mlym" typeface="Kartika"/>
+        <a:font script="Laoo" typeface="DokChampa"/>
+        <a:font script="Sinh" typeface="Iskoola Pota"/>
+        <a:font script="Mong" typeface="Mongolian Baiti"/>
+        <a:font script="Viet" typeface="Times New Roman"/>
+        <a:font script="Uigh" typeface="Microsoft Uighur"/>
+        <a:font script="Geor" typeface="Sylfaen"/>
+      </a:majorFont>
+      <a:minorFont>
+        <a:latin typeface="Arial"/>
+        <a:ea typeface=""/>
+        <a:cs typeface=""/>
+        <a:font script="Jpan" typeface="ＭＳ Ｐゴシック"/>
+        <a:font script="Hang" typeface="맑은 고딕"/>
+        <a:font script="Hans" typeface="宋体"/>
+        <a:font script="Hant" typeface="新細明體"/>
+        <a:font script="Arab" typeface="Arial"/>
+        <a:font script="Hebr" typeface="Arial"/>
+        <a:font script="Thai" typeface="Cordia New"/>
+        <a:font script="Ethi" typeface="Nyala"/>
+        <a:font script="Beng" typeface="Vrinda"/>
+        <a:font script="Gujr" typeface="Shruti"/>
+        <a:font script="Khmr" typeface="DaunPenh"/>
+        <a:font script="Knda" typeface="Tunga"/>
+        <a:font script="Guru" typeface="Raavi"/>
+        <a:font script="Cans" typeface="Euphemia"/>
+        <a:font script="Cher" typeface="Plantagenet Cherokee"/>
+        <a:font script="Yiii" typeface="Microsoft Yi Baiti"/>
+        <a:font script="Tibt" typeface="Microsoft Himalaya"/>
+        <a:font script="Thaa" typeface="MV Boli"/>
+        <a:font script="Deva" typeface="Mangal"/>
+        <a:font script="Telu" typeface="Gautami"/>
+        <a:font script="Taml" typeface="Latha"/>
+        <a:font script="Syrc" typeface="Estrangelo Edessa"/>
+        <a:font script="Orya" typeface="Kalinga"/>
+        <a:font script="Mlym" typeface="Kartika"/>
+        <a:font script="Laoo" typeface="DokChampa"/>
+        <a:font script="Sinh" typeface="Iskoola Pota"/>
+        <a:font script="Mong" typeface="Mongolian Baiti"/>
+        <a:font script="Viet" typeface="Arial"/>
+        <a:font script="Uigh" typeface="Microsoft Uighur"/>
+        <a:font script="Geor" typeface="Sylfaen"/>
+      </a:minorFont>
+    </a:fontScheme>
+    <a:fmtScheme name="Office">
+      <a:fillStyleLst>
+        <a:solidFill>
+          <a:schemeClr val="phClr"/>
+        </a:solidFill>
+        <a:gradFill rotWithShape="1">
+          <a:gsLst>
+            <a:gs pos="0">
+              <a:schemeClr val="phClr">
+                <a:tint val="50000"/>
+                <a:satMod val="300000"/>
+              </a:schemeClr>
+            </a:gs>
+            <a:gs pos="35000">
+              <a:schemeClr val="phClr">
+                <a:tint val="37000"/>
+                <a:satMod val="300000"/>
+              </a:schemeClr>
+            </a:gs>
+            <a:gs pos="100000">
+              <a:schemeClr val="phClr">
+                <a:tint val="15000"/>
+                <a:satMod val="350000"/>
+              </a:schemeClr>
+            </a:gs>
+          </a:gsLst>
+          <a:lin ang="16200000" scaled="1"/>
+        </a:gradFill>
+        <a:gradFill rotWithShape="1">
+          <a:gsLst>
+            <a:gs pos="0">
+              <a:schemeClr val="phClr">
+                <a:tint val="100000"/>
+                <a:shade val="100000"/>
+                <a:satMod val="130000"/>
+              </a:schemeClr>
+            </a:gs>
+            <a:gs pos="100000">
+              <a:schemeClr val="phClr">
+                <a:tint val="50000"/>
+                <a:shade val="100000"/>
+                <a:satMod val="350000"/>
+              </a:schemeClr>
+            </a:gs>
+          </a:gsLst>
+          <a:lin ang="16200000" scaled="0"/>
+        </a:gradFill>
+      </a:fillStyleLst>
+      <a:lnStyleLst>
+        <a:ln w="9525" cap="flat" cmpd="sng" algn="ctr">
+          <a:solidFill>
+            <a:schemeClr val="phClr">
+              <a:shade val="95000"/>
+              <a:satMod val="105000"/>
+            </a:schemeClr>
+          </a:solidFill>
+          <a:prstDash val="solid"/>
+        </a:ln>
+        <a:ln w="25400" cap="flat" cmpd="sng" algn="ctr">
+          <a:solidFill>
+            <a:schemeClr val="phClr"/>
+          </a:solidFill>
+          <a:prstDash val="solid"/>
+        </a:ln>
+        <a:ln w="38100" cap="flat" cmpd="sng" algn="ctr">
+          <a:solidFill>
+            <a:schemeClr val="phClr"/>
+          </a:solidFill>
+          <a:prstDash val="solid"/>
+        </a:ln>
+      </a:lnStyleLst>
+      <a:effectStyleLst>
+        <a:effectStyle>
+          <a:effectLst>
+            <a:outerShdw blurRad="40000" dist="20000" dir="5400000" rotWithShape="0">
+              <a:srgbClr val="000000">
+                <a:alpha val="38000"/>
+              </a:srgbClr>
+            </a:outerShdw>
+          </a:effectLst>
+        </a:effectStyle>
+        <a:effectStyle>
+          <a:effectLst>
+            <a:outerShdw blurRad="40000" dist="23000" dir="5400000" rotWithShape="0">
+              <a:srgbClr val="000000">
+                <a:alpha val="35000"/>
+              </a:srgbClr>
+            </a:outerShdw>
+          </a:effectLst>
+        </a:effectStyle>
+        <a:effectStyle>
+          <a:effectLst>
+            <a:outerShdw blurRad="40000" dist="23000" dir="5400000" rotWithShape="0">
+              <a:srgbClr val="000000">
+                <a:alpha val="35000"/>
+              </a:srgbClr>
+            </a:outerShdw>
+          </a:effectLst>
+          <a:scene3d>
+            <a:camera prst="orthographicFront">
+              <a:rot lat="0" lon="0" rev="0"/>
+            </a:camera>
+            <a:lightRig rig="threePt" dir="t">
+              <a:rot lat="0" lon="0" rev="1200000"/>
+            </a:lightRig>
+          </a:scene3d>
+          <a:sp3d>
+            <a:bevelT w="63500" h="25400"/>
+          </a:sp3d>
+        </a:effectStyle>
+      </a:effectStyleLst>
+      <a:bgFillStyleLst>
+        <a:solidFill>
+          <a:schemeClr val="phClr"/>
+        </a:solidFill>
+        <a:gradFill rotWithShape="1">
+          <a:gsLst>
+            <a:gs pos="0">
+              <a:schemeClr val="phClr">
+                <a:tint val="40000"/>
+                <a:satMod val="350000"/>
+              </a:schemeClr>
+            </a:gs>
+            <a:gs pos="40000">
+              <a:schemeClr val="phClr">
+                <a:tint val="45000"/>
+                <a:shade val="99000"/>
+                <a:satMod val="350000"/>
+              </a:schemeClr>
+            </a:gs>
+            <a:gs pos="100000">
+              <a:schemeClr val="phClr">
+                <a:shade val="20000"/>
+                <a:satMod val="255000"/>
+              </a:schemeClr>
+            </a:gs>
+          </a:gsLst>
+          <a:path path="circle">
+            <a:fillToRect l="50000" t="-80000" r="50000" b="180000"/>
+          </a:path>
+        </a:gradFill>
+        <a:gradFill rotWithShape="1">
+          <a:gsLst>
+            <a:gs pos="0">
+              <a:schemeClr val="phClr">
+                <a:tint val="80000"/>
+                <a:satMod val="300000"/>
+              </a:schemeClr>
+            </a:gs>
+            <a:gs pos="100000">
+              <a:schemeClr val="phClr">
+                <a:shade val="30000"/>
+                <a:satMod val="200000"/>
+              </a:schemeClr>
+            </a:gs>
+          </a:gsLst>
+          <a:path path="circle">
+            <a:fillToRect l="50000" t="50000" r="50000" b="50000"/>
+          </a:path>
+        </a:gradFill>
+      </a:bgFillStyleLst>
+    </a:fmtScheme>
+  </a:themeElements>
+  <a:objectDefaults/>
+  <a:extraClrSchemeLst/>
+</a:theme>
 </file>
 
-<file path=ppt/theme/theme1.xml><?xml version="1.0" encoding="utf-8"?>
-<a:theme xmlns:a="http://schemas.openxmlformats.org/drawingml/2006/main" xmlns:r="http://schemas.openxmlformats.org/officeDocument/2006/relationships">
+<file path=ppt/theme/theme2.xml><?xml version="1.0" encoding="utf-8"?>
+<a:theme xmlns:a="http://schemas.openxmlformats.org/drawingml/2006/main">
   <a:themeElements>
     <a:clrScheme name="Default">
       <a:dk1>
@@ -8422,284 +9212,7 @@
       </a:bgFillStyleLst>
     </a:fmtScheme>
   </a:themeElements>
-</a:theme>
-</file>
-
-<file path=ppt/theme/theme2.xml><?xml version="1.0" encoding="utf-8"?>
-<a:theme xmlns:a="http://schemas.openxmlformats.org/drawingml/2006/main" xmlns:r="http://schemas.openxmlformats.org/officeDocument/2006/relationships" name="Simple Light">
-  <a:themeElements>
-    <a:clrScheme name="Simple Light">
-      <a:dk1>
-        <a:srgbClr val="000000"/>
-      </a:dk1>
-      <a:lt1>
-        <a:srgbClr val="FFFFFF"/>
-      </a:lt1>
-      <a:dk2>
-        <a:srgbClr val="595959"/>
-      </a:dk2>
-      <a:lt2>
-        <a:srgbClr val="EEEEEE"/>
-      </a:lt2>
-      <a:accent1>
-        <a:srgbClr val="FFAB40"/>
-      </a:accent1>
-      <a:accent2>
-        <a:srgbClr val="212121"/>
-      </a:accent2>
-      <a:accent3>
-        <a:srgbClr val="78909C"/>
-      </a:accent3>
-      <a:accent4>
-        <a:srgbClr val="FFAB40"/>
-      </a:accent4>
-      <a:accent5>
-        <a:srgbClr val="0097A7"/>
-      </a:accent5>
-      <a:accent6>
-        <a:srgbClr val="EEFF41"/>
-      </a:accent6>
-      <a:hlink>
-        <a:srgbClr val="0097A7"/>
-      </a:hlink>
-      <a:folHlink>
-        <a:srgbClr val="0097A7"/>
-      </a:folHlink>
-    </a:clrScheme>
-    <a:fontScheme name="Office">
-      <a:majorFont>
-        <a:latin typeface="Arial"/>
-        <a:ea typeface=""/>
-        <a:cs typeface=""/>
-        <a:font script="Jpan" typeface="ＭＳ Ｐゴシック"/>
-        <a:font script="Hang" typeface="맑은 고딕"/>
-        <a:font script="Hans" typeface="宋体"/>
-        <a:font script="Hant" typeface="新細明體"/>
-        <a:font script="Arab" typeface="Times New Roman"/>
-        <a:font script="Hebr" typeface="Times New Roman"/>
-        <a:font script="Thai" typeface="Angsana New"/>
-        <a:font script="Ethi" typeface="Nyala"/>
-        <a:font script="Beng" typeface="Vrinda"/>
-        <a:font script="Gujr" typeface="Shruti"/>
-        <a:font script="Khmr" typeface="MoolBoran"/>
-        <a:font script="Knda" typeface="Tunga"/>
-        <a:font script="Guru" typeface="Raavi"/>
-        <a:font script="Cans" typeface="Euphemia"/>
-        <a:font script="Cher" typeface="Plantagenet Cherokee"/>
-        <a:font script="Yiii" typeface="Microsoft Yi Baiti"/>
-        <a:font script="Tibt" typeface="Microsoft Himalaya"/>
-        <a:font script="Thaa" typeface="MV Boli"/>
-        <a:font script="Deva" typeface="Mangal"/>
-        <a:font script="Telu" typeface="Gautami"/>
-        <a:font script="Taml" typeface="Latha"/>
-        <a:font script="Syrc" typeface="Estrangelo Edessa"/>
-        <a:font script="Orya" typeface="Kalinga"/>
-        <a:font script="Mlym" typeface="Kartika"/>
-        <a:font script="Laoo" typeface="DokChampa"/>
-        <a:font script="Sinh" typeface="Iskoola Pota"/>
-        <a:font script="Mong" typeface="Mongolian Baiti"/>
-        <a:font script="Viet" typeface="Times New Roman"/>
-        <a:font script="Uigh" typeface="Microsoft Uighur"/>
-        <a:font script="Geor" typeface="Sylfaen"/>
-      </a:majorFont>
-      <a:minorFont>
-        <a:latin typeface="Arial"/>
-        <a:ea typeface=""/>
-        <a:cs typeface=""/>
-        <a:font script="Jpan" typeface="ＭＳ Ｐゴシック"/>
-        <a:font script="Hang" typeface="맑은 고딕"/>
-        <a:font script="Hans" typeface="宋体"/>
-        <a:font script="Hant" typeface="新細明體"/>
-        <a:font script="Arab" typeface="Arial"/>
-        <a:font script="Hebr" typeface="Arial"/>
-        <a:font script="Thai" typeface="Cordia New"/>
-        <a:font script="Ethi" typeface="Nyala"/>
-        <a:font script="Beng" typeface="Vrinda"/>
-        <a:font script="Gujr" typeface="Shruti"/>
-        <a:font script="Khmr" typeface="DaunPenh"/>
-        <a:font script="Knda" typeface="Tunga"/>
-        <a:font script="Guru" typeface="Raavi"/>
-        <a:font script="Cans" typeface="Euphemia"/>
-        <a:font script="Cher" typeface="Plantagenet Cherokee"/>
-        <a:font script="Yiii" typeface="Microsoft Yi Baiti"/>
-        <a:font script="Tibt" typeface="Microsoft Himalaya"/>
-        <a:font script="Thaa" typeface="MV Boli"/>
-        <a:font script="Deva" typeface="Mangal"/>
-        <a:font script="Telu" typeface="Gautami"/>
-        <a:font script="Taml" typeface="Latha"/>
-        <a:font script="Syrc" typeface="Estrangelo Edessa"/>
-        <a:font script="Orya" typeface="Kalinga"/>
-        <a:font script="Mlym" typeface="Kartika"/>
-        <a:font script="Laoo" typeface="DokChampa"/>
-        <a:font script="Sinh" typeface="Iskoola Pota"/>
-        <a:font script="Mong" typeface="Mongolian Baiti"/>
-        <a:font script="Viet" typeface="Arial"/>
-        <a:font script="Uigh" typeface="Microsoft Uighur"/>
-        <a:font script="Geor" typeface="Sylfaen"/>
-      </a:minorFont>
-    </a:fontScheme>
-    <a:fmtScheme name="Office">
-      <a:fillStyleLst>
-        <a:solidFill>
-          <a:schemeClr val="phClr"/>
-        </a:solidFill>
-        <a:gradFill rotWithShape="1">
-          <a:gsLst>
-            <a:gs pos="0">
-              <a:schemeClr val="phClr">
-                <a:tint val="50000"/>
-                <a:satMod val="300000"/>
-              </a:schemeClr>
-            </a:gs>
-            <a:gs pos="35000">
-              <a:schemeClr val="phClr">
-                <a:tint val="37000"/>
-                <a:satMod val="300000"/>
-              </a:schemeClr>
-            </a:gs>
-            <a:gs pos="100000">
-              <a:schemeClr val="phClr">
-                <a:tint val="15000"/>
-                <a:satMod val="350000"/>
-              </a:schemeClr>
-            </a:gs>
-          </a:gsLst>
-          <a:lin ang="16200000" scaled="1"/>
-        </a:gradFill>
-        <a:gradFill rotWithShape="1">
-          <a:gsLst>
-            <a:gs pos="0">
-              <a:schemeClr val="phClr">
-                <a:tint val="100000"/>
-                <a:shade val="100000"/>
-                <a:satMod val="130000"/>
-              </a:schemeClr>
-            </a:gs>
-            <a:gs pos="100000">
-              <a:schemeClr val="phClr">
-                <a:tint val="50000"/>
-                <a:shade val="100000"/>
-                <a:satMod val="350000"/>
-              </a:schemeClr>
-            </a:gs>
-          </a:gsLst>
-          <a:lin ang="16200000" scaled="0"/>
-        </a:gradFill>
-      </a:fillStyleLst>
-      <a:lnStyleLst>
-        <a:ln w="9525" cap="flat" cmpd="sng" algn="ctr">
-          <a:solidFill>
-            <a:schemeClr val="phClr">
-              <a:shade val="95000"/>
-              <a:satMod val="105000"/>
-            </a:schemeClr>
-          </a:solidFill>
-          <a:prstDash val="solid"/>
-        </a:ln>
-        <a:ln w="25400" cap="flat" cmpd="sng" algn="ctr">
-          <a:solidFill>
-            <a:schemeClr val="phClr"/>
-          </a:solidFill>
-          <a:prstDash val="solid"/>
-        </a:ln>
-        <a:ln w="38100" cap="flat" cmpd="sng" algn="ctr">
-          <a:solidFill>
-            <a:schemeClr val="phClr"/>
-          </a:solidFill>
-          <a:prstDash val="solid"/>
-        </a:ln>
-      </a:lnStyleLst>
-      <a:effectStyleLst>
-        <a:effectStyle>
-          <a:effectLst>
-            <a:outerShdw blurRad="40000" dist="20000" dir="5400000" rotWithShape="0">
-              <a:srgbClr val="000000">
-                <a:alpha val="38000"/>
-              </a:srgbClr>
-            </a:outerShdw>
-          </a:effectLst>
-        </a:effectStyle>
-        <a:effectStyle>
-          <a:effectLst>
-            <a:outerShdw blurRad="40000" dist="23000" dir="5400000" rotWithShape="0">
-              <a:srgbClr val="000000">
-                <a:alpha val="35000"/>
-              </a:srgbClr>
-            </a:outerShdw>
-          </a:effectLst>
-        </a:effectStyle>
-        <a:effectStyle>
-          <a:effectLst>
-            <a:outerShdw blurRad="40000" dist="23000" dir="5400000" rotWithShape="0">
-              <a:srgbClr val="000000">
-                <a:alpha val="35000"/>
-              </a:srgbClr>
-            </a:outerShdw>
-          </a:effectLst>
-          <a:scene3d>
-            <a:camera prst="orthographicFront">
-              <a:rot lat="0" lon="0" rev="0"/>
-            </a:camera>
-            <a:lightRig rig="threePt" dir="t">
-              <a:rot lat="0" lon="0" rev="1200000"/>
-            </a:lightRig>
-          </a:scene3d>
-          <a:sp3d>
-            <a:bevelT w="63500" h="25400"/>
-          </a:sp3d>
-        </a:effectStyle>
-      </a:effectStyleLst>
-      <a:bgFillStyleLst>
-        <a:solidFill>
-          <a:schemeClr val="phClr"/>
-        </a:solidFill>
-        <a:gradFill rotWithShape="1">
-          <a:gsLst>
-            <a:gs pos="0">
-              <a:schemeClr val="phClr">
-                <a:tint val="40000"/>
-                <a:satMod val="350000"/>
-              </a:schemeClr>
-            </a:gs>
-            <a:gs pos="40000">
-              <a:schemeClr val="phClr">
-                <a:tint val="45000"/>
-                <a:shade val="99000"/>
-                <a:satMod val="350000"/>
-              </a:schemeClr>
-            </a:gs>
-            <a:gs pos="100000">
-              <a:schemeClr val="phClr">
-                <a:shade val="20000"/>
-                <a:satMod val="255000"/>
-              </a:schemeClr>
-            </a:gs>
-          </a:gsLst>
-          <a:path path="circle">
-            <a:fillToRect l="50000" t="-80000" r="50000" b="180000"/>
-          </a:path>
-        </a:gradFill>
-        <a:gradFill rotWithShape="1">
-          <a:gsLst>
-            <a:gs pos="0">
-              <a:schemeClr val="phClr">
-                <a:tint val="80000"/>
-                <a:satMod val="300000"/>
-              </a:schemeClr>
-            </a:gs>
-            <a:gs pos="100000">
-              <a:schemeClr val="phClr">
-                <a:shade val="30000"/>
-                <a:satMod val="200000"/>
-              </a:schemeClr>
-            </a:gs>
-          </a:gsLst>
-          <a:path path="circle">
-            <a:fillToRect l="50000" t="50000" r="50000" b="50000"/>
-          </a:path>
-        </a:gradFill>
-      </a:bgFillStyleLst>
-    </a:fmtScheme>
-  </a:themeElements>
+  <a:objectDefaults/>
+  <a:extraClrSchemeLst/>
 </a:theme>
 </file>
--- a/units/11/lessons/4/resources/petascale-lesson-11.4-slides.pptx
+++ b/units/11/lessons/4/resources/petascale-lesson-11.4-slides.pptx
@@ -6531,15 +6531,7 @@
                 <a:ea typeface="Times New Roman" charset="0"/>
                 <a:cs typeface="Times New Roman" charset="0"/>
               </a:rPr>
-              <a:t>Blue Waters Petascale</a:t>
-            </a:r>
-            <a:r>
-              <a:rPr lang="en-US" sz="2700" b="1" dirty="0">
-                <a:latin typeface="Times New Roman" charset="0"/>
-                <a:ea typeface="Times New Roman" charset="0"/>
-                <a:cs typeface="Times New Roman" charset="0"/>
-              </a:rPr>
-              <a:t> Semester Curriculum v1.0</a:t>
+              <a:t>Blue Waters Petascale Semester Curriculum v1.0</a:t>
             </a:r>
             <a:r>
               <a:rPr lang="en-US" sz="2700" dirty="0">
@@ -6647,23 +6639,7 @@
                 <a:ea typeface="Times New Roman" charset="0"/>
                 <a:cs typeface="Times New Roman" charset="0"/>
               </a:rPr>
-              <a:t>Developed </a:t>
-            </a:r>
-            <a:r>
-              <a:rPr lang="en-US" sz="2700" i="1" dirty="0">
-                <a:latin typeface="Times New Roman" charset="0"/>
-                <a:ea typeface="Times New Roman" charset="0"/>
-                <a:cs typeface="Times New Roman" charset="0"/>
-              </a:rPr>
-              <a:t>by </a:t>
-            </a:r>
-            <a:r>
-              <a:rPr lang="en-US" sz="2700" i="1" dirty="0">
-                <a:latin typeface="Times New Roman" charset="0"/>
-                <a:ea typeface="Times New Roman" charset="0"/>
-                <a:cs typeface="Times New Roman" charset="0"/>
-              </a:rPr>
-              <a:t>Marc </a:t>
+              <a:t>Developed by Marc </a:t>
             </a:r>
             <a:r>
               <a:rPr lang="en-US" sz="2700" i="1" dirty="0" err="1" smtClean="0">
@@ -6672,6 +6648,14 @@
                 <a:cs typeface="Times New Roman" charset="0"/>
               </a:rPr>
               <a:t>Gagné</a:t>
+            </a:r>
+            <a:r>
+              <a:rPr lang="en-US" sz="2700" i="1" smtClean="0">
+                <a:latin typeface="Times New Roman" charset="0"/>
+                <a:ea typeface="Times New Roman" charset="0"/>
+                <a:cs typeface="Times New Roman" charset="0"/>
+              </a:rPr>
+              <a:t> and Roman Voronov</a:t>
             </a:r>
             <a:r>
               <a:rPr lang="en-US" sz="2700" i="1" dirty="0">

--- a/units/11/lessons/4/resources/petascale-lesson-11.4-slides.pptx
+++ b/units/11/lessons/4/resources/petascale-lesson-11.4-slides.pptx
@@ -9,7 +9,7 @@
   </p:notesMasterIdLst>
   <p:sldIdLst>
     <p:sldId id="266" r:id="rId2"/>
-    <p:sldId id="267" r:id="rId3"/>
+    <p:sldId id="268" r:id="rId3"/>
     <p:sldId id="257" r:id="rId4"/>
     <p:sldId id="258" r:id="rId5"/>
     <p:sldId id="259" r:id="rId6"/>
@@ -7229,7 +7229,7 @@
         </p:nvSpPr>
         <p:spPr>
           <a:xfrm>
-            <a:off x="566059" y="0"/>
+            <a:off x="566057" y="0"/>
             <a:ext cx="8011886" cy="5143500"/>
           </a:xfrm>
         </p:spPr>
@@ -7276,7 +7276,23 @@
                 <a:ea typeface="Times New Roman" charset="0"/>
                 <a:cs typeface="Times New Roman" charset="0"/>
               </a:rPr>
-              <a:t>CC BY-NC 4.0. To view a copy of this license, visit </a:t>
+              <a:t>CC </a:t>
+            </a:r>
+            <a:r>
+              <a:rPr lang="en-US" sz="2100" dirty="0" smtClean="0">
+                <a:latin typeface="Times New Roman" charset="0"/>
+                <a:ea typeface="Times New Roman" charset="0"/>
+                <a:cs typeface="Times New Roman" charset="0"/>
+              </a:rPr>
+              <a:t>BY-SA </a:t>
+            </a:r>
+            <a:r>
+              <a:rPr lang="en-US" sz="2100" dirty="0">
+                <a:latin typeface="Times New Roman" charset="0"/>
+                <a:ea typeface="Times New Roman" charset="0"/>
+                <a:cs typeface="Times New Roman" charset="0"/>
+              </a:rPr>
+              <a:t>4.0. To view a copy of this license, visit </a:t>
             </a:r>
             <a:r>
               <a:rPr lang="en-US" sz="2100" dirty="0">
@@ -7285,7 +7301,16 @@
                 <a:cs typeface="Times New Roman" charset="0"/>
                 <a:hlinkClick r:id="rId2"/>
               </a:rPr>
-              <a:t>https://creativecommons.org/licenses/by-nc/4.0</a:t>
+              <a:t>https://</a:t>
+            </a:r>
+            <a:r>
+              <a:rPr lang="en-US" sz="2100" dirty="0" smtClean="0">
+                <a:latin typeface="Times New Roman" charset="0"/>
+                <a:ea typeface="Times New Roman" charset="0"/>
+                <a:cs typeface="Times New Roman" charset="0"/>
+                <a:hlinkClick r:id="rId2"/>
+              </a:rPr>
+              <a:t>creativecommons.org/licenses/by-sa/4.0</a:t>
             </a:r>
             <a:r>
               <a:rPr lang="en-US" sz="2100" dirty="0">
@@ -7439,20 +7464,13 @@
     </p:spTree>
     <p:extLst>
       <p:ext uri="{BB962C8B-B14F-4D97-AF65-F5344CB8AC3E}">
-        <p14:creationId xmlns:p14="http://schemas.microsoft.com/office/powerpoint/2010/main" val="1088758222"/>
+        <p14:creationId xmlns:p14="http://schemas.microsoft.com/office/powerpoint/2010/main" val="649606988"/>
       </p:ext>
     </p:extLst>
   </p:cSld>
   <p:clrMapOvr>
     <a:masterClrMapping/>
   </p:clrMapOvr>
-  <p:timing>
-    <p:tnLst>
-      <p:par>
-        <p:cTn id="1" dur="indefinite" restart="never" nodeType="tmRoot"/>
-      </p:par>
-    </p:tnLst>
-  </p:timing>
 </p:sld>
 </file>
 

--- a/units/11/lessons/4/resources/petascale-lesson-11.4-slides.pptx
+++ b/units/11/lessons/4/resources/petascale-lesson-11.4-slides.pptx
@@ -1449,7 +1449,7 @@
         </p:nvSpPr>
         <p:spPr>
           <a:xfrm>
-            <a:off x="381300" y="685800"/>
+            <a:off x="381000" y="685800"/>
             <a:ext cx="6096000" cy="3429000"/>
           </a:xfrm>
           <a:custGeom>
@@ -1553,7 +1553,7 @@
         </p:nvSpPr>
         <p:spPr>
           <a:xfrm>
-            <a:off x="381300" y="685800"/>
+            <a:off x="381000" y="685800"/>
             <a:ext cx="6096000" cy="3429000"/>
           </a:xfrm>
           <a:custGeom>
@@ -1616,7 +1616,7 @@
               </a:spcAft>
               <a:buNone/>
             </a:pPr>
-            <a:endParaRPr/>
+            <a:endParaRPr dirty="0"/>
           </a:p>
         </p:txBody>
       </p:sp>
@@ -6533,14 +6533,6 @@
               </a:rPr>
               <a:t>Blue Waters Petascale Semester Curriculum v1.0</a:t>
             </a:r>
-            <a:r>
-              <a:rPr lang="en-US" sz="2700" dirty="0">
-                <a:latin typeface="Times New Roman" charset="0"/>
-                <a:ea typeface="Times New Roman" charset="0"/>
-                <a:cs typeface="Times New Roman" charset="0"/>
-              </a:rPr>
-              <a:t/>
-            </a:r>
             <a:br>
               <a:rPr lang="en-US" sz="2700" dirty="0">
                 <a:latin typeface="Times New Roman" charset="0"/>
@@ -6554,34 +6546,10 @@
                 <a:ea typeface="Times New Roman" charset="0"/>
                 <a:cs typeface="Times New Roman" charset="0"/>
               </a:rPr>
-              <a:t>Unit </a:t>
-            </a:r>
-            <a:r>
-              <a:rPr lang="en-US" sz="2700" b="1" dirty="0" smtClean="0">
-                <a:latin typeface="Times New Roman" charset="0"/>
-                <a:ea typeface="Times New Roman" charset="0"/>
-                <a:cs typeface="Times New Roman" charset="0"/>
-              </a:rPr>
-              <a:t>11</a:t>
-            </a:r>
-            <a:r>
-              <a:rPr lang="en-US" sz="2700" b="1" dirty="0">
-                <a:latin typeface="Times New Roman" charset="0"/>
-                <a:ea typeface="Times New Roman" charset="0"/>
-                <a:cs typeface="Times New Roman" charset="0"/>
-              </a:rPr>
-              <a:t>: Domain Science: Astrophysical Fluid </a:t>
-            </a:r>
-            <a:r>
-              <a:rPr lang="en-US" sz="2700" b="1" dirty="0" smtClean="0">
-                <a:latin typeface="Times New Roman" charset="0"/>
-                <a:ea typeface="Times New Roman" charset="0"/>
-                <a:cs typeface="Times New Roman" charset="0"/>
-              </a:rPr>
-              <a:t/>
+              <a:t>Unit 11: Domain Science: Astrophysical Fluid </a:t>
             </a:r>
             <a:br>
-              <a:rPr lang="en-US" sz="2700" b="1" dirty="0" smtClean="0">
+              <a:rPr lang="en-US" sz="2700" b="1" dirty="0">
                 <a:latin typeface="Times New Roman" charset="0"/>
                 <a:ea typeface="Times New Roman" charset="0"/>
                 <a:cs typeface="Times New Roman" charset="0"/>
@@ -6593,23 +6561,7 @@
                 <a:ea typeface="Times New Roman" charset="0"/>
                 <a:cs typeface="Times New Roman" charset="0"/>
               </a:rPr>
-              <a:t> </a:t>
-            </a:r>
-            <a:r>
-              <a:rPr lang="en-US" sz="2700" b="1" dirty="0" smtClean="0">
-                <a:latin typeface="Times New Roman" charset="0"/>
-                <a:ea typeface="Times New Roman" charset="0"/>
-                <a:cs typeface="Times New Roman" charset="0"/>
-              </a:rPr>
-              <a:t>    Dynamics</a:t>
-            </a:r>
-            <a:r>
-              <a:rPr lang="en-US" sz="2700" b="1" dirty="0">
-                <a:latin typeface="Times New Roman" charset="0"/>
-                <a:ea typeface="Times New Roman" charset="0"/>
-                <a:cs typeface="Times New Roman" charset="0"/>
-              </a:rPr>
-              <a:t/>
+              <a:t>     Dynamics</a:t>
             </a:r>
             <a:br>
               <a:rPr lang="en-US" sz="2700" b="1" dirty="0">
@@ -6642,7 +6594,7 @@
               <a:t>Developed by Marc </a:t>
             </a:r>
             <a:r>
-              <a:rPr lang="en-US" sz="2700" i="1" dirty="0" err="1" smtClean="0">
+              <a:rPr lang="en-US" sz="2700" i="1" dirty="0" err="1">
                 <a:latin typeface="Times New Roman" charset="0"/>
                 <a:ea typeface="Times New Roman" charset="0"/>
                 <a:cs typeface="Times New Roman" charset="0"/>
@@ -6650,20 +6602,12 @@
               <a:t>Gagné</a:t>
             </a:r>
             <a:r>
-              <a:rPr lang="en-US" sz="2700" i="1" smtClean="0">
+              <a:rPr lang="en-US" sz="2700" i="1">
                 <a:latin typeface="Times New Roman" charset="0"/>
                 <a:ea typeface="Times New Roman" charset="0"/>
                 <a:cs typeface="Times New Roman" charset="0"/>
               </a:rPr>
               <a:t> and Roman Voronov</a:t>
-            </a:r>
-            <a:r>
-              <a:rPr lang="en-US" sz="2700" i="1" dirty="0">
-                <a:latin typeface="Times New Roman" charset="0"/>
-                <a:ea typeface="Times New Roman" charset="0"/>
-                <a:cs typeface="Times New Roman" charset="0"/>
-              </a:rPr>
-              <a:t/>
             </a:r>
             <a:br>
               <a:rPr lang="en-US" sz="2700" i="1" dirty="0">
@@ -6693,13 +6637,6 @@
   <p:clrMapOvr>
     <a:masterClrMapping/>
   </p:clrMapOvr>
-  <p:timing>
-    <p:tnLst>
-      <p:par>
-        <p:cTn id="1" dur="indefinite" restart="never" nodeType="tmRoot"/>
-      </p:par>
-    </p:tnLst>
-  </p:timing>
 </p:sld>
 </file>
 
@@ -7276,23 +7213,7 @@
                 <a:ea typeface="Times New Roman" charset="0"/>
                 <a:cs typeface="Times New Roman" charset="0"/>
               </a:rPr>
-              <a:t>CC </a:t>
-            </a:r>
-            <a:r>
-              <a:rPr lang="en-US" sz="2100" dirty="0" smtClean="0">
-                <a:latin typeface="Times New Roman" charset="0"/>
-                <a:ea typeface="Times New Roman" charset="0"/>
-                <a:cs typeface="Times New Roman" charset="0"/>
-              </a:rPr>
-              <a:t>BY-SA </a:t>
-            </a:r>
-            <a:r>
-              <a:rPr lang="en-US" sz="2100" dirty="0">
-                <a:latin typeface="Times New Roman" charset="0"/>
-                <a:ea typeface="Times New Roman" charset="0"/>
-                <a:cs typeface="Times New Roman" charset="0"/>
-              </a:rPr>
-              <a:t>4.0. To view a copy of this license, visit </a:t>
+              <a:t>CC BY-SA 4.0. To view a copy of this license, visit </a:t>
             </a:r>
             <a:r>
               <a:rPr lang="en-US" sz="2100" dirty="0">
@@ -7301,24 +7222,7 @@
                 <a:cs typeface="Times New Roman" charset="0"/>
                 <a:hlinkClick r:id="rId2"/>
               </a:rPr>
-              <a:t>https://</a:t>
-            </a:r>
-            <a:r>
-              <a:rPr lang="en-US" sz="2100" dirty="0" smtClean="0">
-                <a:latin typeface="Times New Roman" charset="0"/>
-                <a:ea typeface="Times New Roman" charset="0"/>
-                <a:cs typeface="Times New Roman" charset="0"/>
-                <a:hlinkClick r:id="rId2"/>
-              </a:rPr>
-              <a:t>creativecommons.org/licenses/by-sa/4.0</a:t>
-            </a:r>
-            <a:r>
-              <a:rPr lang="en-US" sz="2100" dirty="0">
-                <a:latin typeface="Times New Roman" charset="0"/>
-                <a:ea typeface="Times New Roman" charset="0"/>
-                <a:cs typeface="Times New Roman" charset="0"/>
-              </a:rPr>
-              <a:t/>
+              <a:t>https://creativecommons.org/licenses/by-sa/4.0</a:t>
             </a:r>
             <a:br>
               <a:rPr lang="en-US" sz="2100" dirty="0">
@@ -7327,14 +7231,6 @@
                 <a:cs typeface="Times New Roman" charset="0"/>
               </a:rPr>
             </a:br>
-            <a:r>
-              <a:rPr lang="en-US" sz="2100" dirty="0">
-                <a:latin typeface="Times New Roman" charset="0"/>
-                <a:ea typeface="Times New Roman" charset="0"/>
-                <a:cs typeface="Times New Roman" charset="0"/>
-              </a:rPr>
-              <a:t/>
-            </a:r>
             <a:br>
               <a:rPr lang="en-US" sz="2100" dirty="0">
                 <a:latin typeface="Times New Roman" charset="0"/>
@@ -7359,14 +7255,6 @@
               </a:rPr>
               <a:t>http://shodor.org/petascale/materials/semester-curriculum</a:t>
             </a:r>
-            <a:r>
-              <a:rPr lang="en-US" sz="2100" dirty="0">
-                <a:latin typeface="Times New Roman" charset="0"/>
-                <a:ea typeface="Times New Roman" charset="0"/>
-                <a:cs typeface="Times New Roman" charset="0"/>
-              </a:rPr>
-              <a:t/>
-            </a:r>
             <a:br>
               <a:rPr lang="en-US" sz="2100" dirty="0">
                 <a:latin typeface="Times New Roman" charset="0"/>
@@ -7374,14 +7262,6 @@
                 <a:cs typeface="Times New Roman" charset="0"/>
               </a:rPr>
             </a:br>
-            <a:r>
-              <a:rPr lang="en-US" sz="2100" dirty="0">
-                <a:latin typeface="Times New Roman" charset="0"/>
-                <a:ea typeface="Times New Roman" charset="0"/>
-                <a:cs typeface="Times New Roman" charset="0"/>
-              </a:rPr>
-              <a:t/>
-            </a:r>
             <a:br>
               <a:rPr lang="en-US" sz="2100" dirty="0">
                 <a:latin typeface="Times New Roman" charset="0"/>
@@ -7406,14 +7286,6 @@
               </a:rPr>
               <a:t>https://github.com/shodor-education/petascale-semester-curriculum</a:t>
             </a:r>
-            <a:r>
-              <a:rPr lang="en-US" sz="2100" dirty="0">
-                <a:latin typeface="Times New Roman" charset="0"/>
-                <a:ea typeface="Times New Roman" charset="0"/>
-                <a:cs typeface="Times New Roman" charset="0"/>
-              </a:rPr>
-              <a:t/>
-            </a:r>
             <a:br>
               <a:rPr lang="en-US" sz="2100" dirty="0">
                 <a:latin typeface="Times New Roman" charset="0"/>
@@ -7421,14 +7293,6 @@
                 <a:cs typeface="Times New Roman" charset="0"/>
               </a:rPr>
             </a:br>
-            <a:r>
-              <a:rPr lang="en-US" sz="2100" dirty="0">
-                <a:latin typeface="Times New Roman" charset="0"/>
-                <a:ea typeface="Times New Roman" charset="0"/>
-                <a:cs typeface="Times New Roman" charset="0"/>
-              </a:rPr>
-              <a:t/>
-            </a:r>
             <a:br>
               <a:rPr lang="en-US" sz="2100" dirty="0">
                 <a:latin typeface="Times New Roman" charset="0"/>
@@ -8129,10 +7993,10 @@
               <a:buNone/>
             </a:pPr>
             <a:r>
-              <a:rPr lang="en"/>
+              <a:rPr lang="en" dirty="0"/>
               <a:t>This problem illustrates that a simple set of initial conditions, boundary conditions, and physical processes (gravitational acceleration of two fluids of different density) leads to very complex, non-deterministic phenomena.</a:t>
             </a:r>
-            <a:endParaRPr/>
+            <a:endParaRPr dirty="0"/>
           </a:p>
           <a:p>
             <a:pPr marL="0" lvl="0" indent="0" algn="l" rtl="0">
@@ -8145,10 +8009,10 @@
               <a:buNone/>
             </a:pPr>
             <a:r>
-              <a:rPr lang="en"/>
+              <a:rPr lang="en" dirty="0"/>
               <a:t>These phenomena arise from small seed fluctuations that are amplified as the program solves the Navier-Stokes PDEs forward in time from the simple initial condition. The remarkable (and somewhat mysterious) result is that, just like reality, each simulation is qualitatively similar, but different in detail. </a:t>
             </a:r>
-            <a:endParaRPr/>
+            <a:endParaRPr dirty="0"/>
           </a:p>
           <a:p>
             <a:pPr marL="0" lvl="0" indent="0" algn="l" rtl="0">
@@ -8161,10 +8025,10 @@
               <a:buNone/>
             </a:pPr>
             <a:r>
-              <a:rPr lang="en"/>
+              <a:rPr lang="en" dirty="0"/>
               <a:t>Think about that next time you’re stirring cream in your coffee.</a:t>
             </a:r>
-            <a:endParaRPr/>
+            <a:endParaRPr dirty="0"/>
           </a:p>
           <a:p>
             <a:pPr marL="0" lvl="0" indent="0" algn="l" rtl="0">
@@ -8177,11 +8041,11 @@
               <a:buNone/>
             </a:pPr>
             <a:r>
-              <a:rPr lang="en"/>
+              <a:rPr lang="en" dirty="0"/>
               <a:t>Further reading: </a:t>
             </a:r>
             <a:r>
-              <a:rPr lang="en" u="sng">
+              <a:rPr lang="en" u="sng" dirty="0">
                 <a:solidFill>
                   <a:schemeClr val="hlink"/>
                 </a:solidFill>
@@ -8189,7 +8053,7 @@
               </a:rPr>
               <a:t>https://en.wikipedia.org/wiki/Rayleigh-Taylor_instability</a:t>
             </a:r>
-            <a:endParaRPr/>
+            <a:endParaRPr dirty="0"/>
           </a:p>
           <a:p>
             <a:pPr marL="0" lvl="0" indent="0" algn="l" rtl="0">
@@ -8201,7 +8065,7 @@
               </a:spcAft>
               <a:buNone/>
             </a:pPr>
-            <a:endParaRPr/>
+            <a:endParaRPr dirty="0"/>
           </a:p>
         </p:txBody>
       </p:sp>
@@ -8397,6 +8261,42 @@
           </a:ln>
         </p:spPr>
       </p:cxnSp>
+      <p:sp>
+        <p:nvSpPr>
+          <p:cNvPr id="7" name="TextBox 6">
+            <a:extLst>
+              <a:ext uri="{FF2B5EF4-FFF2-40B4-BE49-F238E27FC236}">
+                <a16:creationId xmlns:a16="http://schemas.microsoft.com/office/drawing/2014/main" id="{FB828617-D915-49A7-A9F8-38F236D7C0E3}"/>
+              </a:ext>
+            </a:extLst>
+          </p:cNvPr>
+          <p:cNvSpPr txBox="1"/>
+          <p:nvPr/>
+        </p:nvSpPr>
+        <p:spPr>
+          <a:xfrm>
+            <a:off x="2743207" y="4435614"/>
+            <a:ext cx="6556745" cy="707886"/>
+          </a:xfrm>
+          <a:prstGeom prst="rect">
+            <a:avLst/>
+          </a:prstGeom>
+          <a:noFill/>
+        </p:spPr>
+        <p:txBody>
+          <a:bodyPr wrap="square">
+            <a:spAutoFit/>
+          </a:bodyPr>
+          <a:lstStyle/>
+          <a:p>
+            <a:r>
+              <a:rPr lang="en-US" sz="800" i="1" dirty="0"/>
+              <a:t>Image Source: Unless otherwise indicated, this information has been authored by an employee or employees of the Los Alamos National Security, LLC (LANS), operator of the Los Alamos National Laboratory under Contract No. DE-AC52-06NA25396 with the U.S. Department of Energy. The U.S. Government has rights to use, reproduce, and distribute this information. The public may copy and use this information without charge, provided that this Notice and any statement of authorship are reproduced on all copies. Neither the Government nor LANS makes any warranty, express or implied, or assumes any liability or responsibility for the use of this information.</a:t>
+            </a:r>
+            <a:endParaRPr lang="en-US" sz="800" dirty="0"/>
+          </a:p>
+        </p:txBody>
+      </p:sp>
     </p:spTree>
   </p:cSld>
   <p:clrMapOvr>
@@ -8492,34 +8392,6 @@
           </a:ln>
         </p:spPr>
       </p:pic>
-      <p:pic>
-        <p:nvPicPr>
-          <p:cNvPr id="101" name="Google Shape;101;p20" descr="Image Credit: NASA, ESA, and A. Simon (Goddard Space Flight Center)" title="Jupiter: Hubble Space Telescope WFC3 taken in 2014 "/>
-          <p:cNvPicPr preferRelativeResize="0"/>
-          <p:nvPr/>
-        </p:nvPicPr>
-        <p:blipFill>
-          <a:blip r:embed="rId4">
-            <a:alphaModFix/>
-          </a:blip>
-          <a:stretch>
-            <a:fillRect/>
-          </a:stretch>
-        </p:blipFill>
-        <p:spPr>
-          <a:xfrm>
-            <a:off x="4343625" y="851125"/>
-            <a:ext cx="4590876" cy="2582372"/>
-          </a:xfrm>
-          <a:prstGeom prst="rect">
-            <a:avLst/>
-          </a:prstGeom>
-          <a:noFill/>
-          <a:ln>
-            <a:noFill/>
-          </a:ln>
-        </p:spPr>
-      </p:pic>
       <p:sp>
         <p:nvSpPr>
           <p:cNvPr id="102" name="Google Shape;102;p20"/>
@@ -8593,17 +8465,13 @@
               <a:buNone/>
             </a:pPr>
             <a:r>
-              <a:rPr lang="en" sz="1200"/>
+              <a:rPr lang="en" sz="1200" dirty="0"/>
               <a:t>“Spatially developing 2D Kelvin-Helmholtz instability at low Reynolds number. Small perturbations, imposed at the inlet on the tangential velocity, evolve in the computational box. High Reynolds number would be marked with an increase of small scale motions.” - Wikipedia</a:t>
             </a:r>
-            <a:r>
-              <a:rPr lang="en" sz="1300"/>
-              <a:t/>
-            </a:r>
             <a:br>
-              <a:rPr lang="en" sz="1300"/>
+              <a:rPr lang="en" sz="1300" dirty="0"/>
             </a:br>
-            <a:endParaRPr sz="1300"/>
+            <a:endParaRPr sz="1300" dirty="0"/>
           </a:p>
         </p:txBody>
       </p:sp>
@@ -8642,10 +8510,145 @@
               <a:buNone/>
             </a:pPr>
             <a:r>
-              <a:rPr lang="en" sz="1200"/>
-              <a:t>The cloud layers on Jupiter are stratified in latitude creating alternating bands. The bands flow in opposite directions, creating shear at the interface. The resulting Kelvin-Helmholtz instability creates the swirls seen here in Jupiter’s upper atmosphere. Image credit: NASA/ESA/GSFC</a:t>
+              <a:rPr lang="en" sz="1200" dirty="0"/>
+              <a:t>The cloud layers on Jupiter are stratified in latitude creating alternating bands. The bands flow in opposite directions, creating shear at the interface. The resulting Kelvin-Helmholtz instability creates the swirls seen here in Jupiter’s upper atmosphere. </a:t>
             </a:r>
-            <a:endParaRPr sz="1200"/>
+            <a:endParaRPr sz="1200" dirty="0"/>
+          </a:p>
+        </p:txBody>
+      </p:sp>
+      <p:sp>
+        <p:nvSpPr>
+          <p:cNvPr id="9" name="TextBox 8">
+            <a:extLst>
+              <a:ext uri="{FF2B5EF4-FFF2-40B4-BE49-F238E27FC236}">
+                <a16:creationId xmlns:a16="http://schemas.microsoft.com/office/drawing/2014/main" id="{AF7E5BF2-C1F5-4D12-83E7-F21C975B908D}"/>
+              </a:ext>
+            </a:extLst>
+          </p:cNvPr>
+          <p:cNvSpPr txBox="1"/>
+          <p:nvPr/>
+        </p:nvSpPr>
+        <p:spPr>
+          <a:xfrm>
+            <a:off x="180825" y="4798828"/>
+            <a:ext cx="3845370" cy="276999"/>
+          </a:xfrm>
+          <a:prstGeom prst="rect">
+            <a:avLst/>
+          </a:prstGeom>
+          <a:noFill/>
+        </p:spPr>
+        <p:txBody>
+          <a:bodyPr wrap="square">
+            <a:spAutoFit/>
+          </a:bodyPr>
+          <a:lstStyle/>
+          <a:p>
+            <a:r>
+              <a:rPr lang="en-US" sz="1200" dirty="0">
+                <a:hlinkClick r:id="rId4"/>
+              </a:rPr>
+              <a:t>Spatial KH 2D vorticity.gif</a:t>
+            </a:r>
+            <a:r>
+              <a:rPr lang="en-US" sz="1200" dirty="0"/>
+              <a:t> is in the public domain</a:t>
+            </a:r>
+          </a:p>
+        </p:txBody>
+      </p:sp>
+      <p:pic>
+        <p:nvPicPr>
+          <p:cNvPr id="13" name="Picture 12" descr="A picture containing indoor, dark, ceramic ware&#10;&#10;Description automatically generated">
+            <a:extLst>
+              <a:ext uri="{FF2B5EF4-FFF2-40B4-BE49-F238E27FC236}">
+                <a16:creationId xmlns:a16="http://schemas.microsoft.com/office/drawing/2014/main" id="{D3F6047D-73C3-40B1-868D-8B08686BC6A4}"/>
+              </a:ext>
+            </a:extLst>
+          </p:cNvPr>
+          <p:cNvPicPr>
+            <a:picLocks noChangeAspect="1"/>
+          </p:cNvPicPr>
+          <p:nvPr/>
+        </p:nvPicPr>
+        <p:blipFill>
+          <a:blip r:embed="rId5"/>
+          <a:stretch>
+            <a:fillRect/>
+          </a:stretch>
+        </p:blipFill>
+        <p:spPr>
+          <a:xfrm>
+            <a:off x="5413573" y="851125"/>
+            <a:ext cx="2794762" cy="2794762"/>
+          </a:xfrm>
+          <a:prstGeom prst="rect">
+            <a:avLst/>
+          </a:prstGeom>
+        </p:spPr>
+      </p:pic>
+      <p:sp>
+        <p:nvSpPr>
+          <p:cNvPr id="17" name="TextBox 16">
+            <a:extLst>
+              <a:ext uri="{FF2B5EF4-FFF2-40B4-BE49-F238E27FC236}">
+                <a16:creationId xmlns:a16="http://schemas.microsoft.com/office/drawing/2014/main" id="{43BE098E-A368-401E-B39C-B7FB24D642CA}"/>
+              </a:ext>
+            </a:extLst>
+          </p:cNvPr>
+          <p:cNvSpPr txBox="1"/>
+          <p:nvPr/>
+        </p:nvSpPr>
+        <p:spPr>
+          <a:xfrm>
+            <a:off x="4433000" y="4776924"/>
+            <a:ext cx="4246184" cy="400110"/>
+          </a:xfrm>
+          <a:prstGeom prst="rect">
+            <a:avLst/>
+          </a:prstGeom>
+          <a:noFill/>
+        </p:spPr>
+        <p:txBody>
+          <a:bodyPr wrap="square" rtlCol="0">
+            <a:spAutoFit/>
+          </a:bodyPr>
+          <a:lstStyle/>
+          <a:p>
+            <a:r>
+              <a:rPr lang="en-US" sz="1000" dirty="0"/>
+              <a:t>Image: </a:t>
+            </a:r>
+            <a:r>
+              <a:rPr lang="en-US" sz="1000" dirty="0">
+                <a:hlinkClick r:id="rId6"/>
+              </a:rPr>
+              <a:t>Jupiter's swirling </a:t>
+            </a:r>
+            <a:r>
+              <a:rPr lang="en-US" sz="1000" dirty="0" err="1">
+                <a:hlinkClick r:id="rId6"/>
+              </a:rPr>
+              <a:t>colourful</a:t>
+            </a:r>
+            <a:r>
+              <a:rPr lang="en-US" sz="1000" dirty="0">
+                <a:hlinkClick r:id="rId6"/>
+              </a:rPr>
+              <a:t> clouds.jpg</a:t>
+            </a:r>
+            <a:r>
+              <a:rPr lang="en-US" sz="1000" dirty="0"/>
+              <a:t> by NASA/ESA is licensed under </a:t>
+            </a:r>
+            <a:r>
+              <a:rPr lang="en-US" sz="1000" dirty="0">
+                <a:hlinkClick r:id="rId7"/>
+              </a:rPr>
+              <a:t>CC-BY-4.0</a:t>
+            </a:r>
+            <a:endParaRPr lang="en-US" sz="1000" dirty="0"/>
           </a:p>
         </p:txBody>
       </p:sp>
